--- a/presentations/Overview.pptx
+++ b/presentations/Overview.pptx
@@ -5,27 +5,31 @@
     <p:sldMasterId id="2147483648" r:id="rId1"/>
   </p:sldMasterIdLst>
   <p:notesMasterIdLst>
-    <p:notesMasterId r:id="rId17"/>
+    <p:notesMasterId r:id="rId18"/>
   </p:notesMasterIdLst>
+  <p:handoutMasterIdLst>
+    <p:handoutMasterId r:id="rId19"/>
+  </p:handoutMasterIdLst>
   <p:sldIdLst>
     <p:sldId id="256" r:id="rId2"/>
-    <p:sldId id="321" r:id="rId3"/>
-    <p:sldId id="331" r:id="rId4"/>
-    <p:sldId id="322" r:id="rId5"/>
-    <p:sldId id="324" r:id="rId6"/>
-    <p:sldId id="341" r:id="rId7"/>
-    <p:sldId id="344" r:id="rId8"/>
-    <p:sldId id="332" r:id="rId9"/>
-    <p:sldId id="335" r:id="rId10"/>
-    <p:sldId id="327" r:id="rId11"/>
-    <p:sldId id="330" r:id="rId12"/>
-    <p:sldId id="337" r:id="rId13"/>
-    <p:sldId id="342" r:id="rId14"/>
-    <p:sldId id="343" r:id="rId15"/>
-    <p:sldId id="340" r:id="rId16"/>
+    <p:sldId id="345" r:id="rId3"/>
+    <p:sldId id="347" r:id="rId4"/>
+    <p:sldId id="331" r:id="rId5"/>
+    <p:sldId id="348" r:id="rId6"/>
+    <p:sldId id="324" r:id="rId7"/>
+    <p:sldId id="341" r:id="rId8"/>
+    <p:sldId id="344" r:id="rId9"/>
+    <p:sldId id="332" r:id="rId10"/>
+    <p:sldId id="335" r:id="rId11"/>
+    <p:sldId id="327" r:id="rId12"/>
+    <p:sldId id="330" r:id="rId13"/>
+    <p:sldId id="337" r:id="rId14"/>
+    <p:sldId id="342" r:id="rId15"/>
+    <p:sldId id="343" r:id="rId16"/>
+    <p:sldId id="340" r:id="rId17"/>
   </p:sldIdLst>
   <p:sldSz cx="9144000" cy="6858000" type="screen4x3"/>
-  <p:notesSz cx="6858000" cy="9144000"/>
+  <p:notesSz cx="9144000" cy="6858000"/>
   <p:defaultTextStyle>
     <a:defPPr>
       <a:defRPr lang="en-US"/>
@@ -156,7 +160,6 @@
 
 <file path=ppt/charts/chart1.xml><?xml version="1.0" encoding="utf-8"?>
 <c:chartSpace xmlns:c="http://schemas.openxmlformats.org/drawingml/2006/chart" xmlns:a="http://schemas.openxmlformats.org/drawingml/2006/main" xmlns:r="http://schemas.openxmlformats.org/officeDocument/2006/relationships">
-  <c:date1904 val="1"/>
   <c:lang val="en-US"/>
   <c:chart>
     <c:plotArea>
@@ -361,26 +364,27 @@
             </c:numRef>
           </c:val>
         </c:ser>
+        <c:dLbls/>
         <c:marker val="1"/>
-        <c:axId val="65434752"/>
-        <c:axId val="65436288"/>
+        <c:axId val="51839360"/>
+        <c:axId val="51840896"/>
       </c:lineChart>
       <c:catAx>
-        <c:axId val="65434752"/>
+        <c:axId val="51839360"/>
         <c:scaling>
           <c:orientation val="minMax"/>
         </c:scaling>
         <c:axPos val="b"/>
         <c:numFmt formatCode="General" sourceLinked="1"/>
         <c:tickLblPos val="nextTo"/>
-        <c:crossAx val="65436288"/>
+        <c:crossAx val="51840896"/>
         <c:crosses val="autoZero"/>
         <c:auto val="1"/>
         <c:lblAlgn val="ctr"/>
         <c:lblOffset val="100"/>
       </c:catAx>
       <c:valAx>
-        <c:axId val="65436288"/>
+        <c:axId val="51840896"/>
         <c:scaling>
           <c:orientation val="minMax"/>
         </c:scaling>
@@ -388,7 +392,7 @@
         <c:majorGridlines/>
         <c:numFmt formatCode="General" sourceLinked="1"/>
         <c:tickLblPos val="nextTo"/>
-        <c:crossAx val="65434752"/>
+        <c:crossAx val="51839360"/>
         <c:crosses val="autoZero"/>
         <c:crossBetween val="between"/>
       </c:valAx>
@@ -398,9 +402,177 @@
       <c:layout/>
     </c:legend>
     <c:plotVisOnly val="1"/>
+    <c:dispBlanksAs val="gap"/>
   </c:chart>
   <c:externalData r:id="rId1"/>
 </c:chartSpace>
+</file>
+
+<file path=ppt/handoutMasters/handoutMaster1.xml><?xml version="1.0" encoding="utf-8"?>
+<p:handoutMaster xmlns:a="http://schemas.openxmlformats.org/drawingml/2006/main" xmlns:r="http://schemas.openxmlformats.org/officeDocument/2006/relationships" xmlns:p="http://schemas.openxmlformats.org/presentationml/2006/main">
+  <p:cSld>
+    <p:bg>
+      <p:bgRef idx="1001">
+        <a:schemeClr val="bg1"/>
+      </p:bgRef>
+    </p:bg>
+    <p:spTree>
+      <p:nvGrpSpPr>
+        <p:cNvPr id="1" name=""/>
+        <p:cNvGrpSpPr/>
+        <p:nvPr/>
+      </p:nvGrpSpPr>
+      <p:grpSpPr>
+        <a:xfrm>
+          <a:off x="0" y="0"/>
+          <a:ext cx="0" cy="0"/>
+          <a:chOff x="0" y="0"/>
+          <a:chExt cx="0" cy="0"/>
+        </a:xfrm>
+      </p:grpSpPr>
+      <p:sp>
+        <p:nvSpPr>
+          <p:cNvPr id="2" name="Header Placeholder 1"/>
+          <p:cNvSpPr>
+            <a:spLocks noGrp="1"/>
+          </p:cNvSpPr>
+          <p:nvPr>
+            <p:ph type="hdr" sz="quarter"/>
+          </p:nvPr>
+        </p:nvSpPr>
+        <p:spPr>
+          <a:xfrm>
+            <a:off x="0" y="0"/>
+            <a:ext cx="3962400" cy="342900"/>
+          </a:xfrm>
+          <a:prstGeom prst="rect">
+            <a:avLst/>
+          </a:prstGeom>
+        </p:spPr>
+        <p:txBody>
+          <a:bodyPr vert="horz" lIns="91440" tIns="45720" rIns="91440" bIns="45720" rtlCol="0"/>
+          <a:lstStyle>
+            <a:lvl1pPr algn="l">
+              <a:defRPr sz="1200"/>
+            </a:lvl1pPr>
+          </a:lstStyle>
+          <a:p>
+            <a:endParaRPr lang="en-US"/>
+          </a:p>
+        </p:txBody>
+      </p:sp>
+      <p:sp>
+        <p:nvSpPr>
+          <p:cNvPr id="3" name="Date Placeholder 2"/>
+          <p:cNvSpPr>
+            <a:spLocks noGrp="1"/>
+          </p:cNvSpPr>
+          <p:nvPr>
+            <p:ph type="dt" sz="quarter" idx="1"/>
+          </p:nvPr>
+        </p:nvSpPr>
+        <p:spPr>
+          <a:xfrm>
+            <a:off x="5179484" y="0"/>
+            <a:ext cx="3962400" cy="342900"/>
+          </a:xfrm>
+          <a:prstGeom prst="rect">
+            <a:avLst/>
+          </a:prstGeom>
+        </p:spPr>
+        <p:txBody>
+          <a:bodyPr vert="horz" lIns="91440" tIns="45720" rIns="91440" bIns="45720" rtlCol="0"/>
+          <a:lstStyle>
+            <a:lvl1pPr algn="r">
+              <a:defRPr sz="1200"/>
+            </a:lvl1pPr>
+          </a:lstStyle>
+          <a:p>
+            <a:fld id="{8BC243FF-AE77-4DF4-8CCC-66C2282A886D}" type="datetimeFigureOut">
+              <a:rPr lang="en-US" smtClean="0"/>
+              <a:pPr/>
+              <a:t>10/20/2014</a:t>
+            </a:fld>
+            <a:endParaRPr lang="en-US"/>
+          </a:p>
+        </p:txBody>
+      </p:sp>
+      <p:sp>
+        <p:nvSpPr>
+          <p:cNvPr id="4" name="Footer Placeholder 3"/>
+          <p:cNvSpPr>
+            <a:spLocks noGrp="1"/>
+          </p:cNvSpPr>
+          <p:nvPr>
+            <p:ph type="ftr" sz="quarter" idx="2"/>
+          </p:nvPr>
+        </p:nvSpPr>
+        <p:spPr>
+          <a:xfrm>
+            <a:off x="0" y="6513910"/>
+            <a:ext cx="3962400" cy="342900"/>
+          </a:xfrm>
+          <a:prstGeom prst="rect">
+            <a:avLst/>
+          </a:prstGeom>
+        </p:spPr>
+        <p:txBody>
+          <a:bodyPr vert="horz" lIns="91440" tIns="45720" rIns="91440" bIns="45720" rtlCol="0" anchor="b"/>
+          <a:lstStyle>
+            <a:lvl1pPr algn="l">
+              <a:defRPr sz="1200"/>
+            </a:lvl1pPr>
+          </a:lstStyle>
+          <a:p>
+            <a:endParaRPr lang="en-US"/>
+          </a:p>
+        </p:txBody>
+      </p:sp>
+      <p:sp>
+        <p:nvSpPr>
+          <p:cNvPr id="5" name="Slide Number Placeholder 4"/>
+          <p:cNvSpPr>
+            <a:spLocks noGrp="1"/>
+          </p:cNvSpPr>
+          <p:nvPr>
+            <p:ph type="sldNum" sz="quarter" idx="3"/>
+          </p:nvPr>
+        </p:nvSpPr>
+        <p:spPr>
+          <a:xfrm>
+            <a:off x="5179484" y="6513910"/>
+            <a:ext cx="3962400" cy="342900"/>
+          </a:xfrm>
+          <a:prstGeom prst="rect">
+            <a:avLst/>
+          </a:prstGeom>
+        </p:spPr>
+        <p:txBody>
+          <a:bodyPr vert="horz" lIns="91440" tIns="45720" rIns="91440" bIns="45720" rtlCol="0" anchor="b"/>
+          <a:lstStyle>
+            <a:lvl1pPr algn="r">
+              <a:defRPr sz="1200"/>
+            </a:lvl1pPr>
+          </a:lstStyle>
+          <a:p>
+            <a:fld id="{1DCD4267-5229-4B96-86F6-903E6E350A09}" type="slidenum">
+              <a:rPr lang="en-US" smtClean="0"/>
+              <a:pPr/>
+              <a:t>‹#›</a:t>
+            </a:fld>
+            <a:endParaRPr lang="en-US"/>
+          </a:p>
+        </p:txBody>
+      </p:sp>
+    </p:spTree>
+    <p:extLst>
+      <p:ext uri="{BB962C8B-B14F-4D97-AF65-F5344CB8AC3E}">
+        <p14:creationId xmlns:p14="http://schemas.microsoft.com/office/powerpoint/2010/main" xmlns="" val="4039744152"/>
+      </p:ext>
+    </p:extLst>
+  </p:cSld>
+  <p:clrMap bg1="lt1" tx1="dk1" bg2="lt2" tx2="dk2" accent1="accent1" accent2="accent2" accent3="accent3" accent4="accent4" accent5="accent5" accent6="accent6" hlink="hlink" folHlink="folHlink"/>
+</p:handoutMaster>
 </file>
 
 <file path=ppt/notesMasters/notesMaster1.xml><?xml version="1.0" encoding="utf-8"?>
@@ -438,7 +610,7 @@
         <p:spPr>
           <a:xfrm>
             <a:off x="0" y="0"/>
-            <a:ext cx="2971800" cy="457200"/>
+            <a:ext cx="3962400" cy="342900"/>
           </a:xfrm>
           <a:prstGeom prst="rect">
             <a:avLst/>
@@ -481,8 +653,8 @@
         </p:nvSpPr>
         <p:spPr>
           <a:xfrm>
-            <a:off x="3884613" y="0"/>
-            <a:ext cx="2971800" cy="457200"/>
+            <a:off x="5179484" y="0"/>
+            <a:ext cx="3962400" cy="342900"/>
           </a:xfrm>
           <a:prstGeom prst="rect">
             <a:avLst/>
@@ -506,7 +678,7 @@
             <a:fld id="{D0858862-58BF-44B0-8200-136196B2F4C7}" type="datetimeFigureOut">
               <a:rPr lang="en-US"/>
               <a:pPr/>
-              <a:t>10/6/2014</a:t>
+              <a:t>10/20/2014</a:t>
             </a:fld>
             <a:endParaRPr lang="en-US"/>
           </a:p>
@@ -524,8 +696,8 @@
         </p:nvSpPr>
         <p:spPr>
           <a:xfrm>
-            <a:off x="1143000" y="685800"/>
-            <a:ext cx="4572000" cy="3429000"/>
+            <a:off x="2857500" y="514350"/>
+            <a:ext cx="3429000" cy="2571750"/>
           </a:xfrm>
           <a:prstGeom prst="rect">
             <a:avLst/>
@@ -558,8 +730,8 @@
         </p:nvSpPr>
         <p:spPr>
           <a:xfrm>
-            <a:off x="685800" y="4343400"/>
-            <a:ext cx="5486400" cy="4114800"/>
+            <a:off x="914400" y="3257550"/>
+            <a:ext cx="7315200" cy="3086100"/>
           </a:xfrm>
           <a:prstGeom prst="rect">
             <a:avLst/>
@@ -620,8 +792,8 @@
         </p:nvSpPr>
         <p:spPr>
           <a:xfrm>
-            <a:off x="0" y="8685213"/>
-            <a:ext cx="2971800" cy="457200"/>
+            <a:off x="0" y="6513910"/>
+            <a:ext cx="3962400" cy="342900"/>
           </a:xfrm>
           <a:prstGeom prst="rect">
             <a:avLst/>
@@ -664,8 +836,8 @@
         </p:nvSpPr>
         <p:spPr>
           <a:xfrm>
-            <a:off x="3884613" y="8685213"/>
-            <a:ext cx="2971800" cy="457200"/>
+            <a:off x="5179484" y="6513910"/>
+            <a:ext cx="3962400" cy="342900"/>
           </a:xfrm>
           <a:prstGeom prst="rect">
             <a:avLst/>
@@ -696,6 +868,11 @@
         </p:txBody>
       </p:sp>
     </p:spTree>
+    <p:extLst>
+      <p:ext uri="{BB962C8B-B14F-4D97-AF65-F5344CB8AC3E}">
+        <p14:creationId xmlns:p14="http://schemas.microsoft.com/office/powerpoint/2010/main" xmlns="" val="2985543867"/>
+      </p:ext>
+    </p:extLst>
   </p:cSld>
   <p:clrMap bg1="lt1" tx1="dk1" bg2="lt2" tx2="dk2" accent1="accent1" accent2="accent2" accent3="accent3" accent4="accent4" accent5="accent5" accent6="accent6" hlink="hlink" folHlink="folHlink"/>
   <p:notesStyle>
@@ -842,115 +1019,58 @@
       </p:grpSpPr>
       <p:sp>
         <p:nvSpPr>
-          <p:cNvPr id="16385" name="Rectangle 7"/>
-          <p:cNvSpPr>
-            <a:spLocks noGrp="1" noChangeArrowheads="1"/>
-          </p:cNvSpPr>
-          <p:nvPr>
-            <p:ph type="sldNum" sz="quarter" idx="5"/>
-          </p:nvPr>
-        </p:nvSpPr>
-        <p:spPr bwMode="auto">
-          <a:noFill/>
-          <a:ln>
-            <a:miter lim="800000"/>
-            <a:headEnd/>
-            <a:tailEnd/>
-          </a:ln>
-        </p:spPr>
+          <p:cNvPr id="2" name="Slide Image Placeholder 1"/>
+          <p:cNvSpPr>
+            <a:spLocks noGrp="1" noRot="1" noChangeAspect="1"/>
+          </p:cNvSpPr>
+          <p:nvPr>
+            <p:ph type="sldImg"/>
+          </p:nvPr>
+        </p:nvSpPr>
+        <p:spPr/>
+      </p:sp>
+      <p:sp>
+        <p:nvSpPr>
+          <p:cNvPr id="3" name="Notes Placeholder 2"/>
+          <p:cNvSpPr>
+            <a:spLocks noGrp="1"/>
+          </p:cNvSpPr>
+          <p:nvPr>
+            <p:ph type="body" idx="1"/>
+          </p:nvPr>
+        </p:nvSpPr>
+        <p:spPr/>
+        <p:txBody>
+          <a:bodyPr>
+            <a:normAutofit/>
+          </a:bodyPr>
+          <a:lstStyle/>
+          <a:p>
+            <a:endParaRPr lang="en-US"/>
+          </a:p>
+        </p:txBody>
+      </p:sp>
+      <p:sp>
+        <p:nvSpPr>
+          <p:cNvPr id="4" name="Slide Number Placeholder 3"/>
+          <p:cNvSpPr>
+            <a:spLocks noGrp="1"/>
+          </p:cNvSpPr>
+          <p:nvPr>
+            <p:ph type="sldNum" sz="quarter" idx="10"/>
+          </p:nvPr>
+        </p:nvSpPr>
+        <p:spPr/>
         <p:txBody>
           <a:bodyPr/>
           <a:lstStyle/>
           <a:p>
-            <a:fld id="{04882948-0A97-4FEA-83CF-4E9832F29B84}" type="slidenum">
-              <a:rPr lang="en-US">
-                <a:latin typeface="Arial" pitchFamily="34" charset="0"/>
-              </a:rPr>
+            <a:fld id="{85825B41-99FA-4DE0-A03A-44AAB1A3A6B2}" type="slidenum">
+              <a:rPr lang="en-US" smtClean="0"/>
               <a:pPr/>
-              <a:t>2</a:t>
+              <a:t>1</a:t>
             </a:fld>
-            <a:endParaRPr lang="en-US">
-              <a:latin typeface="Arial" pitchFamily="34" charset="0"/>
-            </a:endParaRPr>
-          </a:p>
-        </p:txBody>
-      </p:sp>
-      <p:sp>
-        <p:nvSpPr>
-          <p:cNvPr id="16386" name="Rectangle 2"/>
-          <p:cNvSpPr>
-            <a:spLocks noGrp="1" noRot="1" noChangeAspect="1" noChangeArrowheads="1" noTextEdit="1"/>
-          </p:cNvSpPr>
-          <p:nvPr>
-            <p:ph type="sldImg"/>
-          </p:nvPr>
-        </p:nvSpPr>
-        <p:spPr bwMode="auto">
-          <a:solidFill>
-            <a:srgbClr val="FFFFFF"/>
-          </a:solidFill>
-          <a:ln>
-            <a:solidFill>
-              <a:srgbClr val="000000"/>
-            </a:solidFill>
-            <a:miter lim="800000"/>
-            <a:headEnd/>
-            <a:tailEnd/>
-          </a:ln>
-        </p:spPr>
-      </p:sp>
-      <p:sp>
-        <p:nvSpPr>
-          <p:cNvPr id="16387" name="Rectangle 3"/>
-          <p:cNvSpPr>
-            <a:spLocks noGrp="1" noChangeArrowheads="1"/>
-          </p:cNvSpPr>
-          <p:nvPr>
-            <p:ph type="body" idx="1"/>
-          </p:nvPr>
-        </p:nvSpPr>
-        <p:spPr bwMode="auto">
-          <a:solidFill>
-            <a:srgbClr val="FFFFFF"/>
-          </a:solidFill>
-          <a:ln>
-            <a:solidFill>
-              <a:srgbClr val="000000"/>
-            </a:solidFill>
-            <a:miter lim="800000"/>
-            <a:headEnd/>
-            <a:tailEnd/>
-          </a:ln>
-        </p:spPr>
-        <p:txBody>
-          <a:bodyPr wrap="square" lIns="89940" tIns="44970" rIns="89940" bIns="44970" numCol="1" anchor="t" anchorCtr="0" compatLnSpc="1">
-            <a:prstTxWarp prst="textNoShape">
-              <a:avLst/>
-            </a:prstTxWarp>
-          </a:bodyPr>
-          <a:lstStyle/>
-          <a:p>
-            <a:pPr eaLnBrk="1" hangingPunct="1"/>
-            <a:r>
-              <a:rPr lang="en-US" sz="1800" i="1" smtClean="0">
-                <a:solidFill>
-                  <a:srgbClr val="800000"/>
-                </a:solidFill>
-                <a:latin typeface="Verdana" pitchFamily="34" charset="0"/>
-                <a:ea typeface="ＭＳ Ｐゴシック" pitchFamily="34" charset="-128"/>
-              </a:rPr>
-              <a:t>Although the main focus of our work is on providing real-time data, Unidata develops tools, middleware, and services that contribute to broader cyberinfrastructure needs of the community.</a:t>
-            </a:r>
-          </a:p>
-          <a:p>
-            <a:pPr eaLnBrk="1" hangingPunct="1"/>
-            <a:endParaRPr lang="en-US" sz="1800" i="1" smtClean="0">
-              <a:solidFill>
-                <a:srgbClr val="800000"/>
-              </a:solidFill>
-              <a:latin typeface="Verdana" pitchFamily="34" charset="0"/>
-              <a:ea typeface="ＭＳ Ｐゴシック" pitchFamily="34" charset="-128"/>
-            </a:endParaRPr>
+            <a:endParaRPr lang="en-US"/>
           </a:p>
         </p:txBody>
       </p:sp>
@@ -1148,7 +1268,7 @@
             <a:fld id="{F30AFB2F-5EF3-4CAB-B2FE-BA0A39E220C6}" type="datetimeFigureOut">
               <a:rPr lang="en-US"/>
               <a:pPr/>
-              <a:t>10/6/2014</a:t>
+              <a:t>10/20/2014</a:t>
             </a:fld>
             <a:endParaRPr lang="en-US"/>
           </a:p>
@@ -1330,7 +1450,7 @@
             <a:fld id="{778D11B3-B33D-4421-B117-CBEAEEDF3B56}" type="datetimeFigureOut">
               <a:rPr lang="en-US"/>
               <a:pPr/>
-              <a:t>10/6/2014</a:t>
+              <a:t>10/20/2014</a:t>
             </a:fld>
             <a:endParaRPr lang="en-US"/>
           </a:p>
@@ -1522,7 +1642,7 @@
             <a:fld id="{E546F523-601C-4AE6-94D0-B6E0B6B185B6}" type="datetimeFigureOut">
               <a:rPr lang="en-US"/>
               <a:pPr/>
-              <a:t>10/6/2014</a:t>
+              <a:t>10/20/2014</a:t>
             </a:fld>
             <a:endParaRPr lang="en-US"/>
           </a:p>
@@ -1704,7 +1824,7 @@
             <a:fld id="{2755933F-A7CD-46E1-AE74-F4B25B8A5888}" type="datetimeFigureOut">
               <a:rPr lang="en-US"/>
               <a:pPr/>
-              <a:t>10/6/2014</a:t>
+              <a:t>10/20/2014</a:t>
             </a:fld>
             <a:endParaRPr lang="en-US"/>
           </a:p>
@@ -1962,7 +2082,7 @@
             <a:fld id="{E2DD70BF-DD26-4542-8867-0654A849CEFE}" type="datetimeFigureOut">
               <a:rPr lang="en-US"/>
               <a:pPr/>
-              <a:t>10/6/2014</a:t>
+              <a:t>10/20/2014</a:t>
             </a:fld>
             <a:endParaRPr lang="en-US"/>
           </a:p>
@@ -2262,7 +2382,7 @@
             <a:fld id="{80E5E274-32FD-4A30-AF3B-64174B6C2069}" type="datetimeFigureOut">
               <a:rPr lang="en-US"/>
               <a:pPr/>
-              <a:t>10/6/2014</a:t>
+              <a:t>10/20/2014</a:t>
             </a:fld>
             <a:endParaRPr lang="en-US"/>
           </a:p>
@@ -2696,7 +2816,7 @@
             <a:fld id="{02E83F24-3119-487E-BFBC-C70771716A50}" type="datetimeFigureOut">
               <a:rPr lang="en-US"/>
               <a:pPr/>
-              <a:t>10/6/2014</a:t>
+              <a:t>10/20/2014</a:t>
             </a:fld>
             <a:endParaRPr lang="en-US"/>
           </a:p>
@@ -2826,7 +2946,7 @@
             <a:fld id="{68DD7F26-701B-47E4-A59A-055252B49D89}" type="datetimeFigureOut">
               <a:rPr lang="en-US"/>
               <a:pPr/>
-              <a:t>10/6/2014</a:t>
+              <a:t>10/20/2014</a:t>
             </a:fld>
             <a:endParaRPr lang="en-US"/>
           </a:p>
@@ -2933,7 +3053,7 @@
             <a:fld id="{CACE95DC-D4F0-4723-9A98-48338ADC933B}" type="datetimeFigureOut">
               <a:rPr lang="en-US"/>
               <a:pPr/>
-              <a:t>10/6/2014</a:t>
+              <a:t>10/20/2014</a:t>
             </a:fld>
             <a:endParaRPr lang="en-US"/>
           </a:p>
@@ -3222,7 +3342,7 @@
             <a:fld id="{E253DCD9-B885-4B2F-841C-5BE81A85EC36}" type="datetimeFigureOut">
               <a:rPr lang="en-US"/>
               <a:pPr/>
-              <a:t>10/6/2014</a:t>
+              <a:t>10/20/2014</a:t>
             </a:fld>
             <a:endParaRPr lang="en-US"/>
           </a:p>
@@ -3490,7 +3610,7 @@
             <a:fld id="{292D2DE9-A858-4AF6-BFB6-E7BE7517C326}" type="datetimeFigureOut">
               <a:rPr lang="en-US"/>
               <a:pPr/>
-              <a:t>10/6/2014</a:t>
+              <a:t>10/20/2014</a:t>
             </a:fld>
             <a:endParaRPr lang="en-US"/>
           </a:p>
@@ -3732,7 +3852,7 @@
             <a:fld id="{28771537-7EF8-4AE1-AA34-66E7A6D640CE}" type="datetimeFigureOut">
               <a:rPr lang="en-US"/>
               <a:pPr/>
-              <a:t>10/6/2014</a:t>
+              <a:t>10/20/2014</a:t>
             </a:fld>
             <a:endParaRPr lang="en-US"/>
           </a:p>
@@ -4384,7 +4504,7 @@
               <a:rPr lang="en-US" altLang="ja-JP" sz="2400" dirty="0" smtClean="0">
                 <a:ea typeface="ＭＳ Ｐゴシック" pitchFamily="34" charset="-128"/>
               </a:rPr>
-              <a:t>(Unidata, python, data)</a:t>
+              <a:t>(Unidata, python)</a:t>
             </a:r>
             <a:endParaRPr lang="en-US" sz="2400" dirty="0" smtClean="0">
               <a:solidFill>
@@ -4453,2516 +4573,6 @@
 </file>
 
 <file path=ppt/slides/slide10.xml><?xml version="1.0" encoding="utf-8"?>
-<p:sld xmlns:a="http://schemas.openxmlformats.org/drawingml/2006/main" xmlns:r="http://schemas.openxmlformats.org/officeDocument/2006/relationships" xmlns:p="http://schemas.openxmlformats.org/presentationml/2006/main">
-  <p:cSld>
-    <p:spTree>
-      <p:nvGrpSpPr>
-        <p:cNvPr id="1" name=""/>
-        <p:cNvGrpSpPr/>
-        <p:nvPr/>
-      </p:nvGrpSpPr>
-      <p:grpSpPr>
-        <a:xfrm>
-          <a:off x="0" y="0"/>
-          <a:ext cx="0" cy="0"/>
-          <a:chOff x="0" y="0"/>
-          <a:chExt cx="0" cy="0"/>
-        </a:xfrm>
-      </p:grpSpPr>
-      <p:sp>
-        <p:nvSpPr>
-          <p:cNvPr id="2" name="Title 1"/>
-          <p:cNvSpPr>
-            <a:spLocks noGrp="1"/>
-          </p:cNvSpPr>
-          <p:nvPr>
-            <p:ph type="title"/>
-          </p:nvPr>
-        </p:nvSpPr>
-        <p:spPr/>
-        <p:txBody>
-          <a:bodyPr/>
-          <a:lstStyle/>
-          <a:p>
-            <a:r>
-              <a:rPr lang="en-US" dirty="0" smtClean="0"/>
-              <a:t>What is Python?</a:t>
-            </a:r>
-            <a:endParaRPr lang="en-US" dirty="0"/>
-          </a:p>
-        </p:txBody>
-      </p:sp>
-      <p:sp>
-        <p:nvSpPr>
-          <p:cNvPr id="3" name="Content Placeholder 2"/>
-          <p:cNvSpPr>
-            <a:spLocks noGrp="1"/>
-          </p:cNvSpPr>
-          <p:nvPr>
-            <p:ph idx="1"/>
-          </p:nvPr>
-        </p:nvSpPr>
-        <p:spPr>
-          <a:xfrm>
-            <a:off x="457200" y="1600200"/>
-            <a:ext cx="6343650" cy="4525963"/>
-          </a:xfrm>
-        </p:spPr>
-        <p:txBody>
-          <a:bodyPr/>
-          <a:lstStyle/>
-          <a:p>
-            <a:r>
-              <a:rPr lang="en-US" sz="3000" dirty="0" smtClean="0"/>
-              <a:t>General purpose, high-level language invented by Guido van </a:t>
-            </a:r>
-            <a:r>
-              <a:rPr lang="en-US" sz="3000" dirty="0" err="1" smtClean="0"/>
-              <a:t>Rossum</a:t>
-            </a:r>
-            <a:r>
-              <a:rPr lang="en-US" sz="3000" dirty="0" smtClean="0"/>
-              <a:t>.</a:t>
-            </a:r>
-          </a:p>
-          <a:p>
-            <a:r>
-              <a:rPr lang="en-US" sz="3000" dirty="0" smtClean="0"/>
-              <a:t>Multiple paradigms</a:t>
-            </a:r>
-          </a:p>
-          <a:p>
-            <a:r>
-              <a:rPr lang="en-US" sz="3000" dirty="0" smtClean="0"/>
-              <a:t>scripting</a:t>
-            </a:r>
-          </a:p>
-          <a:p>
-            <a:r>
-              <a:rPr lang="en-US" sz="3000" dirty="0" smtClean="0"/>
-              <a:t>object-oriented</a:t>
-            </a:r>
-          </a:p>
-          <a:p>
-            <a:r>
-              <a:rPr lang="en-US" sz="3000" dirty="0" smtClean="0"/>
-              <a:t>imperative</a:t>
-            </a:r>
-          </a:p>
-          <a:p>
-            <a:r>
-              <a:rPr lang="en-US" sz="3000" dirty="0" smtClean="0"/>
-              <a:t>functional</a:t>
-            </a:r>
-          </a:p>
-          <a:p>
-            <a:r>
-              <a:rPr lang="en-US" sz="3000" dirty="0" smtClean="0"/>
-              <a:t>"Python is executable </a:t>
-            </a:r>
-            <a:r>
-              <a:rPr lang="en-US" sz="3000" dirty="0" err="1" smtClean="0"/>
-              <a:t>pseudocode</a:t>
-            </a:r>
-            <a:r>
-              <a:rPr lang="en-US" sz="3000" dirty="0" smtClean="0"/>
-              <a:t>"</a:t>
-            </a:r>
-            <a:endParaRPr lang="en-US" sz="3000" dirty="0"/>
-          </a:p>
-        </p:txBody>
-      </p:sp>
-      <p:pic>
-        <p:nvPicPr>
-          <p:cNvPr id="2050" name="Picture 2" descr="Guido van Rossum"/>
-          <p:cNvPicPr>
-            <a:picLocks noChangeAspect="1" noChangeArrowheads="1"/>
-          </p:cNvPicPr>
-          <p:nvPr/>
-        </p:nvPicPr>
-        <p:blipFill>
-          <a:blip r:embed="rId2" cstate="print"/>
-          <a:srcRect/>
-          <a:stretch>
-            <a:fillRect/>
-          </a:stretch>
-        </p:blipFill>
-        <p:spPr bwMode="auto">
-          <a:xfrm>
-            <a:off x="6407784" y="2206307"/>
-            <a:ext cx="2061845" cy="3092769"/>
-          </a:xfrm>
-          <a:prstGeom prst="rect">
-            <a:avLst/>
-          </a:prstGeom>
-          <a:noFill/>
-        </p:spPr>
-      </p:pic>
-    </p:spTree>
-  </p:cSld>
-  <p:clrMapOvr>
-    <a:masterClrMapping/>
-  </p:clrMapOvr>
-  <p:timing>
-    <p:tnLst>
-      <p:par>
-        <p:cTn id="1" dur="indefinite" restart="never" nodeType="tmRoot"/>
-      </p:par>
-    </p:tnLst>
-  </p:timing>
-</p:sld>
-</file>
-
-<file path=ppt/slides/slide11.xml><?xml version="1.0" encoding="utf-8"?>
-<p:sld xmlns:a="http://schemas.openxmlformats.org/drawingml/2006/main" xmlns:r="http://schemas.openxmlformats.org/officeDocument/2006/relationships" xmlns:p="http://schemas.openxmlformats.org/presentationml/2006/main">
-  <p:cSld>
-    <p:spTree>
-      <p:nvGrpSpPr>
-        <p:cNvPr id="1" name=""/>
-        <p:cNvGrpSpPr/>
-        <p:nvPr/>
-      </p:nvGrpSpPr>
-      <p:grpSpPr>
-        <a:xfrm>
-          <a:off x="0" y="0"/>
-          <a:ext cx="0" cy="0"/>
-          <a:chOff x="0" y="0"/>
-          <a:chExt cx="0" cy="0"/>
-        </a:xfrm>
-      </p:grpSpPr>
-      <p:sp>
-        <p:nvSpPr>
-          <p:cNvPr id="2" name="Title 1"/>
-          <p:cNvSpPr>
-            <a:spLocks noGrp="1"/>
-          </p:cNvSpPr>
-          <p:nvPr>
-            <p:ph type="title"/>
-          </p:nvPr>
-        </p:nvSpPr>
-        <p:spPr/>
-        <p:txBody>
-          <a:bodyPr/>
-          <a:lstStyle/>
-          <a:p>
-            <a:r>
-              <a:rPr lang="en-US" dirty="0" smtClean="0"/>
-              <a:t>Unidata and Python</a:t>
-            </a:r>
-            <a:endParaRPr lang="en-US" dirty="0"/>
-          </a:p>
-        </p:txBody>
-      </p:sp>
-      <p:sp>
-        <p:nvSpPr>
-          <p:cNvPr id="3" name="Content Placeholder 2"/>
-          <p:cNvSpPr>
-            <a:spLocks noGrp="1"/>
-          </p:cNvSpPr>
-          <p:nvPr>
-            <p:ph idx="1"/>
-          </p:nvPr>
-        </p:nvSpPr>
-        <p:spPr>
-          <a:xfrm>
-            <a:off x="457200" y="1440180"/>
-            <a:ext cx="8229600" cy="4685983"/>
-          </a:xfrm>
-        </p:spPr>
-        <p:txBody>
-          <a:bodyPr/>
-          <a:lstStyle/>
-          <a:p>
-            <a:pPr>
-              <a:buNone/>
-            </a:pPr>
-            <a:r>
-              <a:rPr lang="en-US" sz="2400" b="1" dirty="0" smtClean="0"/>
-              <a:t>     "I have used a combination of Perl, Fortran, NCL, </a:t>
-            </a:r>
-            <a:r>
-              <a:rPr lang="en-US" sz="2400" b="1" dirty="0" err="1" smtClean="0"/>
-              <a:t>Matlab</a:t>
-            </a:r>
-            <a:r>
-              <a:rPr lang="en-US" sz="2400" b="1" dirty="0" smtClean="0"/>
-              <a:t>, R and others for routine research, but found out this general-purpose language, Python, can handle almost all in an efficient way from requesting data from remote online sites to statistics, graphics."</a:t>
-            </a:r>
-            <a:r>
-              <a:rPr lang="en-US" sz="2400" dirty="0" smtClean="0"/>
-              <a:t>   - UCAR Scientist</a:t>
-            </a:r>
-          </a:p>
-          <a:p>
-            <a:endParaRPr lang="en-US" sz="2400" dirty="0" smtClean="0"/>
-          </a:p>
-          <a:p>
-            <a:pPr lvl="1"/>
-            <a:r>
-              <a:rPr lang="en-US" sz="2400" dirty="0" smtClean="0"/>
-              <a:t>Avenue for exploring, and leveraging netCDF and THREDDS Data Server technologies.</a:t>
-            </a:r>
-          </a:p>
-          <a:p>
-            <a:pPr lvl="1"/>
-            <a:r>
-              <a:rPr lang="en-US" sz="2400" dirty="0" smtClean="0"/>
-              <a:t>Embraced by earth science community for analysis and exploration (see table).</a:t>
-            </a:r>
-          </a:p>
-          <a:p>
-            <a:pPr lvl="1"/>
-            <a:r>
-              <a:rPr lang="en-US" sz="2400" dirty="0" smtClean="0"/>
-              <a:t>Publication quality graphics and visualization which are improving all the time. </a:t>
-            </a:r>
-          </a:p>
-          <a:p>
-            <a:pPr lvl="1"/>
-            <a:endParaRPr lang="en-US" dirty="0"/>
-          </a:p>
-        </p:txBody>
-      </p:sp>
-    </p:spTree>
-  </p:cSld>
-  <p:clrMapOvr>
-    <a:masterClrMapping/>
-  </p:clrMapOvr>
-  <p:timing>
-    <p:tnLst>
-      <p:par>
-        <p:cTn id="1" dur="indefinite" restart="never" nodeType="tmRoot"/>
-      </p:par>
-    </p:tnLst>
-  </p:timing>
-</p:sld>
-</file>
-
-<file path=ppt/slides/slide12.xml><?xml version="1.0" encoding="utf-8"?>
-<p:sld xmlns:a="http://schemas.openxmlformats.org/drawingml/2006/main" xmlns:r="http://schemas.openxmlformats.org/officeDocument/2006/relationships" xmlns:p="http://schemas.openxmlformats.org/presentationml/2006/main">
-  <p:cSld>
-    <p:spTree>
-      <p:nvGrpSpPr>
-        <p:cNvPr id="1" name=""/>
-        <p:cNvGrpSpPr/>
-        <p:nvPr/>
-      </p:nvGrpSpPr>
-      <p:grpSpPr>
-        <a:xfrm>
-          <a:off x="0" y="0"/>
-          <a:ext cx="0" cy="0"/>
-          <a:chOff x="0" y="0"/>
-          <a:chExt cx="0" cy="0"/>
-        </a:xfrm>
-      </p:grpSpPr>
-      <p:sp>
-        <p:nvSpPr>
-          <p:cNvPr id="2" name="Title 1"/>
-          <p:cNvSpPr>
-            <a:spLocks noGrp="1"/>
-          </p:cNvSpPr>
-          <p:nvPr>
-            <p:ph type="title"/>
-          </p:nvPr>
-        </p:nvSpPr>
-        <p:spPr/>
-        <p:txBody>
-          <a:bodyPr/>
-          <a:lstStyle/>
-          <a:p>
-            <a:r>
-              <a:rPr lang="en-US" dirty="0" smtClean="0"/>
-              <a:t>Python Editor</a:t>
-            </a:r>
-            <a:endParaRPr lang="en-US" dirty="0"/>
-          </a:p>
-        </p:txBody>
-      </p:sp>
-      <p:sp>
-        <p:nvSpPr>
-          <p:cNvPr id="3" name="Content Placeholder 2"/>
-          <p:cNvSpPr>
-            <a:spLocks noGrp="1"/>
-          </p:cNvSpPr>
-          <p:nvPr>
-            <p:ph idx="1"/>
-          </p:nvPr>
-        </p:nvSpPr>
-        <p:spPr>
-          <a:xfrm>
-            <a:off x="457200" y="1600200"/>
-            <a:ext cx="8401050" cy="4525963"/>
-          </a:xfrm>
-        </p:spPr>
-        <p:txBody>
-          <a:bodyPr/>
-          <a:lstStyle/>
-          <a:p>
-            <a:r>
-              <a:rPr lang="en-US" sz="2800" dirty="0" smtClean="0"/>
-              <a:t>Today, we will be using the </a:t>
-            </a:r>
-            <a:r>
-              <a:rPr lang="en-US" sz="2800" dirty="0" err="1" smtClean="0"/>
-              <a:t>ipython</a:t>
-            </a:r>
-            <a:r>
-              <a:rPr lang="en-US" sz="2800" dirty="0" smtClean="0"/>
-              <a:t> notebook. It is good for presentations and sharing finished code. It is not so good for code development. Here are some Python IDEs:</a:t>
-            </a:r>
-          </a:p>
-          <a:p>
-            <a:pPr lvl="1"/>
-            <a:r>
-              <a:rPr lang="en-US" sz="2400" dirty="0" smtClean="0">
-                <a:hlinkClick r:id="rId2"/>
-              </a:rPr>
-              <a:t>Python Tools for Visual Studio</a:t>
-            </a:r>
-            <a:endParaRPr lang="en-US" sz="2400" dirty="0" smtClean="0"/>
-          </a:p>
-          <a:p>
-            <a:pPr lvl="1"/>
-            <a:r>
-              <a:rPr lang="en-US" sz="2400" dirty="0" smtClean="0">
-                <a:hlinkClick r:id="rId3"/>
-              </a:rPr>
-              <a:t>Spyder</a:t>
-            </a:r>
-            <a:r>
-              <a:rPr lang="en-US" sz="2400" dirty="0" smtClean="0"/>
-              <a:t> (Scientific Python </a:t>
-            </a:r>
-            <a:r>
-              <a:rPr lang="en-US" sz="2400" dirty="0" err="1" smtClean="0"/>
-              <a:t>Developement</a:t>
-            </a:r>
-            <a:r>
-              <a:rPr lang="en-US" sz="2400" dirty="0" smtClean="0"/>
-              <a:t> </a:t>
-            </a:r>
-            <a:r>
-              <a:rPr lang="en-US" sz="2400" dirty="0" err="1" smtClean="0"/>
-              <a:t>EnviRonment</a:t>
-            </a:r>
-            <a:r>
-              <a:rPr lang="en-US" sz="2400" dirty="0" smtClean="0"/>
-              <a:t>)</a:t>
-            </a:r>
-          </a:p>
-          <a:p>
-            <a:pPr lvl="1"/>
-            <a:r>
-              <a:rPr lang="en-US" sz="2400" dirty="0" smtClean="0">
-                <a:hlinkClick r:id="rId4"/>
-              </a:rPr>
-              <a:t>Emacs </a:t>
-            </a:r>
-            <a:r>
-              <a:rPr lang="en-US" sz="2400" dirty="0" err="1" smtClean="0">
-                <a:hlinkClick r:id="rId4"/>
-              </a:rPr>
-              <a:t>Ipython</a:t>
-            </a:r>
-            <a:r>
-              <a:rPr lang="en-US" sz="2400" dirty="0" smtClean="0">
-                <a:hlinkClick r:id="rId4"/>
-              </a:rPr>
-              <a:t> Notebook</a:t>
-            </a:r>
-            <a:endParaRPr lang="en-US" sz="2400" dirty="0" smtClean="0"/>
-          </a:p>
-          <a:p>
-            <a:pPr lvl="1"/>
-            <a:r>
-              <a:rPr lang="en-US" sz="2400" dirty="0" smtClean="0">
-                <a:hlinkClick r:id="rId5"/>
-              </a:rPr>
-              <a:t>Enthought Canopy Editor</a:t>
-            </a:r>
-            <a:endParaRPr lang="en-US" sz="2400" dirty="0" smtClean="0"/>
-          </a:p>
-          <a:p>
-            <a:pPr lvl="1"/>
-            <a:r>
-              <a:rPr lang="en-US" sz="2400" dirty="0" smtClean="0">
-                <a:hlinkClick r:id="rId6"/>
-              </a:rPr>
-              <a:t>Wakari</a:t>
-            </a:r>
-            <a:r>
-              <a:rPr lang="en-US" sz="2400" dirty="0" smtClean="0"/>
-              <a:t>, a hosted Python data analysis environment</a:t>
-            </a:r>
-          </a:p>
-        </p:txBody>
-      </p:sp>
-    </p:spTree>
-  </p:cSld>
-  <p:clrMapOvr>
-    <a:masterClrMapping/>
-  </p:clrMapOvr>
-  <p:timing>
-    <p:tnLst>
-      <p:par>
-        <p:cTn id="1" dur="indefinite" restart="never" nodeType="tmRoot"/>
-      </p:par>
-    </p:tnLst>
-  </p:timing>
-</p:sld>
-</file>
-
-<file path=ppt/slides/slide13.xml><?xml version="1.0" encoding="utf-8"?>
-<p:sld xmlns:a="http://schemas.openxmlformats.org/drawingml/2006/main" xmlns:r="http://schemas.openxmlformats.org/officeDocument/2006/relationships" xmlns:p="http://schemas.openxmlformats.org/presentationml/2006/main">
-  <p:cSld>
-    <p:spTree>
-      <p:nvGrpSpPr>
-        <p:cNvPr id="1" name=""/>
-        <p:cNvGrpSpPr/>
-        <p:nvPr/>
-      </p:nvGrpSpPr>
-      <p:grpSpPr>
-        <a:xfrm>
-          <a:off x="0" y="0"/>
-          <a:ext cx="0" cy="0"/>
-          <a:chOff x="0" y="0"/>
-          <a:chExt cx="0" cy="0"/>
-        </a:xfrm>
-      </p:grpSpPr>
-      <p:sp>
-        <p:nvSpPr>
-          <p:cNvPr id="2" name="Title 1"/>
-          <p:cNvSpPr>
-            <a:spLocks noGrp="1"/>
-          </p:cNvSpPr>
-          <p:nvPr>
-            <p:ph type="title"/>
-          </p:nvPr>
-        </p:nvSpPr>
-        <p:spPr/>
-        <p:txBody>
-          <a:bodyPr/>
-          <a:lstStyle/>
-          <a:p>
-            <a:r>
-              <a:rPr lang="en-US" dirty="0" smtClean="0"/>
-              <a:t>Python Background material</a:t>
-            </a:r>
-            <a:endParaRPr lang="en-US" dirty="0"/>
-          </a:p>
-        </p:txBody>
-      </p:sp>
-      <p:pic>
-        <p:nvPicPr>
-          <p:cNvPr id="1026" name="Picture 2" descr="Python for Data Analysis">
-            <a:hlinkClick r:id="rId2" tooltip="O'Reilly: Python for Data Analysis"/>
-          </p:cNvPr>
-          <p:cNvPicPr>
-            <a:picLocks noChangeAspect="1" noChangeArrowheads="1"/>
-          </p:cNvPicPr>
-          <p:nvPr/>
-        </p:nvPicPr>
-        <p:blipFill>
-          <a:blip r:embed="rId3" cstate="print"/>
-          <a:srcRect/>
-          <a:stretch>
-            <a:fillRect/>
-          </a:stretch>
-        </p:blipFill>
-        <p:spPr bwMode="auto">
-          <a:xfrm>
-            <a:off x="6035040" y="2800441"/>
-            <a:ext cx="3040380" cy="3988978"/>
-          </a:xfrm>
-          <a:prstGeom prst="rect">
-            <a:avLst/>
-          </a:prstGeom>
-          <a:noFill/>
-        </p:spPr>
-      </p:pic>
-      <p:sp>
-        <p:nvSpPr>
-          <p:cNvPr id="3" name="Content Placeholder 2"/>
-          <p:cNvSpPr>
-            <a:spLocks noGrp="1"/>
-          </p:cNvSpPr>
-          <p:nvPr>
-            <p:ph idx="1"/>
-          </p:nvPr>
-        </p:nvSpPr>
-        <p:spPr>
-          <a:xfrm>
-            <a:off x="297180" y="1577341"/>
-            <a:ext cx="6160770" cy="3909060"/>
-          </a:xfrm>
-        </p:spPr>
-        <p:txBody>
-          <a:bodyPr/>
-          <a:lstStyle/>
-          <a:p>
-            <a:r>
-              <a:rPr lang="en-US" sz="2400" dirty="0" smtClean="0">
-                <a:hlinkClick r:id="rId4"/>
-              </a:rPr>
-              <a:t>A Hands-On Introduction to Using Python in the Atmospheric and Oceanic Sciences</a:t>
-            </a:r>
-            <a:endParaRPr lang="en-US" sz="2400" dirty="0" smtClean="0"/>
-          </a:p>
-          <a:p>
-            <a:r>
-              <a:rPr lang="en-US" sz="2400" dirty="0" smtClean="0">
-                <a:hlinkClick r:id="rId5"/>
-              </a:rPr>
-              <a:t>Lectures on scientific computing with Python</a:t>
-            </a:r>
-            <a:endParaRPr lang="en-US" sz="2400" dirty="0" smtClean="0">
-              <a:hlinkClick r:id="rId6"/>
-            </a:endParaRPr>
-          </a:p>
-          <a:p>
-            <a:r>
-              <a:rPr lang="en-US" sz="2400" dirty="0" smtClean="0">
-                <a:hlinkClick r:id="rId7"/>
-              </a:rPr>
-              <a:t>Why Python is the Next Wave in Earth Sciences Computing</a:t>
-            </a:r>
-            <a:endParaRPr lang="en-US" sz="2400" dirty="0" smtClean="0"/>
-          </a:p>
-          <a:p>
-            <a:r>
-              <a:rPr lang="en-US" sz="2400" dirty="0" smtClean="0">
-                <a:hlinkClick r:id="rId8"/>
-              </a:rPr>
-              <a:t>Oceanographic </a:t>
-            </a:r>
-            <a:r>
-              <a:rPr lang="en-US" sz="2400" dirty="0" err="1" smtClean="0">
-                <a:hlinkClick r:id="rId8"/>
-              </a:rPr>
-              <a:t>Anaylsis</a:t>
-            </a:r>
-            <a:r>
-              <a:rPr lang="en-US" sz="2400" dirty="0" smtClean="0">
-                <a:hlinkClick r:id="rId8"/>
-              </a:rPr>
-              <a:t> with Python - Rich </a:t>
-            </a:r>
-            <a:r>
-              <a:rPr lang="en-US" sz="2400" dirty="0" err="1" smtClean="0">
-                <a:hlinkClick r:id="rId8"/>
-              </a:rPr>
-              <a:t>Signell</a:t>
-            </a:r>
-            <a:endParaRPr lang="en-US" sz="2400" dirty="0" smtClean="0"/>
-          </a:p>
-          <a:p>
-            <a:r>
-              <a:rPr lang="en-US" sz="2400" dirty="0" smtClean="0">
-                <a:hlinkClick r:id="rId6"/>
-              </a:rPr>
-              <a:t>Python Scientific Lecture Notes</a:t>
-            </a:r>
-            <a:endParaRPr lang="en-US" sz="2400" dirty="0" smtClean="0"/>
-          </a:p>
-        </p:txBody>
-      </p:sp>
-    </p:spTree>
-  </p:cSld>
-  <p:clrMapOvr>
-    <a:masterClrMapping/>
-  </p:clrMapOvr>
-  <p:timing>
-    <p:tnLst>
-      <p:par>
-        <p:cTn id="1" dur="indefinite" restart="never" nodeType="tmRoot"/>
-      </p:par>
-    </p:tnLst>
-  </p:timing>
-</p:sld>
-</file>
-
-<file path=ppt/slides/slide14.xml><?xml version="1.0" encoding="utf-8"?>
-<p:sld xmlns:a="http://schemas.openxmlformats.org/drawingml/2006/main" xmlns:r="http://schemas.openxmlformats.org/officeDocument/2006/relationships" xmlns:p="http://schemas.openxmlformats.org/presentationml/2006/main">
-  <p:cSld>
-    <p:spTree>
-      <p:nvGrpSpPr>
-        <p:cNvPr id="1" name=""/>
-        <p:cNvGrpSpPr/>
-        <p:nvPr/>
-      </p:nvGrpSpPr>
-      <p:grpSpPr>
-        <a:xfrm>
-          <a:off x="0" y="0"/>
-          <a:ext cx="0" cy="0"/>
-          <a:chOff x="0" y="0"/>
-          <a:chExt cx="0" cy="0"/>
-        </a:xfrm>
-      </p:grpSpPr>
-      <p:sp>
-        <p:nvSpPr>
-          <p:cNvPr id="2" name="Title 1"/>
-          <p:cNvSpPr>
-            <a:spLocks noGrp="1"/>
-          </p:cNvSpPr>
-          <p:nvPr>
-            <p:ph type="title"/>
-          </p:nvPr>
-        </p:nvSpPr>
-        <p:spPr/>
-        <p:txBody>
-          <a:bodyPr/>
-          <a:lstStyle/>
-          <a:p>
-            <a:r>
-              <a:rPr lang="en-US" dirty="0" smtClean="0"/>
-              <a:t>Where to ask for Help</a:t>
-            </a:r>
-            <a:endParaRPr lang="en-US" dirty="0"/>
-          </a:p>
-        </p:txBody>
-      </p:sp>
-      <p:sp>
-        <p:nvSpPr>
-          <p:cNvPr id="3" name="Content Placeholder 2"/>
-          <p:cNvSpPr>
-            <a:spLocks noGrp="1"/>
-          </p:cNvSpPr>
-          <p:nvPr>
-            <p:ph idx="1"/>
-          </p:nvPr>
-        </p:nvSpPr>
-        <p:spPr/>
-        <p:txBody>
-          <a:bodyPr/>
-          <a:lstStyle/>
-          <a:p>
-            <a:pPr>
-              <a:buNone/>
-            </a:pPr>
-            <a:endParaRPr lang="en-US" dirty="0" smtClean="0"/>
-          </a:p>
-          <a:p>
-            <a:endParaRPr lang="en-US" dirty="0" smtClean="0"/>
-          </a:p>
-          <a:p>
-            <a:endParaRPr lang="en-US" dirty="0" smtClean="0"/>
-          </a:p>
-          <a:p>
-            <a:endParaRPr lang="en-US" dirty="0" smtClean="0"/>
-          </a:p>
-          <a:p>
-            <a:pPr>
-              <a:buNone/>
-            </a:pPr>
-            <a:endParaRPr lang="en-US" dirty="0" smtClean="0"/>
-          </a:p>
-          <a:p>
-            <a:pPr>
-              <a:buNone/>
-            </a:pPr>
-            <a:endParaRPr lang="en-US" dirty="0" smtClean="0"/>
-          </a:p>
-          <a:p>
-            <a:pPr lvl="1">
-              <a:buNone/>
-            </a:pPr>
-            <a:r>
-              <a:rPr lang="en-US" sz="2400" dirty="0" smtClean="0"/>
-              <a:t>Tag your questions with </a:t>
-            </a:r>
-            <a:r>
-              <a:rPr lang="en-US" sz="2400" dirty="0" smtClean="0">
-                <a:latin typeface="Arial" pitchFamily="34" charset="0"/>
-                <a:cs typeface="Arial" pitchFamily="34" charset="0"/>
-              </a:rPr>
-              <a:t>python</a:t>
-            </a:r>
-            <a:r>
-              <a:rPr lang="en-US" sz="2400" dirty="0" smtClean="0"/>
-              <a:t>, </a:t>
-            </a:r>
-            <a:r>
-              <a:rPr lang="en-US" sz="2400" dirty="0" err="1" smtClean="0">
-                <a:latin typeface="Arial" pitchFamily="34" charset="0"/>
-                <a:cs typeface="Arial" pitchFamily="34" charset="0"/>
-              </a:rPr>
-              <a:t>netcdf</a:t>
-            </a:r>
-            <a:r>
-              <a:rPr lang="en-US" sz="2400" dirty="0" smtClean="0"/>
-              <a:t>, </a:t>
-            </a:r>
-            <a:r>
-              <a:rPr lang="en-US" sz="2400" dirty="0" err="1" smtClean="0">
-                <a:latin typeface="Arial" pitchFamily="34" charset="0"/>
-                <a:cs typeface="Arial" pitchFamily="34" charset="0"/>
-              </a:rPr>
-              <a:t>thredds</a:t>
-            </a:r>
-            <a:r>
-              <a:rPr lang="en-US" sz="2400" dirty="0" smtClean="0"/>
-              <a:t>, etc.</a:t>
-            </a:r>
-            <a:endParaRPr lang="en-US" sz="2400" dirty="0"/>
-          </a:p>
-        </p:txBody>
-      </p:sp>
-      <p:pic>
-        <p:nvPicPr>
-          <p:cNvPr id="30722" name="Picture 2" descr="Stackoverflow">
-            <a:hlinkClick r:id="rId2"/>
-          </p:cNvPr>
-          <p:cNvPicPr>
-            <a:picLocks noChangeAspect="1" noChangeArrowheads="1"/>
-          </p:cNvPicPr>
-          <p:nvPr/>
-        </p:nvPicPr>
-        <p:blipFill>
-          <a:blip r:embed="rId3" cstate="print"/>
-          <a:srcRect/>
-          <a:stretch>
-            <a:fillRect/>
-          </a:stretch>
-        </p:blipFill>
-        <p:spPr bwMode="auto">
-          <a:xfrm>
-            <a:off x="771906" y="2075553"/>
-            <a:ext cx="7181839" cy="2140188"/>
-          </a:xfrm>
-          <a:prstGeom prst="rect">
-            <a:avLst/>
-          </a:prstGeom>
-          <a:noFill/>
-        </p:spPr>
-      </p:pic>
-    </p:spTree>
-  </p:cSld>
-  <p:clrMapOvr>
-    <a:masterClrMapping/>
-  </p:clrMapOvr>
-  <p:timing>
-    <p:tnLst>
-      <p:par>
-        <p:cTn id="1" dur="indefinite" restart="never" nodeType="tmRoot"/>
-      </p:par>
-    </p:tnLst>
-  </p:timing>
-</p:sld>
-</file>
-
-<file path=ppt/slides/slide15.xml><?xml version="1.0" encoding="utf-8"?>
-<p:sld xmlns:a="http://schemas.openxmlformats.org/drawingml/2006/main" xmlns:r="http://schemas.openxmlformats.org/officeDocument/2006/relationships" xmlns:p="http://schemas.openxmlformats.org/presentationml/2006/main">
-  <p:cSld>
-    <p:spTree>
-      <p:nvGrpSpPr>
-        <p:cNvPr id="1" name=""/>
-        <p:cNvGrpSpPr/>
-        <p:nvPr/>
-      </p:nvGrpSpPr>
-      <p:grpSpPr>
-        <a:xfrm>
-          <a:off x="0" y="0"/>
-          <a:ext cx="0" cy="0"/>
-          <a:chOff x="0" y="0"/>
-          <a:chExt cx="0" cy="0"/>
-        </a:xfrm>
-      </p:grpSpPr>
-      <p:sp>
-        <p:nvSpPr>
-          <p:cNvPr id="2" name="Title 1"/>
-          <p:cNvSpPr>
-            <a:spLocks noGrp="1"/>
-          </p:cNvSpPr>
-          <p:nvPr>
-            <p:ph type="title"/>
-          </p:nvPr>
-        </p:nvSpPr>
-        <p:spPr/>
-        <p:txBody>
-          <a:bodyPr/>
-          <a:lstStyle/>
-          <a:p>
-            <a:r>
-              <a:rPr lang="en-US" dirty="0" smtClean="0"/>
-              <a:t>Let’s Get Started</a:t>
-            </a:r>
-            <a:br>
-              <a:rPr lang="en-US" dirty="0" smtClean="0"/>
-            </a:br>
-            <a:r>
-              <a:rPr lang="en-US" dirty="0" smtClean="0"/>
-              <a:t>Today We Will …</a:t>
-            </a:r>
-            <a:endParaRPr lang="en-US" dirty="0"/>
-          </a:p>
-        </p:txBody>
-      </p:sp>
-      <p:sp>
-        <p:nvSpPr>
-          <p:cNvPr id="3" name="Content Placeholder 2"/>
-          <p:cNvSpPr>
-            <a:spLocks noGrp="1"/>
-          </p:cNvSpPr>
-          <p:nvPr>
-            <p:ph idx="1"/>
-          </p:nvPr>
-        </p:nvSpPr>
-        <p:spPr>
-          <a:xfrm>
-            <a:off x="457200" y="1851660"/>
-            <a:ext cx="8309610" cy="4274503"/>
-          </a:xfrm>
-        </p:spPr>
-        <p:txBody>
-          <a:bodyPr/>
-          <a:lstStyle/>
-          <a:p>
-            <a:r>
-              <a:rPr lang="en-US" dirty="0" smtClean="0"/>
-              <a:t>Read and write netCDF files</a:t>
-            </a:r>
-          </a:p>
-          <a:p>
-            <a:r>
-              <a:rPr lang="en-US" dirty="0" smtClean="0"/>
-              <a:t>Use </a:t>
-            </a:r>
-            <a:r>
-              <a:rPr lang="en-US" dirty="0" err="1" smtClean="0"/>
-              <a:t>matplotlib</a:t>
-            </a:r>
-            <a:r>
-              <a:rPr lang="en-US" dirty="0" smtClean="0"/>
-              <a:t> to visualize </a:t>
-            </a:r>
-            <a:r>
-              <a:rPr lang="en-US" dirty="0" err="1" smtClean="0"/>
-              <a:t>geoscience</a:t>
-            </a:r>
-            <a:r>
-              <a:rPr lang="en-US" dirty="0" smtClean="0"/>
-              <a:t> data</a:t>
-            </a:r>
-          </a:p>
-          <a:p>
-            <a:r>
-              <a:rPr lang="en-US" dirty="0" smtClean="0"/>
-              <a:t>Read model and station data from a TDS NCSS </a:t>
-            </a:r>
-          </a:p>
-          <a:p>
-            <a:r>
-              <a:rPr lang="en-US" dirty="0" smtClean="0"/>
-              <a:t>Read Radar Level 2 data</a:t>
-            </a:r>
-          </a:p>
-          <a:p>
-            <a:r>
-              <a:rPr lang="en-US" dirty="0" smtClean="0"/>
-              <a:t>Request maps from an OGC WMS server</a:t>
-            </a:r>
-          </a:p>
-          <a:p>
-            <a:r>
-              <a:rPr lang="en-US" dirty="0" smtClean="0"/>
-              <a:t>And lots more …</a:t>
-            </a:r>
-            <a:endParaRPr lang="en-US" dirty="0"/>
-          </a:p>
-        </p:txBody>
-      </p:sp>
-    </p:spTree>
-  </p:cSld>
-  <p:clrMapOvr>
-    <a:masterClrMapping/>
-  </p:clrMapOvr>
-  <p:timing>
-    <p:tnLst>
-      <p:par>
-        <p:cTn id="1" dur="indefinite" restart="never" nodeType="tmRoot"/>
-      </p:par>
-    </p:tnLst>
-  </p:timing>
-</p:sld>
-</file>
-
-<file path=ppt/slides/slide2.xml><?xml version="1.0" encoding="utf-8"?>
-<p:sld xmlns:a="http://schemas.openxmlformats.org/drawingml/2006/main" xmlns:r="http://schemas.openxmlformats.org/officeDocument/2006/relationships" xmlns:p="http://schemas.openxmlformats.org/presentationml/2006/main">
-  <p:cSld>
-    <p:spTree>
-      <p:nvGrpSpPr>
-        <p:cNvPr id="1" name=""/>
-        <p:cNvGrpSpPr/>
-        <p:nvPr/>
-      </p:nvGrpSpPr>
-      <p:grpSpPr>
-        <a:xfrm>
-          <a:off x="0" y="0"/>
-          <a:ext cx="0" cy="0"/>
-          <a:chOff x="0" y="0"/>
-          <a:chExt cx="0" cy="0"/>
-        </a:xfrm>
-      </p:grpSpPr>
-      <p:sp>
-        <p:nvSpPr>
-          <p:cNvPr id="15361" name="Text Box 4"/>
-          <p:cNvSpPr txBox="1">
-            <a:spLocks noChangeArrowheads="1"/>
-          </p:cNvSpPr>
-          <p:nvPr/>
-        </p:nvSpPr>
-        <p:spPr bwMode="auto">
-          <a:xfrm>
-            <a:off x="609600" y="4953000"/>
-            <a:ext cx="7772400" cy="457200"/>
-          </a:xfrm>
-          <a:prstGeom prst="rect">
-            <a:avLst/>
-          </a:prstGeom>
-          <a:noFill/>
-          <a:ln w="12700">
-            <a:noFill/>
-            <a:miter lim="800000"/>
-            <a:headEnd type="none" w="sm" len="sm"/>
-            <a:tailEnd type="none" w="sm" len="sm"/>
-          </a:ln>
-        </p:spPr>
-        <p:txBody>
-          <a:bodyPr>
-            <a:spAutoFit/>
-          </a:bodyPr>
-          <a:lstStyle/>
-          <a:p>
-            <a:pPr>
-              <a:spcBef>
-                <a:spcPct val="50000"/>
-              </a:spcBef>
-            </a:pPr>
-            <a:endParaRPr lang="en-US">
-              <a:solidFill>
-                <a:schemeClr val="accent2"/>
-              </a:solidFill>
-              <a:latin typeface="Comic Sans MS" pitchFamily="66" charset="0"/>
-            </a:endParaRPr>
-          </a:p>
-        </p:txBody>
-      </p:sp>
-      <p:sp>
-        <p:nvSpPr>
-          <p:cNvPr id="15362" name="Text Box 10"/>
-          <p:cNvSpPr txBox="1">
-            <a:spLocks noChangeArrowheads="1"/>
-          </p:cNvSpPr>
-          <p:nvPr/>
-        </p:nvSpPr>
-        <p:spPr bwMode="auto">
-          <a:xfrm>
-            <a:off x="1355725" y="5438775"/>
-            <a:ext cx="7559675" cy="366713"/>
-          </a:xfrm>
-          <a:prstGeom prst="rect">
-            <a:avLst/>
-          </a:prstGeom>
-          <a:noFill/>
-          <a:ln w="9525">
-            <a:noFill/>
-            <a:miter lim="800000"/>
-            <a:headEnd/>
-            <a:tailEnd/>
-          </a:ln>
-        </p:spPr>
-        <p:txBody>
-          <a:bodyPr>
-            <a:spAutoFit/>
-          </a:bodyPr>
-          <a:lstStyle/>
-          <a:p>
-            <a:endParaRPr lang="en-US">
-              <a:solidFill>
-                <a:srgbClr val="800000"/>
-              </a:solidFill>
-              <a:latin typeface="Verdana" pitchFamily="34" charset="0"/>
-            </a:endParaRPr>
-          </a:p>
-        </p:txBody>
-      </p:sp>
-      <p:sp>
-        <p:nvSpPr>
-          <p:cNvPr id="15363" name="Rectangle 15"/>
-          <p:cNvSpPr>
-            <a:spLocks noGrp="1" noChangeArrowheads="1"/>
-          </p:cNvSpPr>
-          <p:nvPr>
-            <p:ph type="title"/>
-          </p:nvPr>
-        </p:nvSpPr>
-        <p:spPr/>
-        <p:txBody>
-          <a:bodyPr/>
-          <a:lstStyle/>
-          <a:p>
-            <a:pPr eaLnBrk="1" hangingPunct="1"/>
-            <a:r>
-              <a:rPr lang="en-US" smtClean="0">
-                <a:ea typeface="ＭＳ Ｐゴシック" pitchFamily="34" charset="-128"/>
-              </a:rPr>
-              <a:t>Unidata – Who are we?</a:t>
-            </a:r>
-          </a:p>
-        </p:txBody>
-      </p:sp>
-      <p:sp>
-        <p:nvSpPr>
-          <p:cNvPr id="46096" name="Rectangle 16"/>
-          <p:cNvSpPr>
-            <a:spLocks noGrp="1" noChangeArrowheads="1"/>
-          </p:cNvSpPr>
-          <p:nvPr>
-            <p:ph type="body" idx="1"/>
-          </p:nvPr>
-        </p:nvSpPr>
-        <p:spPr>
-          <a:xfrm>
-            <a:off x="533400" y="1355725"/>
-            <a:ext cx="8077200" cy="4800600"/>
-          </a:xfrm>
-        </p:spPr>
-        <p:txBody>
-          <a:bodyPr>
-            <a:normAutofit fontScale="85000" lnSpcReduction="10000"/>
-          </a:bodyPr>
-          <a:lstStyle/>
-          <a:p>
-            <a:pPr eaLnBrk="1" hangingPunct="1">
-              <a:lnSpc>
-                <a:spcPct val="90000"/>
-              </a:lnSpc>
-              <a:defRPr/>
-            </a:pPr>
-            <a:r>
-              <a:rPr lang="en-US" sz="2800" dirty="0" smtClean="0">
-                <a:ea typeface="+mn-ea"/>
-                <a:cs typeface="+mn-cs"/>
-              </a:rPr>
-              <a:t>Funded primarily by the U.S. National Science Foundation</a:t>
-            </a:r>
-          </a:p>
-          <a:p>
-            <a:pPr eaLnBrk="1" hangingPunct="1">
-              <a:lnSpc>
-                <a:spcPct val="90000"/>
-              </a:lnSpc>
-              <a:buFontTx/>
-              <a:buNone/>
-              <a:defRPr/>
-            </a:pPr>
-            <a:endParaRPr lang="en-US" sz="2800" dirty="0" smtClean="0">
-              <a:ea typeface="+mn-ea"/>
-              <a:cs typeface="+mn-cs"/>
-            </a:endParaRPr>
-          </a:p>
-          <a:p>
-            <a:pPr eaLnBrk="1" hangingPunct="1">
-              <a:lnSpc>
-                <a:spcPct val="90000"/>
-              </a:lnSpc>
-              <a:defRPr/>
-            </a:pPr>
-            <a:r>
-              <a:rPr lang="en-US" sz="2800" dirty="0" smtClean="0">
-                <a:ea typeface="+mn-ea"/>
-                <a:cs typeface="+mn-cs"/>
-              </a:rPr>
-              <a:t>Mission: </a:t>
-            </a:r>
-          </a:p>
-          <a:p>
-            <a:pPr lvl="1" eaLnBrk="1" hangingPunct="1">
-              <a:lnSpc>
-                <a:spcPct val="90000"/>
-              </a:lnSpc>
-              <a:buFontTx/>
-              <a:buNone/>
-              <a:defRPr/>
-            </a:pPr>
-            <a:r>
-              <a:rPr lang="en-US" sz="2400" b="1" i="1" dirty="0" smtClean="0">
-                <a:ea typeface="+mn-ea"/>
-              </a:rPr>
-              <a:t>	To provide data, tools, and community leadership for improving Earth-system education and research</a:t>
-            </a:r>
-          </a:p>
-          <a:p>
-            <a:pPr eaLnBrk="1" hangingPunct="1">
-              <a:lnSpc>
-                <a:spcPct val="90000"/>
-              </a:lnSpc>
-              <a:buFontTx/>
-              <a:buNone/>
-              <a:defRPr/>
-            </a:pPr>
-            <a:endParaRPr lang="en-US" sz="2800" dirty="0" smtClean="0">
-              <a:ea typeface="+mn-ea"/>
-              <a:cs typeface="+mn-cs"/>
-            </a:endParaRPr>
-          </a:p>
-          <a:p>
-            <a:pPr eaLnBrk="1" hangingPunct="1">
-              <a:lnSpc>
-                <a:spcPct val="90000"/>
-              </a:lnSpc>
-              <a:defRPr/>
-            </a:pPr>
-            <a:r>
-              <a:rPr lang="en-US" sz="2800" dirty="0" smtClean="0">
-                <a:ea typeface="+mn-ea"/>
-                <a:cs typeface="+mn-cs"/>
-              </a:rPr>
-              <a:t>At the Unidata Program Center, we</a:t>
-            </a:r>
-          </a:p>
-          <a:p>
-            <a:pPr lvl="1" eaLnBrk="1" hangingPunct="1">
-              <a:lnSpc>
-                <a:spcPct val="90000"/>
-              </a:lnSpc>
-              <a:defRPr/>
-            </a:pPr>
-            <a:r>
-              <a:rPr lang="en-US" sz="2400" dirty="0" smtClean="0">
-                <a:ea typeface="+mn-ea"/>
-              </a:rPr>
-              <a:t>Provide access to data (via push and pull systems)</a:t>
-            </a:r>
-          </a:p>
-          <a:p>
-            <a:pPr lvl="1" eaLnBrk="1" hangingPunct="1">
-              <a:lnSpc>
-                <a:spcPct val="90000"/>
-              </a:lnSpc>
-              <a:defRPr/>
-            </a:pPr>
-            <a:r>
-              <a:rPr lang="en-US" sz="2400" dirty="0" smtClean="0">
-                <a:ea typeface="+mn-ea"/>
-              </a:rPr>
-              <a:t>Develop open source tools and </a:t>
-            </a:r>
-            <a:r>
-              <a:rPr lang="en-US" sz="2400" dirty="0" smtClean="0">
-                <a:solidFill>
-                  <a:srgbClr val="990000"/>
-                </a:solidFill>
-                <a:ea typeface="+mn-ea"/>
-              </a:rPr>
-              <a:t>infrastructure</a:t>
-            </a:r>
-            <a:r>
-              <a:rPr lang="en-US" sz="2400" dirty="0" smtClean="0">
-                <a:ea typeface="+mn-ea"/>
-              </a:rPr>
-              <a:t> for data access, analysis, visualization, and data management</a:t>
-            </a:r>
-          </a:p>
-          <a:p>
-            <a:pPr lvl="1" eaLnBrk="1" hangingPunct="1">
-              <a:lnSpc>
-                <a:spcPct val="90000"/>
-              </a:lnSpc>
-              <a:defRPr/>
-            </a:pPr>
-            <a:r>
-              <a:rPr lang="en-US" sz="2400" dirty="0" smtClean="0">
-                <a:ea typeface="+mn-ea"/>
-              </a:rPr>
-              <a:t>Advance metadata standards for the Earth system science community </a:t>
-            </a:r>
-          </a:p>
-          <a:p>
-            <a:pPr lvl="1" eaLnBrk="1" hangingPunct="1">
-              <a:lnSpc>
-                <a:spcPct val="90000"/>
-              </a:lnSpc>
-              <a:defRPr/>
-            </a:pPr>
-            <a:r>
-              <a:rPr lang="en-US" sz="2400" dirty="0" smtClean="0">
-                <a:ea typeface="+mn-ea"/>
-              </a:rPr>
-              <a:t>Support users of our technologies: faculty, students, and researchers</a:t>
-            </a:r>
-          </a:p>
-          <a:p>
-            <a:pPr lvl="1" eaLnBrk="1" hangingPunct="1">
-              <a:lnSpc>
-                <a:spcPct val="90000"/>
-              </a:lnSpc>
-              <a:defRPr/>
-            </a:pPr>
-            <a:r>
-              <a:rPr lang="en-US" sz="2400" dirty="0" smtClean="0">
-                <a:ea typeface="+mn-ea"/>
-              </a:rPr>
-              <a:t>Help to build, represent, and advocate on behalf of our community</a:t>
-            </a:r>
-          </a:p>
-        </p:txBody>
-      </p:sp>
-      <p:pic>
-        <p:nvPicPr>
-          <p:cNvPr id="15365" name="Picture 17" descr="nsf4c"/>
-          <p:cNvPicPr>
-            <a:picLocks noChangeAspect="1" noChangeArrowheads="1"/>
-          </p:cNvPicPr>
-          <p:nvPr/>
-        </p:nvPicPr>
-        <p:blipFill>
-          <a:blip r:embed="rId3" cstate="print"/>
-          <a:srcRect/>
-          <a:stretch>
-            <a:fillRect/>
-          </a:stretch>
-        </p:blipFill>
-        <p:spPr bwMode="auto">
-          <a:xfrm>
-            <a:off x="8077200" y="152400"/>
-            <a:ext cx="914400" cy="914400"/>
-          </a:xfrm>
-          <a:prstGeom prst="rect">
-            <a:avLst/>
-          </a:prstGeom>
-          <a:noFill/>
-          <a:ln w="9525">
-            <a:noFill/>
-            <a:miter lim="800000"/>
-            <a:headEnd/>
-            <a:tailEnd/>
-          </a:ln>
-        </p:spPr>
-      </p:pic>
-    </p:spTree>
-  </p:cSld>
-  <p:clrMapOvr>
-    <a:masterClrMapping/>
-  </p:clrMapOvr>
-  <p:timing>
-    <p:tnLst>
-      <p:par>
-        <p:cTn id="1" dur="indefinite" restart="never" nodeType="tmRoot"/>
-      </p:par>
-    </p:tnLst>
-  </p:timing>
-</p:sld>
-</file>
-
-<file path=ppt/slides/slide3.xml><?xml version="1.0" encoding="utf-8"?>
-<p:sld xmlns:a="http://schemas.openxmlformats.org/drawingml/2006/main" xmlns:r="http://schemas.openxmlformats.org/officeDocument/2006/relationships" xmlns:p="http://schemas.openxmlformats.org/presentationml/2006/main">
-  <p:cSld>
-    <p:spTree>
-      <p:nvGrpSpPr>
-        <p:cNvPr id="1" name=""/>
-        <p:cNvGrpSpPr/>
-        <p:nvPr/>
-      </p:nvGrpSpPr>
-      <p:grpSpPr>
-        <a:xfrm>
-          <a:off x="0" y="0"/>
-          <a:ext cx="0" cy="0"/>
-          <a:chOff x="0" y="0"/>
-          <a:chExt cx="0" cy="0"/>
-        </a:xfrm>
-      </p:grpSpPr>
-      <p:sp>
-        <p:nvSpPr>
-          <p:cNvPr id="2" name="Title 1"/>
-          <p:cNvSpPr>
-            <a:spLocks noGrp="1"/>
-          </p:cNvSpPr>
-          <p:nvPr>
-            <p:ph type="title"/>
-          </p:nvPr>
-        </p:nvSpPr>
-        <p:spPr/>
-        <p:txBody>
-          <a:bodyPr/>
-          <a:lstStyle/>
-          <a:p>
-            <a:r>
-              <a:rPr lang="en-US" dirty="0" smtClean="0"/>
-              <a:t>Unidata – What we provide</a:t>
-            </a:r>
-            <a:endParaRPr lang="en-US" dirty="0"/>
-          </a:p>
-        </p:txBody>
-      </p:sp>
-      <p:sp>
-        <p:nvSpPr>
-          <p:cNvPr id="3" name="Content Placeholder 2"/>
-          <p:cNvSpPr>
-            <a:spLocks noGrp="1"/>
-          </p:cNvSpPr>
-          <p:nvPr>
-            <p:ph idx="1"/>
-          </p:nvPr>
-        </p:nvSpPr>
-        <p:spPr>
-          <a:xfrm>
-            <a:off x="457200" y="1988820"/>
-            <a:ext cx="8229600" cy="4137343"/>
-          </a:xfrm>
-        </p:spPr>
-        <p:txBody>
-          <a:bodyPr/>
-          <a:lstStyle/>
-          <a:p>
-            <a:r>
-              <a:rPr lang="en-US" dirty="0" smtClean="0"/>
-              <a:t>Real-time data streams over IDD/LDM</a:t>
-            </a:r>
-          </a:p>
-          <a:p>
-            <a:pPr lvl="1"/>
-            <a:r>
-              <a:rPr lang="en-US" sz="2400" dirty="0" smtClean="0"/>
-              <a:t>Radar, satellite, model forecasts, station, etc.</a:t>
-            </a:r>
-          </a:p>
-          <a:p>
-            <a:r>
-              <a:rPr lang="en-US" dirty="0" smtClean="0"/>
-              <a:t>Visualization and analysis packages</a:t>
-            </a:r>
-          </a:p>
-          <a:p>
-            <a:pPr lvl="1"/>
-            <a:r>
-              <a:rPr lang="en-US" sz="2400" dirty="0" smtClean="0"/>
-              <a:t>IDV, GEMPAK, </a:t>
-            </a:r>
-            <a:r>
-              <a:rPr lang="en-US" sz="2400" dirty="0" err="1" smtClean="0"/>
-              <a:t>McIDAS</a:t>
-            </a:r>
-            <a:r>
-              <a:rPr lang="en-US" sz="2400" dirty="0" smtClean="0"/>
-              <a:t>, AWIPS-II</a:t>
-            </a:r>
-          </a:p>
-          <a:p>
-            <a:r>
-              <a:rPr lang="en-US" dirty="0" smtClean="0"/>
-              <a:t>Rolling archive of real-time data</a:t>
-            </a:r>
-          </a:p>
-          <a:p>
-            <a:pPr lvl="1"/>
-            <a:r>
-              <a:rPr lang="en-US" sz="2400" dirty="0" smtClean="0"/>
-              <a:t>thredds.ucar.edu</a:t>
-            </a:r>
-          </a:p>
-          <a:p>
-            <a:r>
-              <a:rPr lang="en-US" dirty="0" smtClean="0"/>
-              <a:t>NetCDF data format and libraries</a:t>
-            </a:r>
-          </a:p>
-          <a:p>
-            <a:pPr>
-              <a:buNone/>
-            </a:pPr>
-            <a:endParaRPr lang="en-US" dirty="0" smtClean="0"/>
-          </a:p>
-        </p:txBody>
-      </p:sp>
-    </p:spTree>
-  </p:cSld>
-  <p:clrMapOvr>
-    <a:masterClrMapping/>
-  </p:clrMapOvr>
-  <p:timing>
-    <p:tnLst>
-      <p:par>
-        <p:cTn id="1" dur="indefinite" restart="never" nodeType="tmRoot"/>
-      </p:par>
-    </p:tnLst>
-  </p:timing>
-</p:sld>
-</file>
-
-<file path=ppt/slides/slide4.xml><?xml version="1.0" encoding="utf-8"?>
-<p:sld xmlns:a="http://schemas.openxmlformats.org/drawingml/2006/main" xmlns:r="http://schemas.openxmlformats.org/officeDocument/2006/relationships" xmlns:p="http://schemas.openxmlformats.org/presentationml/2006/main">
-  <p:cSld>
-    <p:spTree>
-      <p:nvGrpSpPr>
-        <p:cNvPr id="1" name=""/>
-        <p:cNvGrpSpPr/>
-        <p:nvPr/>
-      </p:nvGrpSpPr>
-      <p:grpSpPr>
-        <a:xfrm>
-          <a:off x="0" y="0"/>
-          <a:ext cx="0" cy="0"/>
-          <a:chOff x="0" y="0"/>
-          <a:chExt cx="0" cy="0"/>
-        </a:xfrm>
-      </p:grpSpPr>
-      <p:sp>
-        <p:nvSpPr>
-          <p:cNvPr id="17409" name="Title 1"/>
-          <p:cNvSpPr>
-            <a:spLocks noGrp="1"/>
-          </p:cNvSpPr>
-          <p:nvPr>
-            <p:ph type="title"/>
-          </p:nvPr>
-        </p:nvSpPr>
-        <p:spPr/>
-        <p:txBody>
-          <a:bodyPr/>
-          <a:lstStyle/>
-          <a:p>
-            <a:r>
-              <a:rPr lang="en-US" dirty="0" smtClean="0">
-                <a:ea typeface="ＭＳ Ｐゴシック" pitchFamily="34" charset="-128"/>
-              </a:rPr>
-              <a:t>Real-time Data Streams</a:t>
-            </a:r>
-          </a:p>
-        </p:txBody>
-      </p:sp>
-      <p:sp>
-        <p:nvSpPr>
-          <p:cNvPr id="17410" name="Content Placeholder 2"/>
-          <p:cNvSpPr>
-            <a:spLocks noGrp="1"/>
-          </p:cNvSpPr>
-          <p:nvPr>
-            <p:ph idx="1"/>
-          </p:nvPr>
-        </p:nvSpPr>
-        <p:spPr/>
-        <p:txBody>
-          <a:bodyPr/>
-          <a:lstStyle/>
-          <a:p>
-            <a:r>
-              <a:rPr lang="en-US" sz="2800" dirty="0" smtClean="0">
-                <a:ea typeface="ＭＳ Ｐゴシック" pitchFamily="34" charset="-128"/>
-              </a:rPr>
-              <a:t>IDD Real-time Data Flow</a:t>
-            </a:r>
-          </a:p>
-          <a:p>
-            <a:pPr lvl="1" eaLnBrk="1" hangingPunct="1">
-              <a:lnSpc>
-                <a:spcPct val="90000"/>
-              </a:lnSpc>
-            </a:pPr>
-            <a:r>
-              <a:rPr lang="en-US" sz="2400" dirty="0" smtClean="0">
-                <a:ea typeface="ＭＳ Ｐゴシック" pitchFamily="34" charset="-128"/>
-              </a:rPr>
-              <a:t>30 data feeds provide radar, satellite, text bulletins, lightning, model forecasts, surface and upper air observations, …</a:t>
-            </a:r>
-          </a:p>
-          <a:p>
-            <a:pPr lvl="1" eaLnBrk="1" hangingPunct="1">
-              <a:lnSpc>
-                <a:spcPct val="90000"/>
-              </a:lnSpc>
-            </a:pPr>
-            <a:r>
-              <a:rPr lang="en-US" sz="2400" dirty="0" smtClean="0">
-                <a:ea typeface="ＭＳ Ｐゴシック" pitchFamily="34" charset="-128"/>
-              </a:rPr>
-              <a:t>LDM routinely handles 10 GB/hour input, with as many as 280,000 products/hour</a:t>
-            </a:r>
-          </a:p>
-          <a:p>
-            <a:pPr lvl="1" eaLnBrk="1" hangingPunct="1">
-              <a:lnSpc>
-                <a:spcPct val="90000"/>
-              </a:lnSpc>
-            </a:pPr>
-            <a:r>
-              <a:rPr lang="en-US" sz="2400" dirty="0" smtClean="0">
-                <a:ea typeface="ＭＳ Ｐゴシック" pitchFamily="34" charset="-128"/>
-              </a:rPr>
-              <a:t>Worldwide collaboration of over 250 institutions running LDM software</a:t>
-            </a:r>
-          </a:p>
-          <a:p>
-            <a:pPr eaLnBrk="1" hangingPunct="1">
-              <a:lnSpc>
-                <a:spcPct val="90000"/>
-              </a:lnSpc>
-            </a:pPr>
-            <a:r>
-              <a:rPr lang="en-US" sz="2800" dirty="0" smtClean="0">
-                <a:ea typeface="ＭＳ Ｐゴシック" pitchFamily="34" charset="-128"/>
-              </a:rPr>
-              <a:t>Unidata</a:t>
-            </a:r>
-            <a:r>
-              <a:rPr lang="ja-JP" altLang="en-US" sz="2800" smtClean="0">
-                <a:ea typeface="ＭＳ Ｐゴシック" pitchFamily="34" charset="-128"/>
-              </a:rPr>
-              <a:t>’</a:t>
-            </a:r>
-            <a:r>
-              <a:rPr lang="en-US" altLang="ja-JP" sz="2800" dirty="0" smtClean="0">
-                <a:ea typeface="ＭＳ Ｐゴシック" pitchFamily="34" charset="-128"/>
-              </a:rPr>
-              <a:t>s LDM</a:t>
-            </a:r>
-          </a:p>
-          <a:p>
-            <a:pPr lvl="1" eaLnBrk="1" hangingPunct="1">
-              <a:lnSpc>
-                <a:spcPct val="90000"/>
-              </a:lnSpc>
-            </a:pPr>
-            <a:r>
-              <a:rPr lang="en-US" sz="2400" dirty="0" smtClean="0">
-                <a:ea typeface="ＭＳ Ｐゴシック" pitchFamily="34" charset="-128"/>
-              </a:rPr>
-              <a:t>Protocol and client/server software</a:t>
-            </a:r>
-          </a:p>
-          <a:p>
-            <a:pPr lvl="1" eaLnBrk="1" hangingPunct="1">
-              <a:lnSpc>
-                <a:spcPct val="90000"/>
-              </a:lnSpc>
-            </a:pPr>
-            <a:r>
-              <a:rPr lang="en-US" sz="2400" dirty="0" smtClean="0">
-                <a:ea typeface="ＭＳ Ｐゴシック" pitchFamily="34" charset="-128"/>
-              </a:rPr>
-              <a:t>Event-driven data distribution</a:t>
-            </a:r>
-          </a:p>
-          <a:p>
-            <a:pPr lvl="1" eaLnBrk="1" hangingPunct="1">
-              <a:lnSpc>
-                <a:spcPct val="90000"/>
-              </a:lnSpc>
-            </a:pPr>
-            <a:r>
-              <a:rPr lang="en-US" sz="2400" dirty="0" smtClean="0">
-                <a:ea typeface="ＭＳ Ｐゴシック" pitchFamily="34" charset="-128"/>
-              </a:rPr>
-              <a:t>Supports subscription to subsets of data feeds</a:t>
-            </a:r>
-          </a:p>
-          <a:p>
-            <a:pPr lvl="1"/>
-            <a:endParaRPr lang="en-US" dirty="0" smtClean="0">
-              <a:ea typeface="ＭＳ Ｐゴシック" pitchFamily="34" charset="-128"/>
-            </a:endParaRPr>
-          </a:p>
-          <a:p>
-            <a:pPr lvl="1"/>
-            <a:endParaRPr lang="en-US" dirty="0" smtClean="0">
-              <a:ea typeface="ＭＳ Ｐゴシック" pitchFamily="34" charset="-128"/>
-            </a:endParaRPr>
-          </a:p>
-        </p:txBody>
-      </p:sp>
-    </p:spTree>
-  </p:cSld>
-  <p:clrMapOvr>
-    <a:masterClrMapping/>
-  </p:clrMapOvr>
-  <p:timing>
-    <p:tnLst>
-      <p:par>
-        <p:cTn id="1" dur="indefinite" restart="never" nodeType="tmRoot"/>
-      </p:par>
-    </p:tnLst>
-  </p:timing>
-</p:sld>
-</file>
-
-<file path=ppt/slides/slide5.xml><?xml version="1.0" encoding="utf-8"?>
-<p:sld xmlns:a="http://schemas.openxmlformats.org/drawingml/2006/main" xmlns:r="http://schemas.openxmlformats.org/officeDocument/2006/relationships" xmlns:p="http://schemas.openxmlformats.org/presentationml/2006/main">
-  <p:cSld>
-    <p:spTree>
-      <p:nvGrpSpPr>
-        <p:cNvPr id="1" name=""/>
-        <p:cNvGrpSpPr/>
-        <p:nvPr/>
-      </p:nvGrpSpPr>
-      <p:grpSpPr>
-        <a:xfrm>
-          <a:off x="0" y="0"/>
-          <a:ext cx="0" cy="0"/>
-          <a:chOff x="0" y="0"/>
-          <a:chExt cx="0" cy="0"/>
-        </a:xfrm>
-      </p:grpSpPr>
-      <p:sp>
-        <p:nvSpPr>
-          <p:cNvPr id="19457" name="Title 1"/>
-          <p:cNvSpPr>
-            <a:spLocks noGrp="1"/>
-          </p:cNvSpPr>
-          <p:nvPr>
-            <p:ph type="title"/>
-          </p:nvPr>
-        </p:nvSpPr>
-        <p:spPr/>
-        <p:txBody>
-          <a:bodyPr/>
-          <a:lstStyle/>
-          <a:p>
-            <a:pPr eaLnBrk="1" hangingPunct="1"/>
-            <a:r>
-              <a:rPr lang="en-US" smtClean="0">
-                <a:ea typeface="ＭＳ Ｐゴシック" pitchFamily="34" charset="-128"/>
-              </a:rPr>
-              <a:t>Visualizing and Analyzing Data</a:t>
-            </a:r>
-          </a:p>
-        </p:txBody>
-      </p:sp>
-      <p:pic>
-        <p:nvPicPr>
-          <p:cNvPr id="19458" name="Picture 3" descr="gempaknmapexample"/>
-          <p:cNvPicPr>
-            <a:picLocks noChangeAspect="1" noChangeArrowheads="1"/>
-          </p:cNvPicPr>
-          <p:nvPr/>
-        </p:nvPicPr>
-        <p:blipFill>
-          <a:blip r:embed="rId2" cstate="print"/>
-          <a:srcRect/>
-          <a:stretch>
-            <a:fillRect/>
-          </a:stretch>
-        </p:blipFill>
-        <p:spPr bwMode="auto">
-          <a:xfrm>
-            <a:off x="225425" y="2000250"/>
-            <a:ext cx="3019425" cy="2571750"/>
-          </a:xfrm>
-          <a:prstGeom prst="rect">
-            <a:avLst/>
-          </a:prstGeom>
-          <a:noFill/>
-          <a:ln w="9525">
-            <a:noFill/>
-            <a:miter lim="800000"/>
-            <a:headEnd/>
-            <a:tailEnd/>
-          </a:ln>
-        </p:spPr>
-      </p:pic>
-      <p:pic>
-        <p:nvPicPr>
-          <p:cNvPr id="19459" name="Picture 5" descr="KLVX_rhi"/>
-          <p:cNvPicPr>
-            <a:picLocks noChangeAspect="1" noChangeArrowheads="1"/>
-          </p:cNvPicPr>
-          <p:nvPr/>
-        </p:nvPicPr>
-        <p:blipFill>
-          <a:blip r:embed="rId3" cstate="print"/>
-          <a:srcRect/>
-          <a:stretch>
-            <a:fillRect/>
-          </a:stretch>
-        </p:blipFill>
-        <p:spPr bwMode="auto">
-          <a:xfrm>
-            <a:off x="381000" y="4025900"/>
-            <a:ext cx="2971800" cy="2374900"/>
-          </a:xfrm>
-          <a:prstGeom prst="rect">
-            <a:avLst/>
-          </a:prstGeom>
-          <a:noFill/>
-          <a:ln w="9525">
-            <a:noFill/>
-            <a:miter lim="800000"/>
-            <a:headEnd/>
-            <a:tailEnd/>
-          </a:ln>
-        </p:spPr>
-      </p:pic>
-      <p:sp>
-        <p:nvSpPr>
-          <p:cNvPr id="19460" name="TextBox 6"/>
-          <p:cNvSpPr txBox="1">
-            <a:spLocks noChangeArrowheads="1"/>
-          </p:cNvSpPr>
-          <p:nvPr/>
-        </p:nvSpPr>
-        <p:spPr bwMode="auto">
-          <a:xfrm>
-            <a:off x="990600" y="1447800"/>
-            <a:ext cx="1155700" cy="369888"/>
-          </a:xfrm>
-          <a:prstGeom prst="rect">
-            <a:avLst/>
-          </a:prstGeom>
-          <a:noFill/>
-          <a:ln w="9525">
-            <a:noFill/>
-            <a:miter lim="800000"/>
-            <a:headEnd/>
-            <a:tailEnd/>
-          </a:ln>
-        </p:spPr>
-        <p:txBody>
-          <a:bodyPr wrap="none">
-            <a:spAutoFit/>
-          </a:bodyPr>
-          <a:lstStyle/>
-          <a:p>
-            <a:r>
-              <a:rPr lang="en-US"/>
-              <a:t>GEMPAK</a:t>
-            </a:r>
-          </a:p>
-        </p:txBody>
-      </p:sp>
-      <p:pic>
-        <p:nvPicPr>
-          <p:cNvPr id="19461" name="Picture 5" descr="wv_sst_nvdi"/>
-          <p:cNvPicPr>
-            <a:picLocks noChangeAspect="1" noChangeArrowheads="1"/>
-          </p:cNvPicPr>
-          <p:nvPr/>
-        </p:nvPicPr>
-        <p:blipFill>
-          <a:blip r:embed="rId4" cstate="print"/>
-          <a:srcRect/>
-          <a:stretch>
-            <a:fillRect/>
-          </a:stretch>
-        </p:blipFill>
-        <p:spPr bwMode="auto">
-          <a:xfrm>
-            <a:off x="3657600" y="1979613"/>
-            <a:ext cx="2211388" cy="2211387"/>
-          </a:xfrm>
-          <a:prstGeom prst="rect">
-            <a:avLst/>
-          </a:prstGeom>
-          <a:noFill/>
-          <a:ln w="9525">
-            <a:noFill/>
-            <a:miter lim="800000"/>
-            <a:headEnd/>
-            <a:tailEnd/>
-          </a:ln>
-        </p:spPr>
-      </p:pic>
-      <p:pic>
-        <p:nvPicPr>
-          <p:cNvPr id="19462" name="Picture 2" descr="nexrolay"/>
-          <p:cNvPicPr>
-            <a:picLocks noChangeAspect="1" noChangeArrowheads="1"/>
-          </p:cNvPicPr>
-          <p:nvPr/>
-        </p:nvPicPr>
-        <p:blipFill>
-          <a:blip r:embed="rId5" cstate="print"/>
-          <a:srcRect/>
-          <a:stretch>
-            <a:fillRect/>
-          </a:stretch>
-        </p:blipFill>
-        <p:spPr bwMode="auto">
-          <a:xfrm>
-            <a:off x="3505200" y="4191000"/>
-            <a:ext cx="2873375" cy="2133600"/>
-          </a:xfrm>
-          <a:prstGeom prst="rect">
-            <a:avLst/>
-          </a:prstGeom>
-          <a:noFill/>
-          <a:ln w="9525">
-            <a:noFill/>
-            <a:miter lim="800000"/>
-            <a:headEnd/>
-            <a:tailEnd/>
-          </a:ln>
-        </p:spPr>
-      </p:pic>
-      <p:sp>
-        <p:nvSpPr>
-          <p:cNvPr id="19463" name="TextBox 9"/>
-          <p:cNvSpPr txBox="1">
-            <a:spLocks noChangeArrowheads="1"/>
-          </p:cNvSpPr>
-          <p:nvPr/>
-        </p:nvSpPr>
-        <p:spPr bwMode="auto">
-          <a:xfrm>
-            <a:off x="3873500" y="1447800"/>
-            <a:ext cx="1262063" cy="369888"/>
-          </a:xfrm>
-          <a:prstGeom prst="rect">
-            <a:avLst/>
-          </a:prstGeom>
-          <a:noFill/>
-          <a:ln w="9525">
-            <a:noFill/>
-            <a:miter lim="800000"/>
-            <a:headEnd/>
-            <a:tailEnd/>
-          </a:ln>
-        </p:spPr>
-        <p:txBody>
-          <a:bodyPr wrap="none">
-            <a:spAutoFit/>
-          </a:bodyPr>
-          <a:lstStyle/>
-          <a:p>
-            <a:r>
-              <a:rPr lang="en-US"/>
-              <a:t>McIDAS-X</a:t>
-            </a:r>
-          </a:p>
-        </p:txBody>
-      </p:sp>
-      <p:sp>
-        <p:nvSpPr>
-          <p:cNvPr id="19464" name="TextBox 12"/>
-          <p:cNvSpPr txBox="1">
-            <a:spLocks noChangeArrowheads="1"/>
-          </p:cNvSpPr>
-          <p:nvPr/>
-        </p:nvSpPr>
-        <p:spPr bwMode="auto">
-          <a:xfrm>
-            <a:off x="7202488" y="1447800"/>
-            <a:ext cx="569912" cy="369888"/>
-          </a:xfrm>
-          <a:prstGeom prst="rect">
-            <a:avLst/>
-          </a:prstGeom>
-          <a:noFill/>
-          <a:ln w="9525">
-            <a:noFill/>
-            <a:miter lim="800000"/>
-            <a:headEnd/>
-            <a:tailEnd/>
-          </a:ln>
-        </p:spPr>
-        <p:txBody>
-          <a:bodyPr wrap="none">
-            <a:spAutoFit/>
-          </a:bodyPr>
-          <a:lstStyle/>
-          <a:p>
-            <a:r>
-              <a:rPr lang="en-US"/>
-              <a:t>IDV</a:t>
-            </a:r>
-          </a:p>
-        </p:txBody>
-      </p:sp>
-      <p:pic>
-        <p:nvPicPr>
-          <p:cNvPr id="19465" name="Picture 3" descr="HurricaneCharlie.gif"/>
-          <p:cNvPicPr>
-            <a:picLocks noChangeAspect="1"/>
-          </p:cNvPicPr>
-          <p:nvPr/>
-        </p:nvPicPr>
-        <p:blipFill>
-          <a:blip r:embed="rId6" cstate="print"/>
-          <a:srcRect/>
-          <a:stretch>
-            <a:fillRect/>
-          </a:stretch>
-        </p:blipFill>
-        <p:spPr bwMode="auto">
-          <a:xfrm>
-            <a:off x="6191250" y="2155825"/>
-            <a:ext cx="2906713" cy="1957388"/>
-          </a:xfrm>
-          <a:prstGeom prst="rect">
-            <a:avLst/>
-          </a:prstGeom>
-          <a:noFill/>
-          <a:ln w="9525">
-            <a:noFill/>
-            <a:miter lim="800000"/>
-            <a:headEnd/>
-            <a:tailEnd/>
-          </a:ln>
-        </p:spPr>
-      </p:pic>
-      <p:pic>
-        <p:nvPicPr>
-          <p:cNvPr id="19466" name="Picture 1" descr="WRF_WindSpeedVectorX.png"/>
-          <p:cNvPicPr>
-            <a:picLocks noChangeAspect="1"/>
-          </p:cNvPicPr>
-          <p:nvPr/>
-        </p:nvPicPr>
-        <p:blipFill>
-          <a:blip r:embed="rId7" cstate="print"/>
-          <a:srcRect l="2863" t="2489" r="26851" b="6349"/>
-          <a:stretch>
-            <a:fillRect/>
-          </a:stretch>
-        </p:blipFill>
-        <p:spPr bwMode="auto">
-          <a:xfrm>
-            <a:off x="6189663" y="3979863"/>
-            <a:ext cx="2927350" cy="2400300"/>
-          </a:xfrm>
-          <a:prstGeom prst="rect">
-            <a:avLst/>
-          </a:prstGeom>
-          <a:noFill/>
-          <a:ln w="9525">
-            <a:noFill/>
-            <a:miter lim="800000"/>
-            <a:headEnd/>
-            <a:tailEnd/>
-          </a:ln>
-        </p:spPr>
-      </p:pic>
-    </p:spTree>
-  </p:cSld>
-  <p:clrMapOvr>
-    <a:masterClrMapping/>
-  </p:clrMapOvr>
-  <p:timing>
-    <p:tnLst>
-      <p:par>
-        <p:cTn id="1" dur="indefinite" restart="never" nodeType="tmRoot"/>
-      </p:par>
-    </p:tnLst>
-  </p:timing>
-</p:sld>
-</file>
-
-<file path=ppt/slides/slide6.xml><?xml version="1.0" encoding="utf-8"?>
-<p:sld xmlns:a="http://schemas.openxmlformats.org/drawingml/2006/main" xmlns:r="http://schemas.openxmlformats.org/officeDocument/2006/relationships" xmlns:p="http://schemas.openxmlformats.org/presentationml/2006/main">
-  <p:cSld>
-    <p:spTree>
-      <p:nvGrpSpPr>
-        <p:cNvPr id="1" name=""/>
-        <p:cNvGrpSpPr/>
-        <p:nvPr/>
-      </p:nvGrpSpPr>
-      <p:grpSpPr>
-        <a:xfrm>
-          <a:off x="0" y="0"/>
-          <a:ext cx="0" cy="0"/>
-          <a:chOff x="0" y="0"/>
-          <a:chExt cx="0" cy="0"/>
-        </a:xfrm>
-      </p:grpSpPr>
-      <p:sp>
-        <p:nvSpPr>
-          <p:cNvPr id="2" name="Title 1"/>
-          <p:cNvSpPr>
-            <a:spLocks noGrp="1"/>
-          </p:cNvSpPr>
-          <p:nvPr>
-            <p:ph type="title"/>
-          </p:nvPr>
-        </p:nvSpPr>
-        <p:spPr/>
-        <p:txBody>
-          <a:bodyPr/>
-          <a:lstStyle/>
-          <a:p>
-            <a:r>
-              <a:rPr lang="en-US" dirty="0" smtClean="0"/>
-              <a:t>Access to Real-time Data</a:t>
-            </a:r>
-            <a:endParaRPr lang="en-US" dirty="0"/>
-          </a:p>
-        </p:txBody>
-      </p:sp>
-      <p:sp>
-        <p:nvSpPr>
-          <p:cNvPr id="3" name="Content Placeholder 2"/>
-          <p:cNvSpPr>
-            <a:spLocks noGrp="1"/>
-          </p:cNvSpPr>
-          <p:nvPr>
-            <p:ph idx="1"/>
-          </p:nvPr>
-        </p:nvSpPr>
-        <p:spPr>
-          <a:xfrm>
-            <a:off x="457200" y="1600200"/>
-            <a:ext cx="8103870" cy="4525963"/>
-          </a:xfrm>
-        </p:spPr>
-        <p:txBody>
-          <a:bodyPr/>
-          <a:lstStyle/>
-          <a:p>
-            <a:r>
-              <a:rPr lang="en-US" dirty="0" smtClean="0"/>
-              <a:t>Unidata TDS: thredds.ucar.edu</a:t>
-            </a:r>
-          </a:p>
-          <a:p>
-            <a:pPr lvl="1"/>
-            <a:r>
-              <a:rPr lang="en-US" dirty="0" smtClean="0"/>
-              <a:t>Serves the last month or so of IDD/LDM data streams</a:t>
-            </a:r>
-          </a:p>
-          <a:p>
-            <a:pPr lvl="1"/>
-            <a:r>
-              <a:rPr lang="en-US" dirty="0" smtClean="0"/>
-              <a:t>Services:</a:t>
-            </a:r>
-          </a:p>
-          <a:p>
-            <a:pPr lvl="2"/>
-            <a:r>
-              <a:rPr lang="en-US" dirty="0" err="1" smtClean="0"/>
-              <a:t>OPeNDAP</a:t>
-            </a:r>
-            <a:endParaRPr lang="en-US" dirty="0" smtClean="0"/>
-          </a:p>
-          <a:p>
-            <a:pPr lvl="2"/>
-            <a:r>
-              <a:rPr lang="en-US" dirty="0" smtClean="0"/>
-              <a:t>NCSS</a:t>
-            </a:r>
-          </a:p>
-          <a:p>
-            <a:pPr lvl="2"/>
-            <a:r>
-              <a:rPr lang="en-US" dirty="0" smtClean="0"/>
-              <a:t>OGC WCS and WMS</a:t>
-            </a:r>
-          </a:p>
-          <a:p>
-            <a:r>
-              <a:rPr lang="en-US" dirty="0" smtClean="0"/>
-              <a:t>Unidata ADDE server: adde.ucar.edu</a:t>
-            </a:r>
-          </a:p>
-          <a:p>
-            <a:pPr lvl="1"/>
-            <a:r>
-              <a:rPr lang="en-US" dirty="0" smtClean="0"/>
-              <a:t>Service: </a:t>
-            </a:r>
-            <a:r>
-              <a:rPr lang="en-US" dirty="0" err="1" smtClean="0"/>
-              <a:t>McIDAS</a:t>
-            </a:r>
-            <a:r>
-              <a:rPr lang="en-US" smtClean="0"/>
-              <a:t> ADDE</a:t>
-            </a:r>
-            <a:endParaRPr lang="en-US" dirty="0" smtClean="0"/>
-          </a:p>
-          <a:p>
-            <a:pPr lvl="1"/>
-            <a:endParaRPr lang="en-US" dirty="0" smtClean="0"/>
-          </a:p>
-        </p:txBody>
-      </p:sp>
-    </p:spTree>
-  </p:cSld>
-  <p:clrMapOvr>
-    <a:masterClrMapping/>
-  </p:clrMapOvr>
-  <p:timing>
-    <p:tnLst>
-      <p:par>
-        <p:cTn id="1" dur="indefinite" restart="never" nodeType="tmRoot"/>
-      </p:par>
-    </p:tnLst>
-  </p:timing>
-</p:sld>
-</file>
-
-<file path=ppt/slides/slide7.xml><?xml version="1.0" encoding="utf-8"?>
-<p:sld xmlns:a="http://schemas.openxmlformats.org/drawingml/2006/main" xmlns:r="http://schemas.openxmlformats.org/officeDocument/2006/relationships" xmlns:p="http://schemas.openxmlformats.org/presentationml/2006/main">
-  <p:cSld>
-    <p:spTree>
-      <p:nvGrpSpPr>
-        <p:cNvPr id="1" name=""/>
-        <p:cNvGrpSpPr/>
-        <p:nvPr/>
-      </p:nvGrpSpPr>
-      <p:grpSpPr>
-        <a:xfrm>
-          <a:off x="0" y="0"/>
-          <a:ext cx="0" cy="0"/>
-          <a:chOff x="0" y="0"/>
-          <a:chExt cx="0" cy="0"/>
-        </a:xfrm>
-      </p:grpSpPr>
-      <p:pic>
-        <p:nvPicPr>
-          <p:cNvPr id="26626" name="Picture 2" descr="nc-classic-uml.png"/>
-          <p:cNvPicPr>
-            <a:picLocks noChangeAspect="1" noChangeArrowheads="1"/>
-          </p:cNvPicPr>
-          <p:nvPr/>
-        </p:nvPicPr>
-        <p:blipFill>
-          <a:blip r:embed="rId2" cstate="print"/>
-          <a:srcRect/>
-          <a:stretch>
-            <a:fillRect/>
-          </a:stretch>
-        </p:blipFill>
-        <p:spPr bwMode="auto">
-          <a:xfrm>
-            <a:off x="136486" y="3687093"/>
-            <a:ext cx="4134767" cy="2848395"/>
-          </a:xfrm>
-          <a:prstGeom prst="rect">
-            <a:avLst/>
-          </a:prstGeom>
-          <a:noFill/>
-        </p:spPr>
-      </p:pic>
-      <p:pic>
-        <p:nvPicPr>
-          <p:cNvPr id="6" name="Picture 5" descr="netcdf_architecture.png"/>
-          <p:cNvPicPr>
-            <a:picLocks noChangeAspect="1"/>
-          </p:cNvPicPr>
-          <p:nvPr/>
-        </p:nvPicPr>
-        <p:blipFill>
-          <a:blip r:embed="rId3" cstate="print"/>
-          <a:stretch>
-            <a:fillRect/>
-          </a:stretch>
-        </p:blipFill>
-        <p:spPr>
-          <a:xfrm>
-            <a:off x="4021365" y="3283977"/>
-            <a:ext cx="5135545" cy="3079369"/>
-          </a:xfrm>
-          <a:prstGeom prst="rect">
-            <a:avLst/>
-          </a:prstGeom>
-        </p:spPr>
-      </p:pic>
-      <p:sp>
-        <p:nvSpPr>
-          <p:cNvPr id="2" name="Title 1"/>
-          <p:cNvSpPr>
-            <a:spLocks noGrp="1"/>
-          </p:cNvSpPr>
-          <p:nvPr>
-            <p:ph type="title"/>
-          </p:nvPr>
-        </p:nvSpPr>
-        <p:spPr/>
-        <p:txBody>
-          <a:bodyPr/>
-          <a:lstStyle/>
-          <a:p>
-            <a:r>
-              <a:rPr lang="en-US" dirty="0" smtClean="0"/>
-              <a:t>netCDF</a:t>
-            </a:r>
-            <a:endParaRPr lang="en-US" dirty="0"/>
-          </a:p>
-        </p:txBody>
-      </p:sp>
-      <p:sp>
-        <p:nvSpPr>
-          <p:cNvPr id="3" name="Content Placeholder 2"/>
-          <p:cNvSpPr>
-            <a:spLocks noGrp="1"/>
-          </p:cNvSpPr>
-          <p:nvPr>
-            <p:ph sz="half" idx="1"/>
-          </p:nvPr>
-        </p:nvSpPr>
-        <p:spPr>
-          <a:xfrm>
-            <a:off x="445770" y="1530285"/>
-            <a:ext cx="6080760" cy="1831767"/>
-          </a:xfrm>
-        </p:spPr>
-        <p:txBody>
-          <a:bodyPr/>
-          <a:lstStyle/>
-          <a:p>
-            <a:r>
-              <a:rPr lang="en-US" sz="2400" dirty="0" smtClean="0"/>
-              <a:t>Array-oriented scientific data:</a:t>
-            </a:r>
-          </a:p>
-          <a:p>
-            <a:pPr lvl="1"/>
-            <a:r>
-              <a:rPr lang="en-US" sz="2000" dirty="0" smtClean="0"/>
-              <a:t>Interface for access (C, Fortran, Java, etc.)</a:t>
-            </a:r>
-          </a:p>
-          <a:p>
-            <a:pPr lvl="1"/>
-            <a:r>
-              <a:rPr lang="en-US" sz="2000" dirty="0" smtClean="0"/>
-              <a:t>Machine-independent encoding format</a:t>
-            </a:r>
-          </a:p>
-          <a:p>
-            <a:pPr lvl="1"/>
-            <a:r>
-              <a:rPr lang="en-US" sz="2000" dirty="0" smtClean="0"/>
-              <a:t>Reference libraries (C and Java)</a:t>
-            </a:r>
-            <a:endParaRPr lang="en-US" sz="2000" dirty="0"/>
-          </a:p>
-        </p:txBody>
-      </p:sp>
-      <p:sp>
-        <p:nvSpPr>
-          <p:cNvPr id="7" name="TextBox 6"/>
-          <p:cNvSpPr txBox="1"/>
-          <p:nvPr/>
-        </p:nvSpPr>
-        <p:spPr>
-          <a:xfrm>
-            <a:off x="6125499" y="3018500"/>
-            <a:ext cx="1790875" cy="246221"/>
-          </a:xfrm>
-          <a:prstGeom prst="rect">
-            <a:avLst/>
-          </a:prstGeom>
-          <a:noFill/>
-        </p:spPr>
-        <p:txBody>
-          <a:bodyPr wrap="none" rtlCol="0">
-            <a:spAutoFit/>
-          </a:bodyPr>
-          <a:lstStyle/>
-          <a:p>
-            <a:r>
-              <a:rPr lang="en-US" sz="1000" dirty="0" smtClean="0"/>
-              <a:t>NetCDF Library Architecture</a:t>
-            </a:r>
-            <a:endParaRPr lang="en-US" sz="1000" dirty="0"/>
-          </a:p>
-        </p:txBody>
-      </p:sp>
-      <p:sp>
-        <p:nvSpPr>
-          <p:cNvPr id="8" name="TextBox 7"/>
-          <p:cNvSpPr txBox="1"/>
-          <p:nvPr/>
-        </p:nvSpPr>
-        <p:spPr>
-          <a:xfrm>
-            <a:off x="762044" y="3426539"/>
-            <a:ext cx="1691489" cy="246221"/>
-          </a:xfrm>
-          <a:prstGeom prst="rect">
-            <a:avLst/>
-          </a:prstGeom>
-          <a:noFill/>
-        </p:spPr>
-        <p:txBody>
-          <a:bodyPr wrap="none" rtlCol="0">
-            <a:spAutoFit/>
-          </a:bodyPr>
-          <a:lstStyle/>
-          <a:p>
-            <a:r>
-              <a:rPr lang="en-US" sz="1000" dirty="0" smtClean="0"/>
-              <a:t>NetCDF Class Data Model</a:t>
-            </a:r>
-            <a:endParaRPr lang="en-US" sz="1000" dirty="0"/>
-          </a:p>
-        </p:txBody>
-      </p:sp>
-    </p:spTree>
-  </p:cSld>
-  <p:clrMapOvr>
-    <a:masterClrMapping/>
-  </p:clrMapOvr>
-  <p:timing>
-    <p:tnLst>
-      <p:par>
-        <p:cTn id="1" dur="indefinite" restart="never" nodeType="tmRoot"/>
-      </p:par>
-    </p:tnLst>
-  </p:timing>
-</p:sld>
-</file>
-
-<file path=ppt/slides/slide8.xml><?xml version="1.0" encoding="utf-8"?>
-<p:sld xmlns:a="http://schemas.openxmlformats.org/drawingml/2006/main" xmlns:r="http://schemas.openxmlformats.org/officeDocument/2006/relationships" xmlns:p="http://schemas.openxmlformats.org/presentationml/2006/main">
-  <p:cSld>
-    <p:spTree>
-      <p:nvGrpSpPr>
-        <p:cNvPr id="1" name=""/>
-        <p:cNvGrpSpPr/>
-        <p:nvPr/>
-      </p:nvGrpSpPr>
-      <p:grpSpPr>
-        <a:xfrm>
-          <a:off x="0" y="0"/>
-          <a:ext cx="0" cy="0"/>
-          <a:chOff x="0" y="0"/>
-          <a:chExt cx="0" cy="0"/>
-        </a:xfrm>
-      </p:grpSpPr>
-      <p:sp>
-        <p:nvSpPr>
-          <p:cNvPr id="20481" name="Title 1"/>
-          <p:cNvSpPr>
-            <a:spLocks noGrp="1"/>
-          </p:cNvSpPr>
-          <p:nvPr>
-            <p:ph type="title"/>
-          </p:nvPr>
-        </p:nvSpPr>
-        <p:spPr/>
-        <p:txBody>
-          <a:bodyPr/>
-          <a:lstStyle/>
-          <a:p>
-            <a:r>
-              <a:rPr lang="en-US" smtClean="0">
-                <a:ea typeface="ＭＳ Ｐゴシック" pitchFamily="34" charset="-128"/>
-              </a:rPr>
-              <a:t>Unidata User Community</a:t>
-            </a:r>
-          </a:p>
-        </p:txBody>
-      </p:sp>
-      <p:sp>
-        <p:nvSpPr>
-          <p:cNvPr id="20482" name="Content Placeholder 2"/>
-          <p:cNvSpPr>
-            <a:spLocks noGrp="1"/>
-          </p:cNvSpPr>
-          <p:nvPr>
-            <p:ph idx="1"/>
-          </p:nvPr>
-        </p:nvSpPr>
-        <p:spPr/>
-        <p:txBody>
-          <a:bodyPr/>
-          <a:lstStyle/>
-          <a:p>
-            <a:r>
-              <a:rPr lang="en-US" smtClean="0">
-                <a:ea typeface="ＭＳ Ｐゴシック" pitchFamily="34" charset="-128"/>
-              </a:rPr>
-              <a:t>Support the community</a:t>
-            </a:r>
-          </a:p>
-          <a:p>
-            <a:pPr lvl="1"/>
-            <a:r>
-              <a:rPr lang="en-US" smtClean="0">
-                <a:ea typeface="ＭＳ Ｐゴシック" pitchFamily="34" charset="-128"/>
-              </a:rPr>
-              <a:t>User Workshops</a:t>
-            </a:r>
-          </a:p>
-          <a:p>
-            <a:pPr lvl="1"/>
-            <a:r>
-              <a:rPr lang="en-US" smtClean="0">
-                <a:ea typeface="ＭＳ Ｐゴシック" pitchFamily="34" charset="-128"/>
-              </a:rPr>
-              <a:t>Training Workshops</a:t>
-            </a:r>
-          </a:p>
-          <a:p>
-            <a:pPr lvl="1"/>
-            <a:r>
-              <a:rPr lang="en-US" smtClean="0">
-                <a:ea typeface="ＭＳ Ｐゴシック" pitchFamily="34" charset="-128"/>
-              </a:rPr>
-              <a:t>Mailing lists</a:t>
-            </a:r>
-          </a:p>
-          <a:p>
-            <a:pPr lvl="2"/>
-            <a:r>
-              <a:rPr lang="en-US" smtClean="0">
-                <a:ea typeface="ＭＳ Ｐゴシック" pitchFamily="34" charset="-128"/>
-              </a:rPr>
-              <a:t>For specific software packages</a:t>
-            </a:r>
-          </a:p>
-          <a:p>
-            <a:pPr lvl="2"/>
-            <a:r>
-              <a:rPr lang="ja-JP" altLang="en-US" smtClean="0">
-                <a:ea typeface="ＭＳ Ｐゴシック" pitchFamily="34" charset="-128"/>
-              </a:rPr>
-              <a:t>“</a:t>
-            </a:r>
-            <a:r>
-              <a:rPr lang="en-US" altLang="ja-JP" smtClean="0">
-                <a:ea typeface="ＭＳ Ｐゴシック" pitchFamily="34" charset="-128"/>
-              </a:rPr>
-              <a:t>community</a:t>
-            </a:r>
-            <a:r>
-              <a:rPr lang="ja-JP" altLang="en-US" smtClean="0">
-                <a:ea typeface="ＭＳ Ｐゴシック" pitchFamily="34" charset="-128"/>
-              </a:rPr>
-              <a:t>”</a:t>
-            </a:r>
-            <a:r>
-              <a:rPr lang="en-US" altLang="ja-JP" smtClean="0">
-                <a:ea typeface="ＭＳ Ｐゴシック" pitchFamily="34" charset="-128"/>
-              </a:rPr>
-              <a:t> email list – for Unidata community announcements</a:t>
-            </a:r>
-          </a:p>
-          <a:p>
-            <a:r>
-              <a:rPr lang="en-US" smtClean="0">
-                <a:ea typeface="ＭＳ Ｐゴシック" pitchFamily="34" charset="-128"/>
-              </a:rPr>
-              <a:t>Represent and advocate for the community</a:t>
-            </a:r>
-          </a:p>
-          <a:p>
-            <a:r>
-              <a:rPr lang="en-US" smtClean="0">
-                <a:ea typeface="ＭＳ Ｐゴシック" pitchFamily="34" charset="-128"/>
-              </a:rPr>
-              <a:t>More: http://www.unidata.ucar.edu/</a:t>
-            </a:r>
-          </a:p>
-        </p:txBody>
-      </p:sp>
-    </p:spTree>
-  </p:cSld>
-  <p:clrMapOvr>
-    <a:masterClrMapping/>
-  </p:clrMapOvr>
-  <p:timing>
-    <p:tnLst>
-      <p:par>
-        <p:cTn id="1" dur="indefinite" restart="never" nodeType="tmRoot"/>
-      </p:par>
-    </p:tnLst>
-  </p:timing>
-</p:sld>
-</file>
-
-<file path=ppt/slides/slide9.xml><?xml version="1.0" encoding="utf-8"?>
 <p:sld xmlns:a="http://schemas.openxmlformats.org/drawingml/2006/main" xmlns:r="http://schemas.openxmlformats.org/officeDocument/2006/relationships" xmlns:p="http://schemas.openxmlformats.org/presentationml/2006/main">
   <p:cSld>
     <p:spTree>
@@ -7451,6 +5061,2814 @@
           </a:graphicData>
         </a:graphic>
       </p:graphicFrame>
+    </p:spTree>
+  </p:cSld>
+  <p:clrMapOvr>
+    <a:masterClrMapping/>
+  </p:clrMapOvr>
+  <p:timing>
+    <p:tnLst>
+      <p:par>
+        <p:cTn id="1" dur="indefinite" restart="never" nodeType="tmRoot"/>
+      </p:par>
+    </p:tnLst>
+  </p:timing>
+</p:sld>
+</file>
+
+<file path=ppt/slides/slide11.xml><?xml version="1.0" encoding="utf-8"?>
+<p:sld xmlns:a="http://schemas.openxmlformats.org/drawingml/2006/main" xmlns:r="http://schemas.openxmlformats.org/officeDocument/2006/relationships" xmlns:p="http://schemas.openxmlformats.org/presentationml/2006/main">
+  <p:cSld>
+    <p:spTree>
+      <p:nvGrpSpPr>
+        <p:cNvPr id="1" name=""/>
+        <p:cNvGrpSpPr/>
+        <p:nvPr/>
+      </p:nvGrpSpPr>
+      <p:grpSpPr>
+        <a:xfrm>
+          <a:off x="0" y="0"/>
+          <a:ext cx="0" cy="0"/>
+          <a:chOff x="0" y="0"/>
+          <a:chExt cx="0" cy="0"/>
+        </a:xfrm>
+      </p:grpSpPr>
+      <p:sp>
+        <p:nvSpPr>
+          <p:cNvPr id="2" name="Title 1"/>
+          <p:cNvSpPr>
+            <a:spLocks noGrp="1"/>
+          </p:cNvSpPr>
+          <p:nvPr>
+            <p:ph type="title"/>
+          </p:nvPr>
+        </p:nvSpPr>
+        <p:spPr/>
+        <p:txBody>
+          <a:bodyPr/>
+          <a:lstStyle/>
+          <a:p>
+            <a:r>
+              <a:rPr lang="en-US" dirty="0" smtClean="0"/>
+              <a:t>What is Python?</a:t>
+            </a:r>
+            <a:endParaRPr lang="en-US" dirty="0"/>
+          </a:p>
+        </p:txBody>
+      </p:sp>
+      <p:sp>
+        <p:nvSpPr>
+          <p:cNvPr id="3" name="Content Placeholder 2"/>
+          <p:cNvSpPr>
+            <a:spLocks noGrp="1"/>
+          </p:cNvSpPr>
+          <p:nvPr>
+            <p:ph idx="1"/>
+          </p:nvPr>
+        </p:nvSpPr>
+        <p:spPr>
+          <a:xfrm>
+            <a:off x="457200" y="1600200"/>
+            <a:ext cx="6343650" cy="4525963"/>
+          </a:xfrm>
+        </p:spPr>
+        <p:txBody>
+          <a:bodyPr/>
+          <a:lstStyle/>
+          <a:p>
+            <a:r>
+              <a:rPr lang="en-US" sz="3000" dirty="0" smtClean="0"/>
+              <a:t>General purpose, high-level language invented by Guido van </a:t>
+            </a:r>
+            <a:r>
+              <a:rPr lang="en-US" sz="3000" dirty="0" err="1" smtClean="0"/>
+              <a:t>Rossum</a:t>
+            </a:r>
+            <a:r>
+              <a:rPr lang="en-US" sz="3000" dirty="0" smtClean="0"/>
+              <a:t>.</a:t>
+            </a:r>
+          </a:p>
+          <a:p>
+            <a:r>
+              <a:rPr lang="en-US" sz="3000" dirty="0" smtClean="0"/>
+              <a:t>Multiple paradigms</a:t>
+            </a:r>
+          </a:p>
+          <a:p>
+            <a:r>
+              <a:rPr lang="en-US" sz="3000" dirty="0" smtClean="0"/>
+              <a:t>scripting</a:t>
+            </a:r>
+          </a:p>
+          <a:p>
+            <a:r>
+              <a:rPr lang="en-US" sz="3000" dirty="0" smtClean="0"/>
+              <a:t>object-oriented</a:t>
+            </a:r>
+          </a:p>
+          <a:p>
+            <a:r>
+              <a:rPr lang="en-US" sz="3000" dirty="0" smtClean="0"/>
+              <a:t>imperative</a:t>
+            </a:r>
+          </a:p>
+          <a:p>
+            <a:r>
+              <a:rPr lang="en-US" sz="3000" dirty="0" smtClean="0"/>
+              <a:t>functional</a:t>
+            </a:r>
+          </a:p>
+          <a:p>
+            <a:r>
+              <a:rPr lang="en-US" sz="3000" dirty="0" smtClean="0"/>
+              <a:t>"Python is executable </a:t>
+            </a:r>
+            <a:r>
+              <a:rPr lang="en-US" sz="3000" dirty="0" err="1" smtClean="0"/>
+              <a:t>pseudocode</a:t>
+            </a:r>
+            <a:r>
+              <a:rPr lang="en-US" sz="3000" dirty="0" smtClean="0"/>
+              <a:t>"</a:t>
+            </a:r>
+            <a:endParaRPr lang="en-US" sz="3000" dirty="0"/>
+          </a:p>
+        </p:txBody>
+      </p:sp>
+      <p:pic>
+        <p:nvPicPr>
+          <p:cNvPr id="2050" name="Picture 2" descr="Guido van Rossum"/>
+          <p:cNvPicPr>
+            <a:picLocks noChangeAspect="1" noChangeArrowheads="1"/>
+          </p:cNvPicPr>
+          <p:nvPr/>
+        </p:nvPicPr>
+        <p:blipFill>
+          <a:blip r:embed="rId2" cstate="print"/>
+          <a:srcRect/>
+          <a:stretch>
+            <a:fillRect/>
+          </a:stretch>
+        </p:blipFill>
+        <p:spPr bwMode="auto">
+          <a:xfrm>
+            <a:off x="6407784" y="2206307"/>
+            <a:ext cx="2061845" cy="3092769"/>
+          </a:xfrm>
+          <a:prstGeom prst="rect">
+            <a:avLst/>
+          </a:prstGeom>
+          <a:noFill/>
+        </p:spPr>
+      </p:pic>
+    </p:spTree>
+  </p:cSld>
+  <p:clrMapOvr>
+    <a:masterClrMapping/>
+  </p:clrMapOvr>
+  <p:timing>
+    <p:tnLst>
+      <p:par>
+        <p:cTn id="1" dur="indefinite" restart="never" nodeType="tmRoot"/>
+      </p:par>
+    </p:tnLst>
+  </p:timing>
+</p:sld>
+</file>
+
+<file path=ppt/slides/slide12.xml><?xml version="1.0" encoding="utf-8"?>
+<p:sld xmlns:a="http://schemas.openxmlformats.org/drawingml/2006/main" xmlns:r="http://schemas.openxmlformats.org/officeDocument/2006/relationships" xmlns:p="http://schemas.openxmlformats.org/presentationml/2006/main">
+  <p:cSld>
+    <p:spTree>
+      <p:nvGrpSpPr>
+        <p:cNvPr id="1" name=""/>
+        <p:cNvGrpSpPr/>
+        <p:nvPr/>
+      </p:nvGrpSpPr>
+      <p:grpSpPr>
+        <a:xfrm>
+          <a:off x="0" y="0"/>
+          <a:ext cx="0" cy="0"/>
+          <a:chOff x="0" y="0"/>
+          <a:chExt cx="0" cy="0"/>
+        </a:xfrm>
+      </p:grpSpPr>
+      <p:sp>
+        <p:nvSpPr>
+          <p:cNvPr id="2" name="Title 1"/>
+          <p:cNvSpPr>
+            <a:spLocks noGrp="1"/>
+          </p:cNvSpPr>
+          <p:nvPr>
+            <p:ph type="title"/>
+          </p:nvPr>
+        </p:nvSpPr>
+        <p:spPr/>
+        <p:txBody>
+          <a:bodyPr/>
+          <a:lstStyle/>
+          <a:p>
+            <a:r>
+              <a:rPr lang="en-US" dirty="0" smtClean="0"/>
+              <a:t>Unidata and Python</a:t>
+            </a:r>
+            <a:endParaRPr lang="en-US" dirty="0"/>
+          </a:p>
+        </p:txBody>
+      </p:sp>
+      <p:sp>
+        <p:nvSpPr>
+          <p:cNvPr id="3" name="Content Placeholder 2"/>
+          <p:cNvSpPr>
+            <a:spLocks noGrp="1"/>
+          </p:cNvSpPr>
+          <p:nvPr>
+            <p:ph idx="1"/>
+          </p:nvPr>
+        </p:nvSpPr>
+        <p:spPr>
+          <a:xfrm>
+            <a:off x="457200" y="1440180"/>
+            <a:ext cx="8229600" cy="4685983"/>
+          </a:xfrm>
+        </p:spPr>
+        <p:txBody>
+          <a:bodyPr/>
+          <a:lstStyle/>
+          <a:p>
+            <a:pPr>
+              <a:buNone/>
+            </a:pPr>
+            <a:r>
+              <a:rPr lang="en-US" sz="2400" b="1" dirty="0" smtClean="0"/>
+              <a:t>     "I have used a combination of Perl, Fortran, NCL, </a:t>
+            </a:r>
+            <a:r>
+              <a:rPr lang="en-US" sz="2400" b="1" dirty="0" err="1" smtClean="0"/>
+              <a:t>Matlab</a:t>
+            </a:r>
+            <a:r>
+              <a:rPr lang="en-US" sz="2400" b="1" dirty="0" smtClean="0"/>
+              <a:t>, R and others for routine research, but found out this general-purpose language, Python, can handle almost all in an efficient way from requesting data from remote online sites to statistics, graphics."</a:t>
+            </a:r>
+            <a:r>
+              <a:rPr lang="en-US" sz="2400" dirty="0" smtClean="0"/>
+              <a:t>   - UCAR Scientist</a:t>
+            </a:r>
+          </a:p>
+          <a:p>
+            <a:endParaRPr lang="en-US" sz="2400" dirty="0" smtClean="0"/>
+          </a:p>
+          <a:p>
+            <a:pPr lvl="1"/>
+            <a:r>
+              <a:rPr lang="en-US" sz="2400" dirty="0" smtClean="0"/>
+              <a:t>Avenue for exploring, and leveraging netCDF and THREDDS Data Server technologies.</a:t>
+            </a:r>
+          </a:p>
+          <a:p>
+            <a:pPr lvl="1"/>
+            <a:r>
+              <a:rPr lang="en-US" sz="2400" dirty="0" smtClean="0"/>
+              <a:t>Embraced by earth science community for analysis and exploration (see table).</a:t>
+            </a:r>
+          </a:p>
+          <a:p>
+            <a:pPr lvl="1"/>
+            <a:r>
+              <a:rPr lang="en-US" sz="2400" dirty="0" smtClean="0"/>
+              <a:t>Publication quality graphics and visualization which are improving all the time. </a:t>
+            </a:r>
+          </a:p>
+          <a:p>
+            <a:pPr lvl="1"/>
+            <a:endParaRPr lang="en-US" dirty="0"/>
+          </a:p>
+        </p:txBody>
+      </p:sp>
+    </p:spTree>
+  </p:cSld>
+  <p:clrMapOvr>
+    <a:masterClrMapping/>
+  </p:clrMapOvr>
+  <p:timing>
+    <p:tnLst>
+      <p:par>
+        <p:cTn id="1" dur="indefinite" restart="never" nodeType="tmRoot"/>
+      </p:par>
+    </p:tnLst>
+  </p:timing>
+</p:sld>
+</file>
+
+<file path=ppt/slides/slide13.xml><?xml version="1.0" encoding="utf-8"?>
+<p:sld xmlns:a="http://schemas.openxmlformats.org/drawingml/2006/main" xmlns:r="http://schemas.openxmlformats.org/officeDocument/2006/relationships" xmlns:p="http://schemas.openxmlformats.org/presentationml/2006/main">
+  <p:cSld>
+    <p:spTree>
+      <p:nvGrpSpPr>
+        <p:cNvPr id="1" name=""/>
+        <p:cNvGrpSpPr/>
+        <p:nvPr/>
+      </p:nvGrpSpPr>
+      <p:grpSpPr>
+        <a:xfrm>
+          <a:off x="0" y="0"/>
+          <a:ext cx="0" cy="0"/>
+          <a:chOff x="0" y="0"/>
+          <a:chExt cx="0" cy="0"/>
+        </a:xfrm>
+      </p:grpSpPr>
+      <p:sp>
+        <p:nvSpPr>
+          <p:cNvPr id="2" name="Title 1"/>
+          <p:cNvSpPr>
+            <a:spLocks noGrp="1"/>
+          </p:cNvSpPr>
+          <p:nvPr>
+            <p:ph type="title"/>
+          </p:nvPr>
+        </p:nvSpPr>
+        <p:spPr/>
+        <p:txBody>
+          <a:bodyPr/>
+          <a:lstStyle/>
+          <a:p>
+            <a:r>
+              <a:rPr lang="en-US" dirty="0" smtClean="0"/>
+              <a:t>Python Editor</a:t>
+            </a:r>
+            <a:endParaRPr lang="en-US" dirty="0"/>
+          </a:p>
+        </p:txBody>
+      </p:sp>
+      <p:sp>
+        <p:nvSpPr>
+          <p:cNvPr id="3" name="Content Placeholder 2"/>
+          <p:cNvSpPr>
+            <a:spLocks noGrp="1"/>
+          </p:cNvSpPr>
+          <p:nvPr>
+            <p:ph idx="1"/>
+          </p:nvPr>
+        </p:nvSpPr>
+        <p:spPr>
+          <a:xfrm>
+            <a:off x="457200" y="1600200"/>
+            <a:ext cx="8401050" cy="4525963"/>
+          </a:xfrm>
+        </p:spPr>
+        <p:txBody>
+          <a:bodyPr/>
+          <a:lstStyle/>
+          <a:p>
+            <a:r>
+              <a:rPr lang="en-US" sz="2800" dirty="0" smtClean="0"/>
+              <a:t>Today, we will be using the </a:t>
+            </a:r>
+            <a:r>
+              <a:rPr lang="en-US" sz="2800" dirty="0" err="1" smtClean="0"/>
+              <a:t>ipython</a:t>
+            </a:r>
+            <a:r>
+              <a:rPr lang="en-US" sz="2800" dirty="0" smtClean="0"/>
+              <a:t> notebook. It is good for presentations and sharing finished code. It is not so good for code development. Here are some Python IDEs:</a:t>
+            </a:r>
+          </a:p>
+          <a:p>
+            <a:pPr lvl="1"/>
+            <a:r>
+              <a:rPr lang="en-US" sz="2400" dirty="0" smtClean="0">
+                <a:hlinkClick r:id="rId2"/>
+              </a:rPr>
+              <a:t>Python Tools for Visual Studio</a:t>
+            </a:r>
+            <a:endParaRPr lang="en-US" sz="2400" dirty="0" smtClean="0"/>
+          </a:p>
+          <a:p>
+            <a:pPr lvl="1"/>
+            <a:r>
+              <a:rPr lang="en-US" sz="2400" dirty="0" smtClean="0">
+                <a:hlinkClick r:id="rId3"/>
+              </a:rPr>
+              <a:t>Spyder</a:t>
+            </a:r>
+            <a:r>
+              <a:rPr lang="en-US" sz="2400" dirty="0" smtClean="0"/>
+              <a:t> (Scientific Python </a:t>
+            </a:r>
+            <a:r>
+              <a:rPr lang="en-US" sz="2400" dirty="0" err="1" smtClean="0"/>
+              <a:t>Developement</a:t>
+            </a:r>
+            <a:r>
+              <a:rPr lang="en-US" sz="2400" dirty="0" smtClean="0"/>
+              <a:t> </a:t>
+            </a:r>
+            <a:r>
+              <a:rPr lang="en-US" sz="2400" dirty="0" err="1" smtClean="0"/>
+              <a:t>EnviRonment</a:t>
+            </a:r>
+            <a:r>
+              <a:rPr lang="en-US" sz="2400" dirty="0" smtClean="0"/>
+              <a:t>)</a:t>
+            </a:r>
+          </a:p>
+          <a:p>
+            <a:pPr lvl="1"/>
+            <a:r>
+              <a:rPr lang="en-US" sz="2400" dirty="0" smtClean="0">
+                <a:hlinkClick r:id="rId4"/>
+              </a:rPr>
+              <a:t>Emacs </a:t>
+            </a:r>
+            <a:r>
+              <a:rPr lang="en-US" sz="2400" dirty="0" err="1" smtClean="0">
+                <a:hlinkClick r:id="rId4"/>
+              </a:rPr>
+              <a:t>Ipython</a:t>
+            </a:r>
+            <a:r>
+              <a:rPr lang="en-US" sz="2400" dirty="0" smtClean="0">
+                <a:hlinkClick r:id="rId4"/>
+              </a:rPr>
+              <a:t> Notebook</a:t>
+            </a:r>
+            <a:endParaRPr lang="en-US" sz="2400" dirty="0" smtClean="0"/>
+          </a:p>
+          <a:p>
+            <a:pPr lvl="1"/>
+            <a:r>
+              <a:rPr lang="en-US" sz="2400" dirty="0" smtClean="0">
+                <a:hlinkClick r:id="rId5"/>
+              </a:rPr>
+              <a:t>Enthought Canopy Editor</a:t>
+            </a:r>
+            <a:endParaRPr lang="en-US" sz="2400" dirty="0" smtClean="0"/>
+          </a:p>
+          <a:p>
+            <a:pPr lvl="1"/>
+            <a:r>
+              <a:rPr lang="en-US" sz="2400" dirty="0" smtClean="0">
+                <a:hlinkClick r:id="rId6"/>
+              </a:rPr>
+              <a:t>Wakari</a:t>
+            </a:r>
+            <a:r>
+              <a:rPr lang="en-US" sz="2400" dirty="0" smtClean="0"/>
+              <a:t>, a hosted Python data analysis environment</a:t>
+            </a:r>
+          </a:p>
+        </p:txBody>
+      </p:sp>
+    </p:spTree>
+  </p:cSld>
+  <p:clrMapOvr>
+    <a:masterClrMapping/>
+  </p:clrMapOvr>
+  <p:timing>
+    <p:tnLst>
+      <p:par>
+        <p:cTn id="1" dur="indefinite" restart="never" nodeType="tmRoot"/>
+      </p:par>
+    </p:tnLst>
+  </p:timing>
+</p:sld>
+</file>
+
+<file path=ppt/slides/slide14.xml><?xml version="1.0" encoding="utf-8"?>
+<p:sld xmlns:a="http://schemas.openxmlformats.org/drawingml/2006/main" xmlns:r="http://schemas.openxmlformats.org/officeDocument/2006/relationships" xmlns:p="http://schemas.openxmlformats.org/presentationml/2006/main">
+  <p:cSld>
+    <p:spTree>
+      <p:nvGrpSpPr>
+        <p:cNvPr id="1" name=""/>
+        <p:cNvGrpSpPr/>
+        <p:nvPr/>
+      </p:nvGrpSpPr>
+      <p:grpSpPr>
+        <a:xfrm>
+          <a:off x="0" y="0"/>
+          <a:ext cx="0" cy="0"/>
+          <a:chOff x="0" y="0"/>
+          <a:chExt cx="0" cy="0"/>
+        </a:xfrm>
+      </p:grpSpPr>
+      <p:sp>
+        <p:nvSpPr>
+          <p:cNvPr id="2" name="Title 1"/>
+          <p:cNvSpPr>
+            <a:spLocks noGrp="1"/>
+          </p:cNvSpPr>
+          <p:nvPr>
+            <p:ph type="title"/>
+          </p:nvPr>
+        </p:nvSpPr>
+        <p:spPr/>
+        <p:txBody>
+          <a:bodyPr/>
+          <a:lstStyle/>
+          <a:p>
+            <a:r>
+              <a:rPr lang="en-US" dirty="0" smtClean="0"/>
+              <a:t>Python Background material</a:t>
+            </a:r>
+            <a:endParaRPr lang="en-US" dirty="0"/>
+          </a:p>
+        </p:txBody>
+      </p:sp>
+      <p:pic>
+        <p:nvPicPr>
+          <p:cNvPr id="1026" name="Picture 2" descr="Python for Data Analysis">
+            <a:hlinkClick r:id="rId2" tooltip="O'Reilly: Python for Data Analysis"/>
+          </p:cNvPr>
+          <p:cNvPicPr>
+            <a:picLocks noChangeAspect="1" noChangeArrowheads="1"/>
+          </p:cNvPicPr>
+          <p:nvPr/>
+        </p:nvPicPr>
+        <p:blipFill>
+          <a:blip r:embed="rId3" cstate="print"/>
+          <a:srcRect/>
+          <a:stretch>
+            <a:fillRect/>
+          </a:stretch>
+        </p:blipFill>
+        <p:spPr bwMode="auto">
+          <a:xfrm>
+            <a:off x="6035040" y="2800441"/>
+            <a:ext cx="3040380" cy="3988978"/>
+          </a:xfrm>
+          <a:prstGeom prst="rect">
+            <a:avLst/>
+          </a:prstGeom>
+          <a:noFill/>
+        </p:spPr>
+      </p:pic>
+      <p:sp>
+        <p:nvSpPr>
+          <p:cNvPr id="3" name="Content Placeholder 2"/>
+          <p:cNvSpPr>
+            <a:spLocks noGrp="1"/>
+          </p:cNvSpPr>
+          <p:nvPr>
+            <p:ph idx="1"/>
+          </p:nvPr>
+        </p:nvSpPr>
+        <p:spPr>
+          <a:xfrm>
+            <a:off x="297180" y="1577341"/>
+            <a:ext cx="6160770" cy="3909060"/>
+          </a:xfrm>
+        </p:spPr>
+        <p:txBody>
+          <a:bodyPr/>
+          <a:lstStyle/>
+          <a:p>
+            <a:r>
+              <a:rPr lang="en-US" sz="2400" dirty="0" smtClean="0">
+                <a:hlinkClick r:id="rId4"/>
+              </a:rPr>
+              <a:t>A Hands-On Introduction to Using Python in the Atmospheric and Oceanic Sciences</a:t>
+            </a:r>
+            <a:endParaRPr lang="en-US" sz="2400" dirty="0" smtClean="0"/>
+          </a:p>
+          <a:p>
+            <a:r>
+              <a:rPr lang="en-US" sz="2400" dirty="0" smtClean="0">
+                <a:hlinkClick r:id="rId5"/>
+              </a:rPr>
+              <a:t>Lectures on scientific computing with Python</a:t>
+            </a:r>
+            <a:endParaRPr lang="en-US" sz="2400" dirty="0" smtClean="0">
+              <a:hlinkClick r:id="rId6"/>
+            </a:endParaRPr>
+          </a:p>
+          <a:p>
+            <a:r>
+              <a:rPr lang="en-US" sz="2400" dirty="0" smtClean="0">
+                <a:hlinkClick r:id="rId7"/>
+              </a:rPr>
+              <a:t>Why Python is the Next Wave in Earth Sciences Computing</a:t>
+            </a:r>
+            <a:endParaRPr lang="en-US" sz="2400" dirty="0" smtClean="0"/>
+          </a:p>
+          <a:p>
+            <a:r>
+              <a:rPr lang="en-US" sz="2400" dirty="0" smtClean="0">
+                <a:hlinkClick r:id="rId8"/>
+              </a:rPr>
+              <a:t>Oceanographic </a:t>
+            </a:r>
+            <a:r>
+              <a:rPr lang="en-US" sz="2400" dirty="0" err="1" smtClean="0">
+                <a:hlinkClick r:id="rId8"/>
+              </a:rPr>
+              <a:t>Anaylsis</a:t>
+            </a:r>
+            <a:r>
+              <a:rPr lang="en-US" sz="2400" dirty="0" smtClean="0">
+                <a:hlinkClick r:id="rId8"/>
+              </a:rPr>
+              <a:t> with Python - Rich </a:t>
+            </a:r>
+            <a:r>
+              <a:rPr lang="en-US" sz="2400" dirty="0" err="1" smtClean="0">
+                <a:hlinkClick r:id="rId8"/>
+              </a:rPr>
+              <a:t>Signell</a:t>
+            </a:r>
+            <a:endParaRPr lang="en-US" sz="2400" dirty="0" smtClean="0"/>
+          </a:p>
+          <a:p>
+            <a:r>
+              <a:rPr lang="en-US" sz="2400" dirty="0" smtClean="0">
+                <a:hlinkClick r:id="rId6"/>
+              </a:rPr>
+              <a:t>Python Scientific Lecture Notes</a:t>
+            </a:r>
+            <a:endParaRPr lang="en-US" sz="2400" dirty="0" smtClean="0"/>
+          </a:p>
+        </p:txBody>
+      </p:sp>
+    </p:spTree>
+  </p:cSld>
+  <p:clrMapOvr>
+    <a:masterClrMapping/>
+  </p:clrMapOvr>
+  <p:timing>
+    <p:tnLst>
+      <p:par>
+        <p:cTn id="1" dur="indefinite" restart="never" nodeType="tmRoot"/>
+      </p:par>
+    </p:tnLst>
+  </p:timing>
+</p:sld>
+</file>
+
+<file path=ppt/slides/slide15.xml><?xml version="1.0" encoding="utf-8"?>
+<p:sld xmlns:a="http://schemas.openxmlformats.org/drawingml/2006/main" xmlns:r="http://schemas.openxmlformats.org/officeDocument/2006/relationships" xmlns:p="http://schemas.openxmlformats.org/presentationml/2006/main">
+  <p:cSld>
+    <p:spTree>
+      <p:nvGrpSpPr>
+        <p:cNvPr id="1" name=""/>
+        <p:cNvGrpSpPr/>
+        <p:nvPr/>
+      </p:nvGrpSpPr>
+      <p:grpSpPr>
+        <a:xfrm>
+          <a:off x="0" y="0"/>
+          <a:ext cx="0" cy="0"/>
+          <a:chOff x="0" y="0"/>
+          <a:chExt cx="0" cy="0"/>
+        </a:xfrm>
+      </p:grpSpPr>
+      <p:sp>
+        <p:nvSpPr>
+          <p:cNvPr id="2" name="Title 1"/>
+          <p:cNvSpPr>
+            <a:spLocks noGrp="1"/>
+          </p:cNvSpPr>
+          <p:nvPr>
+            <p:ph type="title"/>
+          </p:nvPr>
+        </p:nvSpPr>
+        <p:spPr/>
+        <p:txBody>
+          <a:bodyPr/>
+          <a:lstStyle/>
+          <a:p>
+            <a:r>
+              <a:rPr lang="en-US" dirty="0" smtClean="0"/>
+              <a:t>Where to ask for Help</a:t>
+            </a:r>
+            <a:endParaRPr lang="en-US" dirty="0"/>
+          </a:p>
+        </p:txBody>
+      </p:sp>
+      <p:sp>
+        <p:nvSpPr>
+          <p:cNvPr id="3" name="Content Placeholder 2"/>
+          <p:cNvSpPr>
+            <a:spLocks noGrp="1"/>
+          </p:cNvSpPr>
+          <p:nvPr>
+            <p:ph idx="1"/>
+          </p:nvPr>
+        </p:nvSpPr>
+        <p:spPr/>
+        <p:txBody>
+          <a:bodyPr/>
+          <a:lstStyle/>
+          <a:p>
+            <a:pPr>
+              <a:buNone/>
+            </a:pPr>
+            <a:endParaRPr lang="en-US" dirty="0" smtClean="0"/>
+          </a:p>
+          <a:p>
+            <a:endParaRPr lang="en-US" dirty="0" smtClean="0"/>
+          </a:p>
+          <a:p>
+            <a:endParaRPr lang="en-US" dirty="0" smtClean="0"/>
+          </a:p>
+          <a:p>
+            <a:endParaRPr lang="en-US" dirty="0" smtClean="0"/>
+          </a:p>
+          <a:p>
+            <a:pPr>
+              <a:buNone/>
+            </a:pPr>
+            <a:endParaRPr lang="en-US" dirty="0" smtClean="0"/>
+          </a:p>
+          <a:p>
+            <a:pPr>
+              <a:buNone/>
+            </a:pPr>
+            <a:endParaRPr lang="en-US" dirty="0" smtClean="0"/>
+          </a:p>
+          <a:p>
+            <a:pPr lvl="1">
+              <a:buNone/>
+            </a:pPr>
+            <a:r>
+              <a:rPr lang="en-US" sz="2400" dirty="0" smtClean="0"/>
+              <a:t>Tag your questions with </a:t>
+            </a:r>
+            <a:r>
+              <a:rPr lang="en-US" sz="2400" dirty="0" smtClean="0">
+                <a:latin typeface="Arial" pitchFamily="34" charset="0"/>
+                <a:cs typeface="Arial" pitchFamily="34" charset="0"/>
+              </a:rPr>
+              <a:t>python</a:t>
+            </a:r>
+            <a:r>
+              <a:rPr lang="en-US" sz="2400" dirty="0" smtClean="0"/>
+              <a:t>, </a:t>
+            </a:r>
+            <a:r>
+              <a:rPr lang="en-US" sz="2400" dirty="0" err="1" smtClean="0">
+                <a:latin typeface="Arial" pitchFamily="34" charset="0"/>
+                <a:cs typeface="Arial" pitchFamily="34" charset="0"/>
+              </a:rPr>
+              <a:t>netcdf</a:t>
+            </a:r>
+            <a:r>
+              <a:rPr lang="en-US" sz="2400" dirty="0" smtClean="0"/>
+              <a:t>, </a:t>
+            </a:r>
+            <a:r>
+              <a:rPr lang="en-US" sz="2400" dirty="0" err="1" smtClean="0">
+                <a:latin typeface="Arial" pitchFamily="34" charset="0"/>
+                <a:cs typeface="Arial" pitchFamily="34" charset="0"/>
+              </a:rPr>
+              <a:t>thredds</a:t>
+            </a:r>
+            <a:r>
+              <a:rPr lang="en-US" sz="2400" dirty="0" smtClean="0"/>
+              <a:t>, etc.</a:t>
+            </a:r>
+            <a:endParaRPr lang="en-US" sz="2400" dirty="0"/>
+          </a:p>
+        </p:txBody>
+      </p:sp>
+      <p:pic>
+        <p:nvPicPr>
+          <p:cNvPr id="30722" name="Picture 2" descr="Stackoverflow">
+            <a:hlinkClick r:id="rId2"/>
+          </p:cNvPr>
+          <p:cNvPicPr>
+            <a:picLocks noChangeAspect="1" noChangeArrowheads="1"/>
+          </p:cNvPicPr>
+          <p:nvPr/>
+        </p:nvPicPr>
+        <p:blipFill>
+          <a:blip r:embed="rId3" cstate="print"/>
+          <a:srcRect/>
+          <a:stretch>
+            <a:fillRect/>
+          </a:stretch>
+        </p:blipFill>
+        <p:spPr bwMode="auto">
+          <a:xfrm>
+            <a:off x="771906" y="2075553"/>
+            <a:ext cx="7181839" cy="2140188"/>
+          </a:xfrm>
+          <a:prstGeom prst="rect">
+            <a:avLst/>
+          </a:prstGeom>
+          <a:noFill/>
+        </p:spPr>
+      </p:pic>
+    </p:spTree>
+  </p:cSld>
+  <p:clrMapOvr>
+    <a:masterClrMapping/>
+  </p:clrMapOvr>
+  <p:timing>
+    <p:tnLst>
+      <p:par>
+        <p:cTn id="1" dur="indefinite" restart="never" nodeType="tmRoot"/>
+      </p:par>
+    </p:tnLst>
+  </p:timing>
+</p:sld>
+</file>
+
+<file path=ppt/slides/slide16.xml><?xml version="1.0" encoding="utf-8"?>
+<p:sld xmlns:a="http://schemas.openxmlformats.org/drawingml/2006/main" xmlns:r="http://schemas.openxmlformats.org/officeDocument/2006/relationships" xmlns:p="http://schemas.openxmlformats.org/presentationml/2006/main">
+  <p:cSld>
+    <p:spTree>
+      <p:nvGrpSpPr>
+        <p:cNvPr id="1" name=""/>
+        <p:cNvGrpSpPr/>
+        <p:nvPr/>
+      </p:nvGrpSpPr>
+      <p:grpSpPr>
+        <a:xfrm>
+          <a:off x="0" y="0"/>
+          <a:ext cx="0" cy="0"/>
+          <a:chOff x="0" y="0"/>
+          <a:chExt cx="0" cy="0"/>
+        </a:xfrm>
+      </p:grpSpPr>
+      <p:sp>
+        <p:nvSpPr>
+          <p:cNvPr id="2" name="Title 1"/>
+          <p:cNvSpPr>
+            <a:spLocks noGrp="1"/>
+          </p:cNvSpPr>
+          <p:nvPr>
+            <p:ph type="title"/>
+          </p:nvPr>
+        </p:nvSpPr>
+        <p:spPr/>
+        <p:txBody>
+          <a:bodyPr/>
+          <a:lstStyle/>
+          <a:p>
+            <a:r>
+              <a:rPr lang="en-US" dirty="0" smtClean="0"/>
+              <a:t>Let’s Get Started</a:t>
+            </a:r>
+            <a:br>
+              <a:rPr lang="en-US" dirty="0" smtClean="0"/>
+            </a:br>
+            <a:r>
+              <a:rPr lang="en-US" dirty="0" smtClean="0"/>
+              <a:t>Today We Will …</a:t>
+            </a:r>
+            <a:endParaRPr lang="en-US" dirty="0"/>
+          </a:p>
+        </p:txBody>
+      </p:sp>
+      <p:sp>
+        <p:nvSpPr>
+          <p:cNvPr id="3" name="Content Placeholder 2"/>
+          <p:cNvSpPr>
+            <a:spLocks noGrp="1"/>
+          </p:cNvSpPr>
+          <p:nvPr>
+            <p:ph idx="1"/>
+          </p:nvPr>
+        </p:nvSpPr>
+        <p:spPr>
+          <a:xfrm>
+            <a:off x="457200" y="1851660"/>
+            <a:ext cx="8309610" cy="4274503"/>
+          </a:xfrm>
+        </p:spPr>
+        <p:txBody>
+          <a:bodyPr/>
+          <a:lstStyle/>
+          <a:p>
+            <a:r>
+              <a:rPr lang="en-US" dirty="0" smtClean="0"/>
+              <a:t>Read and write netCDF files</a:t>
+            </a:r>
+          </a:p>
+          <a:p>
+            <a:r>
+              <a:rPr lang="en-US" dirty="0" smtClean="0"/>
+              <a:t>Use </a:t>
+            </a:r>
+            <a:r>
+              <a:rPr lang="en-US" dirty="0" err="1" smtClean="0"/>
+              <a:t>matplotlib</a:t>
+            </a:r>
+            <a:r>
+              <a:rPr lang="en-US" dirty="0" smtClean="0"/>
+              <a:t> to visualize </a:t>
+            </a:r>
+            <a:r>
+              <a:rPr lang="en-US" dirty="0" err="1" smtClean="0"/>
+              <a:t>geoscience</a:t>
+            </a:r>
+            <a:r>
+              <a:rPr lang="en-US" dirty="0" smtClean="0"/>
+              <a:t> data</a:t>
+            </a:r>
+          </a:p>
+          <a:p>
+            <a:r>
+              <a:rPr lang="en-US" dirty="0" smtClean="0"/>
+              <a:t>Read model and station data from a TDS NCSS </a:t>
+            </a:r>
+          </a:p>
+          <a:p>
+            <a:r>
+              <a:rPr lang="en-US" dirty="0" smtClean="0"/>
+              <a:t>Read Radar Level 2 data</a:t>
+            </a:r>
+          </a:p>
+          <a:p>
+            <a:r>
+              <a:rPr lang="en-US" dirty="0" smtClean="0"/>
+              <a:t>Request maps from an OGC WMS server</a:t>
+            </a:r>
+          </a:p>
+          <a:p>
+            <a:r>
+              <a:rPr lang="en-US" dirty="0" smtClean="0"/>
+              <a:t>And lots more …</a:t>
+            </a:r>
+            <a:endParaRPr lang="en-US" dirty="0"/>
+          </a:p>
+        </p:txBody>
+      </p:sp>
+    </p:spTree>
+  </p:cSld>
+  <p:clrMapOvr>
+    <a:masterClrMapping/>
+  </p:clrMapOvr>
+  <p:timing>
+    <p:tnLst>
+      <p:par>
+        <p:cTn id="1" dur="indefinite" restart="never" nodeType="tmRoot"/>
+      </p:par>
+    </p:tnLst>
+  </p:timing>
+</p:sld>
+</file>
+
+<file path=ppt/slides/slide2.xml><?xml version="1.0" encoding="utf-8"?>
+<p:sld xmlns:a="http://schemas.openxmlformats.org/drawingml/2006/main" xmlns:r="http://schemas.openxmlformats.org/officeDocument/2006/relationships" xmlns:p="http://schemas.openxmlformats.org/presentationml/2006/main">
+  <p:cSld>
+    <p:spTree>
+      <p:nvGrpSpPr>
+        <p:cNvPr id="1" name=""/>
+        <p:cNvGrpSpPr/>
+        <p:nvPr/>
+      </p:nvGrpSpPr>
+      <p:grpSpPr>
+        <a:xfrm>
+          <a:off x="0" y="0"/>
+          <a:ext cx="0" cy="0"/>
+          <a:chOff x="0" y="0"/>
+          <a:chExt cx="0" cy="0"/>
+        </a:xfrm>
+      </p:grpSpPr>
+      <p:sp>
+        <p:nvSpPr>
+          <p:cNvPr id="2" name="Title 1"/>
+          <p:cNvSpPr>
+            <a:spLocks noGrp="1"/>
+          </p:cNvSpPr>
+          <p:nvPr>
+            <p:ph type="title"/>
+          </p:nvPr>
+        </p:nvSpPr>
+        <p:spPr/>
+        <p:txBody>
+          <a:bodyPr/>
+          <a:lstStyle/>
+          <a:p>
+            <a:r>
+              <a:rPr lang="en-US" dirty="0" err="1" smtClean="0"/>
+              <a:t>Unidata</a:t>
+            </a:r>
+            <a:r>
+              <a:rPr lang="en-US" dirty="0" smtClean="0"/>
+              <a:t>: Core Activities</a:t>
+            </a:r>
+            <a:endParaRPr lang="en-US" dirty="0"/>
+          </a:p>
+        </p:txBody>
+      </p:sp>
+      <p:sp>
+        <p:nvSpPr>
+          <p:cNvPr id="3" name="Text Placeholder 2"/>
+          <p:cNvSpPr>
+            <a:spLocks noGrp="1"/>
+          </p:cNvSpPr>
+          <p:nvPr>
+            <p:ph type="body" idx="1"/>
+          </p:nvPr>
+        </p:nvSpPr>
+        <p:spPr>
+          <a:xfrm>
+            <a:off x="457200" y="1600201"/>
+            <a:ext cx="8229600" cy="4267199"/>
+          </a:xfrm>
+        </p:spPr>
+        <p:txBody>
+          <a:bodyPr>
+            <a:normAutofit fontScale="85000" lnSpcReduction="20000"/>
+          </a:bodyPr>
+          <a:lstStyle/>
+          <a:p>
+            <a:r>
+              <a:rPr lang="en-US" dirty="0" smtClean="0"/>
+              <a:t>Facilitate access to (real-time) data by the University research and education community</a:t>
+            </a:r>
+          </a:p>
+          <a:p>
+            <a:r>
+              <a:rPr lang="en-US" dirty="0" smtClean="0"/>
+              <a:t>Support the community in their use of the data</a:t>
+            </a:r>
+          </a:p>
+          <a:p>
+            <a:r>
+              <a:rPr lang="en-US" dirty="0" smtClean="0"/>
+              <a:t>Help build, represent, and advocate on behalf of the community</a:t>
+            </a:r>
+          </a:p>
+          <a:p>
+            <a:pPr marL="0" indent="0">
+              <a:buNone/>
+            </a:pPr>
+            <a:endParaRPr lang="en-US" dirty="0" smtClean="0"/>
+          </a:p>
+          <a:p>
+            <a:endParaRPr lang="en-US" dirty="0" smtClean="0"/>
+          </a:p>
+          <a:p>
+            <a:pPr marL="0" indent="0">
+              <a:buNone/>
+            </a:pPr>
+            <a:r>
+              <a:rPr lang="en-US" dirty="0" smtClean="0"/>
+              <a:t> </a:t>
+            </a:r>
+          </a:p>
+          <a:p>
+            <a:pPr marL="0" indent="0">
+              <a:buNone/>
+            </a:pPr>
+            <a:endParaRPr lang="en-US" dirty="0" smtClean="0"/>
+          </a:p>
+          <a:p>
+            <a:pPr marL="0" indent="0">
+              <a:buNone/>
+            </a:pPr>
+            <a:r>
+              <a:rPr lang="en-US" dirty="0" smtClean="0"/>
+              <a:t> </a:t>
+            </a:r>
+          </a:p>
+        </p:txBody>
+      </p:sp>
+      <p:pic>
+        <p:nvPicPr>
+          <p:cNvPr id="4" name="Picture 2" descr="http://www.southalabama.edu/meteorology/rwade/Notes/Difax_files/slide0041_image002.jpg"/>
+          <p:cNvPicPr>
+            <a:picLocks noChangeAspect="1" noChangeArrowheads="1"/>
+          </p:cNvPicPr>
+          <p:nvPr/>
+        </p:nvPicPr>
+        <p:blipFill>
+          <a:blip r:embed="rId2" cstate="print"/>
+          <a:srcRect/>
+          <a:stretch>
+            <a:fillRect/>
+          </a:stretch>
+        </p:blipFill>
+        <p:spPr bwMode="auto">
+          <a:xfrm>
+            <a:off x="285750" y="3713145"/>
+            <a:ext cx="3053953" cy="2287605"/>
+          </a:xfrm>
+          <a:prstGeom prst="rect">
+            <a:avLst/>
+          </a:prstGeom>
+          <a:noFill/>
+        </p:spPr>
+      </p:pic>
+      <p:pic>
+        <p:nvPicPr>
+          <p:cNvPr id="5" name="Picture 4" descr="http://www.southalabama.edu/meteorology/rwade/Notes/Difax_files/slide0042_image006.jpg"/>
+          <p:cNvPicPr>
+            <a:picLocks noChangeAspect="1" noChangeArrowheads="1"/>
+          </p:cNvPicPr>
+          <p:nvPr/>
+        </p:nvPicPr>
+        <p:blipFill>
+          <a:blip r:embed="rId3" cstate="print"/>
+          <a:srcRect/>
+          <a:stretch>
+            <a:fillRect/>
+          </a:stretch>
+        </p:blipFill>
+        <p:spPr bwMode="auto">
+          <a:xfrm>
+            <a:off x="5536406" y="3696891"/>
+            <a:ext cx="3214688" cy="2143125"/>
+          </a:xfrm>
+          <a:prstGeom prst="rect">
+            <a:avLst/>
+          </a:prstGeom>
+          <a:noFill/>
+        </p:spPr>
+      </p:pic>
+    </p:spTree>
+    <p:extLst>
+      <p:ext uri="{BB962C8B-B14F-4D97-AF65-F5344CB8AC3E}">
+        <p14:creationId xmlns:p14="http://schemas.microsoft.com/office/powerpoint/2010/main" xmlns="" val="611091617"/>
+      </p:ext>
+    </p:extLst>
+  </p:cSld>
+  <p:clrMapOvr>
+    <a:masterClrMapping/>
+  </p:clrMapOvr>
+  <p:timing>
+    <p:tnLst>
+      <p:par>
+        <p:cTn id="1" dur="indefinite" restart="never" nodeType="tmRoot"/>
+      </p:par>
+    </p:tnLst>
+  </p:timing>
+</p:sld>
+</file>
+
+<file path=ppt/slides/slide3.xml><?xml version="1.0" encoding="utf-8"?>
+<p:sld xmlns:a="http://schemas.openxmlformats.org/drawingml/2006/main" xmlns:r="http://schemas.openxmlformats.org/officeDocument/2006/relationships" xmlns:p="http://schemas.openxmlformats.org/presentationml/2006/main">
+  <p:cSld>
+    <p:spTree>
+      <p:nvGrpSpPr>
+        <p:cNvPr id="1" name=""/>
+        <p:cNvGrpSpPr/>
+        <p:nvPr/>
+      </p:nvGrpSpPr>
+      <p:grpSpPr>
+        <a:xfrm>
+          <a:off x="0" y="0"/>
+          <a:ext cx="0" cy="0"/>
+          <a:chOff x="0" y="0"/>
+          <a:chExt cx="0" cy="0"/>
+        </a:xfrm>
+      </p:grpSpPr>
+      <p:sp>
+        <p:nvSpPr>
+          <p:cNvPr id="2" name="Title 1"/>
+          <p:cNvSpPr>
+            <a:spLocks noGrp="1"/>
+          </p:cNvSpPr>
+          <p:nvPr>
+            <p:ph type="title"/>
+          </p:nvPr>
+        </p:nvSpPr>
+        <p:spPr/>
+        <p:txBody>
+          <a:bodyPr/>
+          <a:lstStyle/>
+          <a:p>
+            <a:r>
+              <a:rPr lang="en-US" dirty="0" err="1" smtClean="0"/>
+              <a:t>Unidata</a:t>
+            </a:r>
+            <a:r>
+              <a:rPr lang="en-US" dirty="0" smtClean="0"/>
+              <a:t>: Core Activities</a:t>
+            </a:r>
+            <a:endParaRPr lang="en-US" dirty="0"/>
+          </a:p>
+        </p:txBody>
+      </p:sp>
+      <p:sp>
+        <p:nvSpPr>
+          <p:cNvPr id="3" name="Text Placeholder 2"/>
+          <p:cNvSpPr>
+            <a:spLocks noGrp="1"/>
+          </p:cNvSpPr>
+          <p:nvPr>
+            <p:ph type="body" idx="1"/>
+          </p:nvPr>
+        </p:nvSpPr>
+        <p:spPr>
+          <a:xfrm>
+            <a:off x="457200" y="1600201"/>
+            <a:ext cx="8229600" cy="4267199"/>
+          </a:xfrm>
+        </p:spPr>
+        <p:txBody>
+          <a:bodyPr>
+            <a:normAutofit fontScale="85000" lnSpcReduction="20000"/>
+          </a:bodyPr>
+          <a:lstStyle/>
+          <a:p>
+            <a:r>
+              <a:rPr lang="en-US" dirty="0" smtClean="0"/>
+              <a:t>Facilitate access to (real-time) data by the University research and education community</a:t>
+            </a:r>
+          </a:p>
+          <a:p>
+            <a:r>
+              <a:rPr lang="en-US" dirty="0" smtClean="0"/>
+              <a:t>Support the community in their use of the data</a:t>
+            </a:r>
+          </a:p>
+          <a:p>
+            <a:r>
+              <a:rPr lang="en-US" dirty="0" smtClean="0"/>
+              <a:t>Help build, represent, and advocate on behalf of the community</a:t>
+            </a:r>
+          </a:p>
+          <a:p>
+            <a:pPr marL="0" indent="0">
+              <a:buNone/>
+            </a:pPr>
+            <a:endParaRPr lang="en-US" dirty="0" smtClean="0"/>
+          </a:p>
+          <a:p>
+            <a:r>
+              <a:rPr lang="en-US" dirty="0" smtClean="0"/>
+              <a:t>Develop open source tools and infrastructure for data access, analysis, visualization, and data management</a:t>
+            </a:r>
+          </a:p>
+          <a:p>
+            <a:r>
+              <a:rPr lang="en-US" dirty="0" smtClean="0"/>
+              <a:t>Advance metadata standards for the earth science community</a:t>
+            </a:r>
+          </a:p>
+          <a:p>
+            <a:r>
+              <a:rPr lang="en-US" dirty="0" smtClean="0"/>
+              <a:t>Support users of our technologies</a:t>
+            </a:r>
+          </a:p>
+        </p:txBody>
+      </p:sp>
+    </p:spTree>
+    <p:extLst>
+      <p:ext uri="{BB962C8B-B14F-4D97-AF65-F5344CB8AC3E}">
+        <p14:creationId xmlns:p14="http://schemas.microsoft.com/office/powerpoint/2010/main" xmlns="" val="2911683858"/>
+      </p:ext>
+    </p:extLst>
+  </p:cSld>
+  <p:clrMapOvr>
+    <a:masterClrMapping/>
+  </p:clrMapOvr>
+  <p:timing>
+    <p:tnLst>
+      <p:par>
+        <p:cTn id="1" dur="indefinite" restart="never" nodeType="tmRoot"/>
+      </p:par>
+    </p:tnLst>
+  </p:timing>
+</p:sld>
+</file>
+
+<file path=ppt/slides/slide4.xml><?xml version="1.0" encoding="utf-8"?>
+<p:sld xmlns:a="http://schemas.openxmlformats.org/drawingml/2006/main" xmlns:r="http://schemas.openxmlformats.org/officeDocument/2006/relationships" xmlns:p="http://schemas.openxmlformats.org/presentationml/2006/main">
+  <p:cSld>
+    <p:spTree>
+      <p:nvGrpSpPr>
+        <p:cNvPr id="1" name=""/>
+        <p:cNvGrpSpPr/>
+        <p:nvPr/>
+      </p:nvGrpSpPr>
+      <p:grpSpPr>
+        <a:xfrm>
+          <a:off x="0" y="0"/>
+          <a:ext cx="0" cy="0"/>
+          <a:chOff x="0" y="0"/>
+          <a:chExt cx="0" cy="0"/>
+        </a:xfrm>
+      </p:grpSpPr>
+      <p:sp>
+        <p:nvSpPr>
+          <p:cNvPr id="2" name="Title 1"/>
+          <p:cNvSpPr>
+            <a:spLocks noGrp="1"/>
+          </p:cNvSpPr>
+          <p:nvPr>
+            <p:ph type="title"/>
+          </p:nvPr>
+        </p:nvSpPr>
+        <p:spPr/>
+        <p:txBody>
+          <a:bodyPr/>
+          <a:lstStyle/>
+          <a:p>
+            <a:r>
+              <a:rPr lang="en-US" dirty="0" smtClean="0"/>
+              <a:t>Unidata – What we provide</a:t>
+            </a:r>
+            <a:endParaRPr lang="en-US" dirty="0"/>
+          </a:p>
+        </p:txBody>
+      </p:sp>
+      <p:sp>
+        <p:nvSpPr>
+          <p:cNvPr id="3" name="Content Placeholder 2"/>
+          <p:cNvSpPr>
+            <a:spLocks noGrp="1"/>
+          </p:cNvSpPr>
+          <p:nvPr>
+            <p:ph idx="1"/>
+          </p:nvPr>
+        </p:nvSpPr>
+        <p:spPr>
+          <a:xfrm>
+            <a:off x="457200" y="1988820"/>
+            <a:ext cx="8229600" cy="4137343"/>
+          </a:xfrm>
+        </p:spPr>
+        <p:txBody>
+          <a:bodyPr/>
+          <a:lstStyle/>
+          <a:p>
+            <a:r>
+              <a:rPr lang="en-US" dirty="0" smtClean="0"/>
+              <a:t>Real-time data streams over IDD/LDM</a:t>
+            </a:r>
+          </a:p>
+          <a:p>
+            <a:pPr lvl="1"/>
+            <a:r>
+              <a:rPr lang="en-US" sz="2400" dirty="0" smtClean="0"/>
+              <a:t>Radar, satellite, model forecasts, station, etc.</a:t>
+            </a:r>
+          </a:p>
+          <a:p>
+            <a:r>
+              <a:rPr lang="en-US" dirty="0" smtClean="0"/>
+              <a:t>Visualization and analysis packages</a:t>
+            </a:r>
+          </a:p>
+          <a:p>
+            <a:pPr lvl="1"/>
+            <a:r>
+              <a:rPr lang="en-US" sz="2400" dirty="0" smtClean="0"/>
+              <a:t>IDV, GEMPAK, </a:t>
+            </a:r>
+            <a:r>
+              <a:rPr lang="en-US" sz="2400" dirty="0" err="1" smtClean="0"/>
+              <a:t>McIDAS</a:t>
+            </a:r>
+            <a:r>
+              <a:rPr lang="en-US" sz="2400" dirty="0" smtClean="0"/>
+              <a:t>, AWIPS-II</a:t>
+            </a:r>
+          </a:p>
+          <a:p>
+            <a:r>
+              <a:rPr lang="en-US" dirty="0" smtClean="0"/>
+              <a:t>Rolling archive of real-time data</a:t>
+            </a:r>
+          </a:p>
+          <a:p>
+            <a:pPr lvl="1"/>
+            <a:r>
+              <a:rPr lang="en-US" sz="2400" dirty="0" smtClean="0"/>
+              <a:t>thredds.ucar.edu</a:t>
+            </a:r>
+          </a:p>
+          <a:p>
+            <a:r>
+              <a:rPr lang="en-US" dirty="0" smtClean="0"/>
+              <a:t>NetCDF data format and libraries</a:t>
+            </a:r>
+          </a:p>
+          <a:p>
+            <a:pPr>
+              <a:buNone/>
+            </a:pPr>
+            <a:endParaRPr lang="en-US" dirty="0" smtClean="0"/>
+          </a:p>
+        </p:txBody>
+      </p:sp>
+    </p:spTree>
+  </p:cSld>
+  <p:clrMapOvr>
+    <a:masterClrMapping/>
+  </p:clrMapOvr>
+  <p:timing>
+    <p:tnLst>
+      <p:par>
+        <p:cTn id="1" dur="indefinite" restart="never" nodeType="tmRoot"/>
+      </p:par>
+    </p:tnLst>
+  </p:timing>
+</p:sld>
+</file>
+
+<file path=ppt/slides/slide5.xml><?xml version="1.0" encoding="utf-8"?>
+<p:sld xmlns:a="http://schemas.openxmlformats.org/drawingml/2006/main" xmlns:r="http://schemas.openxmlformats.org/officeDocument/2006/relationships" xmlns:p="http://schemas.openxmlformats.org/presentationml/2006/main">
+  <p:cSld>
+    <p:spTree>
+      <p:nvGrpSpPr>
+        <p:cNvPr id="1" name=""/>
+        <p:cNvGrpSpPr/>
+        <p:nvPr/>
+      </p:nvGrpSpPr>
+      <p:grpSpPr>
+        <a:xfrm>
+          <a:off x="0" y="0"/>
+          <a:ext cx="0" cy="0"/>
+          <a:chOff x="0" y="0"/>
+          <a:chExt cx="0" cy="0"/>
+        </a:xfrm>
+      </p:grpSpPr>
+      <p:pic>
+        <p:nvPicPr>
+          <p:cNvPr id="5" name="Picture 7" descr="idd_topology_20061205"/>
+          <p:cNvPicPr>
+            <a:picLocks noChangeAspect="1" noChangeArrowheads="1"/>
+          </p:cNvPicPr>
+          <p:nvPr/>
+        </p:nvPicPr>
+        <p:blipFill>
+          <a:blip r:embed="rId2" cstate="print">
+            <a:extLst>
+              <a:ext uri="{28A0092B-C50C-407E-A947-70E740481C1C}">
+                <a14:useLocalDpi xmlns:a14="http://schemas.microsoft.com/office/drawing/2010/main" xmlns="" val="0"/>
+              </a:ext>
+            </a:extLst>
+          </a:blip>
+          <a:srcRect/>
+          <a:stretch>
+            <a:fillRect/>
+          </a:stretch>
+        </p:blipFill>
+        <p:spPr>
+          <a:xfrm>
+            <a:off x="685800" y="1905000"/>
+            <a:ext cx="7731760" cy="2320721"/>
+          </a:xfrm>
+          <a:prstGeom prst="rect">
+            <a:avLst/>
+          </a:prstGeom>
+          <a:noFill/>
+          <a:ln/>
+          <a:extLst>
+            <a:ext uri="{909E8E84-426E-40DD-AFC4-6F175D3DCCD1}">
+              <a14:hiddenFill xmlns:a14="http://schemas.microsoft.com/office/drawing/2010/main" xmlns="">
+                <a:solidFill>
+                  <a:srgbClr val="FFFFFF"/>
+                </a:solidFill>
+              </a14:hiddenFill>
+            </a:ext>
+            <a:ext uri="{91240B29-F687-4F45-9708-019B960494DF}">
+              <a14:hiddenLine xmlns:a14="http://schemas.microsoft.com/office/drawing/2010/main" xmlns="" w="9525">
+                <a:solidFill>
+                  <a:srgbClr val="000000"/>
+                </a:solidFill>
+                <a:miter lim="800000"/>
+                <a:headEnd/>
+                <a:tailEnd/>
+              </a14:hiddenLine>
+            </a:ext>
+            <a:ext uri="{AF507438-7753-43E0-B8FC-AC1667EBCBE1}">
+              <a14:hiddenEffects xmlns:a14="http://schemas.microsoft.com/office/drawing/2010/main" xmlns="">
+                <a:effectLst>
+                  <a:outerShdw dist="35921" dir="2700000" algn="ctr" rotWithShape="0">
+                    <a:srgbClr val="808080"/>
+                  </a:outerShdw>
+                </a:effectLst>
+              </a14:hiddenEffects>
+            </a:ext>
+          </a:extLst>
+        </p:spPr>
+      </p:pic>
+      <p:sp>
+        <p:nvSpPr>
+          <p:cNvPr id="6" name="Title 1"/>
+          <p:cNvSpPr txBox="1">
+            <a:spLocks/>
+          </p:cNvSpPr>
+          <p:nvPr/>
+        </p:nvSpPr>
+        <p:spPr>
+          <a:xfrm>
+            <a:off x="914400" y="1219200"/>
+            <a:ext cx="7315200" cy="488526"/>
+          </a:xfrm>
+          <a:prstGeom prst="rect">
+            <a:avLst/>
+          </a:prstGeom>
+        </p:spPr>
+        <p:txBody>
+          <a:bodyPr/>
+          <a:lstStyle/>
+          <a:p>
+            <a:pPr marL="0" marR="0" lvl="0" indent="0" algn="ctr" defTabSz="457200" rtl="0" eaLnBrk="0" fontAlgn="base" latinLnBrk="0" hangingPunct="0">
+              <a:lnSpc>
+                <a:spcPct val="100000"/>
+              </a:lnSpc>
+              <a:spcBef>
+                <a:spcPct val="0"/>
+              </a:spcBef>
+              <a:spcAft>
+                <a:spcPct val="0"/>
+              </a:spcAft>
+              <a:buClrTx/>
+              <a:buSzTx/>
+              <a:buFontTx/>
+              <a:buNone/>
+              <a:tabLst/>
+              <a:defRPr/>
+            </a:pPr>
+            <a:r>
+              <a:rPr kumimoji="0" lang="en-US" sz="3200" b="0" i="0" u="none" strike="noStrike" kern="1200" cap="none" spc="0" normalizeH="0" baseline="0" noProof="0" dirty="0" smtClean="0">
+                <a:ln>
+                  <a:noFill/>
+                </a:ln>
+                <a:solidFill>
+                  <a:schemeClr val="tx1"/>
+                </a:solidFill>
+                <a:effectLst/>
+                <a:uLnTx/>
+                <a:uFillTx/>
+                <a:latin typeface="Gill Sans"/>
+                <a:ea typeface="ＭＳ Ｐゴシック" pitchFamily="1" charset="-128"/>
+                <a:cs typeface="ＭＳ Ｐゴシック" pitchFamily="1" charset="-128"/>
+              </a:rPr>
+              <a:t>IDD: Real-Time Data Distribution</a:t>
+            </a:r>
+            <a:endParaRPr kumimoji="0" lang="en-US" sz="3200" b="0" i="0" u="none" strike="noStrike" kern="1200" cap="none" spc="0" normalizeH="0" baseline="0" noProof="0" dirty="0">
+              <a:ln>
+                <a:noFill/>
+              </a:ln>
+              <a:solidFill>
+                <a:schemeClr val="tx1"/>
+              </a:solidFill>
+              <a:effectLst/>
+              <a:uLnTx/>
+              <a:uFillTx/>
+              <a:latin typeface="Gill Sans"/>
+              <a:ea typeface="ＭＳ Ｐゴシック" pitchFamily="1" charset="-128"/>
+              <a:cs typeface="ＭＳ Ｐゴシック" pitchFamily="1" charset="-128"/>
+            </a:endParaRPr>
+          </a:p>
+        </p:txBody>
+      </p:sp>
+      <p:sp>
+        <p:nvSpPr>
+          <p:cNvPr id="7" name="TextBox 6"/>
+          <p:cNvSpPr txBox="1"/>
+          <p:nvPr/>
+        </p:nvSpPr>
+        <p:spPr>
+          <a:xfrm>
+            <a:off x="1143000" y="4419600"/>
+            <a:ext cx="6561412" cy="584775"/>
+          </a:xfrm>
+          <a:prstGeom prst="rect">
+            <a:avLst/>
+          </a:prstGeom>
+          <a:noFill/>
+        </p:spPr>
+        <p:txBody>
+          <a:bodyPr wrap="none" rtlCol="0">
+            <a:spAutoFit/>
+          </a:bodyPr>
+          <a:lstStyle/>
+          <a:p>
+            <a:r>
+              <a:rPr lang="en-US" sz="3200" dirty="0" smtClean="0"/>
+              <a:t>Over 200 sites. Approx 15 GB/hour</a:t>
+            </a:r>
+            <a:endParaRPr lang="en-US" sz="3200" dirty="0"/>
+          </a:p>
+        </p:txBody>
+      </p:sp>
+      <p:sp>
+        <p:nvSpPr>
+          <p:cNvPr id="8" name="Content Placeholder 2"/>
+          <p:cNvSpPr txBox="1">
+            <a:spLocks/>
+          </p:cNvSpPr>
+          <p:nvPr/>
+        </p:nvSpPr>
+        <p:spPr>
+          <a:xfrm>
+            <a:off x="1503336" y="5029200"/>
+            <a:ext cx="5811864" cy="1472625"/>
+          </a:xfrm>
+          <a:prstGeom prst="rect">
+            <a:avLst/>
+          </a:prstGeom>
+        </p:spPr>
+        <p:txBody>
+          <a:bodyPr/>
+          <a:lstStyle>
+            <a:defPPr marR="0" algn="l" rtl="0">
+              <a:lnSpc>
+                <a:spcPct val="100000"/>
+              </a:lnSpc>
+              <a:spcBef>
+                <a:spcPts val="0"/>
+              </a:spcBef>
+              <a:spcAft>
+                <a:spcPts val="0"/>
+              </a:spcAft>
+            </a:defPPr>
+            <a:lvl1pPr marR="0" algn="l" rtl="0">
+              <a:lnSpc>
+                <a:spcPct val="100000"/>
+              </a:lnSpc>
+              <a:spcBef>
+                <a:spcPts val="0"/>
+              </a:spcBef>
+              <a:spcAft>
+                <a:spcPts val="0"/>
+              </a:spcAft>
+              <a:buNone/>
+              <a:defRPr sz="1400" b="0" i="0" u="none" strike="noStrike" cap="none" baseline="0">
+                <a:solidFill>
+                  <a:srgbClr val="000000"/>
+                </a:solidFill>
+                <a:latin typeface="Arial"/>
+                <a:ea typeface="Arial"/>
+                <a:cs typeface="Arial"/>
+                <a:sym typeface="Arial"/>
+              </a:defRPr>
+            </a:lvl1pPr>
+            <a:lvl2pPr marR="0" algn="l" rtl="0">
+              <a:lnSpc>
+                <a:spcPct val="100000"/>
+              </a:lnSpc>
+              <a:spcBef>
+                <a:spcPts val="0"/>
+              </a:spcBef>
+              <a:spcAft>
+                <a:spcPts val="0"/>
+              </a:spcAft>
+              <a:buNone/>
+              <a:defRPr sz="1400" b="0" i="0" u="none" strike="noStrike" cap="none" baseline="0">
+                <a:solidFill>
+                  <a:srgbClr val="000000"/>
+                </a:solidFill>
+                <a:latin typeface="Arial"/>
+                <a:ea typeface="Arial"/>
+                <a:cs typeface="Arial"/>
+                <a:sym typeface="Arial"/>
+              </a:defRPr>
+            </a:lvl2pPr>
+            <a:lvl3pPr marR="0" algn="l" rtl="0">
+              <a:lnSpc>
+                <a:spcPct val="100000"/>
+              </a:lnSpc>
+              <a:spcBef>
+                <a:spcPts val="0"/>
+              </a:spcBef>
+              <a:spcAft>
+                <a:spcPts val="0"/>
+              </a:spcAft>
+              <a:buNone/>
+              <a:defRPr sz="1400" b="0" i="0" u="none" strike="noStrike" cap="none" baseline="0">
+                <a:solidFill>
+                  <a:srgbClr val="000000"/>
+                </a:solidFill>
+                <a:latin typeface="Arial"/>
+                <a:ea typeface="Arial"/>
+                <a:cs typeface="Arial"/>
+                <a:sym typeface="Arial"/>
+              </a:defRPr>
+            </a:lvl3pPr>
+            <a:lvl4pPr marR="0" algn="l" rtl="0">
+              <a:lnSpc>
+                <a:spcPct val="100000"/>
+              </a:lnSpc>
+              <a:spcBef>
+                <a:spcPts val="0"/>
+              </a:spcBef>
+              <a:spcAft>
+                <a:spcPts val="0"/>
+              </a:spcAft>
+              <a:buNone/>
+              <a:defRPr sz="1400" b="0" i="0" u="none" strike="noStrike" cap="none" baseline="0">
+                <a:solidFill>
+                  <a:srgbClr val="000000"/>
+                </a:solidFill>
+                <a:latin typeface="Arial"/>
+                <a:ea typeface="Arial"/>
+                <a:cs typeface="Arial"/>
+                <a:sym typeface="Arial"/>
+              </a:defRPr>
+            </a:lvl4pPr>
+            <a:lvl5pPr marR="0" algn="l" rtl="0">
+              <a:lnSpc>
+                <a:spcPct val="100000"/>
+              </a:lnSpc>
+              <a:spcBef>
+                <a:spcPts val="0"/>
+              </a:spcBef>
+              <a:spcAft>
+                <a:spcPts val="0"/>
+              </a:spcAft>
+              <a:buNone/>
+              <a:defRPr sz="1400" b="0" i="0" u="none" strike="noStrike" cap="none" baseline="0">
+                <a:solidFill>
+                  <a:srgbClr val="000000"/>
+                </a:solidFill>
+                <a:latin typeface="Arial"/>
+                <a:ea typeface="Arial"/>
+                <a:cs typeface="Arial"/>
+                <a:sym typeface="Arial"/>
+              </a:defRPr>
+            </a:lvl5pPr>
+            <a:lvl6pPr marR="0" algn="l" rtl="0">
+              <a:lnSpc>
+                <a:spcPct val="100000"/>
+              </a:lnSpc>
+              <a:spcBef>
+                <a:spcPts val="0"/>
+              </a:spcBef>
+              <a:spcAft>
+                <a:spcPts val="0"/>
+              </a:spcAft>
+              <a:buNone/>
+              <a:defRPr sz="1400" b="0" i="0" u="none" strike="noStrike" cap="none" baseline="0">
+                <a:solidFill>
+                  <a:srgbClr val="000000"/>
+                </a:solidFill>
+                <a:latin typeface="Arial"/>
+                <a:ea typeface="Arial"/>
+                <a:cs typeface="Arial"/>
+                <a:sym typeface="Arial"/>
+              </a:defRPr>
+            </a:lvl6pPr>
+            <a:lvl7pPr marR="0" algn="l" rtl="0">
+              <a:lnSpc>
+                <a:spcPct val="100000"/>
+              </a:lnSpc>
+              <a:spcBef>
+                <a:spcPts val="0"/>
+              </a:spcBef>
+              <a:spcAft>
+                <a:spcPts val="0"/>
+              </a:spcAft>
+              <a:buNone/>
+              <a:defRPr sz="1400" b="0" i="0" u="none" strike="noStrike" cap="none" baseline="0">
+                <a:solidFill>
+                  <a:srgbClr val="000000"/>
+                </a:solidFill>
+                <a:latin typeface="Arial"/>
+                <a:ea typeface="Arial"/>
+                <a:cs typeface="Arial"/>
+                <a:sym typeface="Arial"/>
+              </a:defRPr>
+            </a:lvl7pPr>
+            <a:lvl8pPr marR="0" algn="l" rtl="0">
+              <a:lnSpc>
+                <a:spcPct val="100000"/>
+              </a:lnSpc>
+              <a:spcBef>
+                <a:spcPts val="0"/>
+              </a:spcBef>
+              <a:spcAft>
+                <a:spcPts val="0"/>
+              </a:spcAft>
+              <a:buNone/>
+              <a:defRPr sz="1400" b="0" i="0" u="none" strike="noStrike" cap="none" baseline="0">
+                <a:solidFill>
+                  <a:srgbClr val="000000"/>
+                </a:solidFill>
+                <a:latin typeface="Arial"/>
+                <a:ea typeface="Arial"/>
+                <a:cs typeface="Arial"/>
+                <a:sym typeface="Arial"/>
+              </a:defRPr>
+            </a:lvl8pPr>
+            <a:lvl9pPr marR="0" algn="l" rtl="0">
+              <a:lnSpc>
+                <a:spcPct val="100000"/>
+              </a:lnSpc>
+              <a:spcBef>
+                <a:spcPts val="0"/>
+              </a:spcBef>
+              <a:spcAft>
+                <a:spcPts val="0"/>
+              </a:spcAft>
+              <a:buNone/>
+              <a:defRPr sz="1400" b="0" i="0" u="none" strike="noStrike" cap="none" baseline="0">
+                <a:solidFill>
+                  <a:srgbClr val="000000"/>
+                </a:solidFill>
+                <a:latin typeface="Arial"/>
+                <a:ea typeface="Arial"/>
+                <a:cs typeface="Arial"/>
+                <a:sym typeface="Arial"/>
+              </a:defRPr>
+            </a:lvl9pPr>
+          </a:lstStyle>
+          <a:p>
+            <a:r>
+              <a:rPr lang="en-US" altLang="en-US" sz="2400" dirty="0" err="1" smtClean="0">
+                <a:ea typeface="ＭＳ Ｐゴシック" pitchFamily="34" charset="-128"/>
+              </a:rPr>
+              <a:t>Unidata</a:t>
+            </a:r>
+            <a:r>
+              <a:rPr lang="ja-JP" altLang="en-US" sz="2400" dirty="0" smtClean="0">
+                <a:ea typeface="ＭＳ Ｐゴシック" pitchFamily="34" charset="-128"/>
+              </a:rPr>
+              <a:t>’</a:t>
+            </a:r>
+            <a:r>
+              <a:rPr lang="en-US" altLang="ja-JP" sz="2400" dirty="0" smtClean="0">
+                <a:ea typeface="ＭＳ Ｐゴシック" pitchFamily="34" charset="-128"/>
+              </a:rPr>
+              <a:t>s LDM</a:t>
+            </a:r>
+          </a:p>
+          <a:p>
+            <a:pPr marL="342900" lvl="1" indent="-342900">
+              <a:lnSpc>
+                <a:spcPct val="90000"/>
+              </a:lnSpc>
+              <a:buFont typeface="Arial" panose="020B0604020202020204" pitchFamily="34" charset="0"/>
+              <a:buChar char="•"/>
+            </a:pPr>
+            <a:r>
+              <a:rPr lang="en-US" altLang="en-US" sz="2000" dirty="0" smtClean="0">
+                <a:ea typeface="ＭＳ Ｐゴシック" pitchFamily="34" charset="-128"/>
+              </a:rPr>
+              <a:t>Protocol and client/server software</a:t>
+            </a:r>
+          </a:p>
+          <a:p>
+            <a:pPr marL="342900" lvl="1" indent="-342900">
+              <a:lnSpc>
+                <a:spcPct val="90000"/>
+              </a:lnSpc>
+              <a:buFont typeface="Arial" panose="020B0604020202020204" pitchFamily="34" charset="0"/>
+              <a:buChar char="•"/>
+            </a:pPr>
+            <a:r>
+              <a:rPr lang="en-US" altLang="en-US" sz="2000" dirty="0" smtClean="0">
+                <a:ea typeface="ＭＳ Ｐゴシック" pitchFamily="34" charset="-128"/>
+              </a:rPr>
+              <a:t>Event-driven data distribution</a:t>
+            </a:r>
+          </a:p>
+          <a:p>
+            <a:pPr marL="342900" lvl="1" indent="-342900">
+              <a:lnSpc>
+                <a:spcPct val="90000"/>
+              </a:lnSpc>
+              <a:buFont typeface="Arial" panose="020B0604020202020204" pitchFamily="34" charset="0"/>
+              <a:buChar char="•"/>
+            </a:pPr>
+            <a:r>
+              <a:rPr lang="en-US" altLang="en-US" sz="2000" dirty="0" smtClean="0">
+                <a:ea typeface="ＭＳ Ｐゴシック" pitchFamily="34" charset="-128"/>
+              </a:rPr>
+              <a:t>Supports subscription to subsets of data feeds</a:t>
+            </a:r>
+          </a:p>
+          <a:p>
+            <a:pPr lvl="1"/>
+            <a:endParaRPr lang="en-US" altLang="en-US" sz="2400" dirty="0" smtClean="0">
+              <a:ea typeface="ＭＳ Ｐゴシック" pitchFamily="34" charset="-128"/>
+            </a:endParaRPr>
+          </a:p>
+          <a:p>
+            <a:pPr lvl="1"/>
+            <a:endParaRPr lang="en-US" altLang="en-US" sz="2400" dirty="0" smtClean="0">
+              <a:ea typeface="ＭＳ Ｐゴシック" pitchFamily="34" charset="-128"/>
+            </a:endParaRPr>
+          </a:p>
+        </p:txBody>
+      </p:sp>
+      <p:sp>
+        <p:nvSpPr>
+          <p:cNvPr id="9" name="Shape 50"/>
+          <p:cNvSpPr txBox="1">
+            <a:spLocks noGrp="1"/>
+          </p:cNvSpPr>
+          <p:nvPr>
+            <p:ph type="title"/>
+          </p:nvPr>
+        </p:nvSpPr>
+        <p:spPr>
+          <a:xfrm>
+            <a:off x="0" y="274637"/>
+            <a:ext cx="9144000" cy="715963"/>
+          </a:xfrm>
+          <a:prstGeom prst="rect">
+            <a:avLst/>
+          </a:prstGeom>
+        </p:spPr>
+        <p:txBody>
+          <a:bodyPr lIns="91425" tIns="91425" rIns="91425" bIns="91425" anchor="ctr" anchorCtr="0">
+            <a:noAutofit/>
+          </a:bodyPr>
+          <a:lstStyle/>
+          <a:p>
+            <a:pPr>
+              <a:spcBef>
+                <a:spcPts val="0"/>
+              </a:spcBef>
+              <a:buNone/>
+            </a:pPr>
+            <a:r>
+              <a:rPr lang="en-US" sz="3600" dirty="0" err="1" smtClean="0"/>
+              <a:t>Unidata</a:t>
+            </a:r>
+            <a:r>
+              <a:rPr lang="en-US" sz="3600" dirty="0" smtClean="0"/>
+              <a:t>: Facilitate access to real-time data</a:t>
+            </a:r>
+            <a:endParaRPr sz="3600" dirty="0"/>
+          </a:p>
+        </p:txBody>
+      </p:sp>
+    </p:spTree>
+    <p:extLst>
+      <p:ext uri="{BB962C8B-B14F-4D97-AF65-F5344CB8AC3E}">
+        <p14:creationId xmlns:p14="http://schemas.microsoft.com/office/powerpoint/2010/main" xmlns="" val="3087409050"/>
+      </p:ext>
+    </p:extLst>
+  </p:cSld>
+  <p:clrMapOvr>
+    <a:masterClrMapping/>
+  </p:clrMapOvr>
+  <p:timing>
+    <p:tnLst>
+      <p:par>
+        <p:cTn id="1" dur="indefinite" restart="never" nodeType="tmRoot"/>
+      </p:par>
+    </p:tnLst>
+  </p:timing>
+</p:sld>
+</file>
+
+<file path=ppt/slides/slide6.xml><?xml version="1.0" encoding="utf-8"?>
+<p:sld xmlns:a="http://schemas.openxmlformats.org/drawingml/2006/main" xmlns:r="http://schemas.openxmlformats.org/officeDocument/2006/relationships" xmlns:p="http://schemas.openxmlformats.org/presentationml/2006/main">
+  <p:cSld>
+    <p:spTree>
+      <p:nvGrpSpPr>
+        <p:cNvPr id="1" name=""/>
+        <p:cNvGrpSpPr/>
+        <p:nvPr/>
+      </p:nvGrpSpPr>
+      <p:grpSpPr>
+        <a:xfrm>
+          <a:off x="0" y="0"/>
+          <a:ext cx="0" cy="0"/>
+          <a:chOff x="0" y="0"/>
+          <a:chExt cx="0" cy="0"/>
+        </a:xfrm>
+      </p:grpSpPr>
+      <p:sp>
+        <p:nvSpPr>
+          <p:cNvPr id="19457" name="Title 1"/>
+          <p:cNvSpPr>
+            <a:spLocks noGrp="1"/>
+          </p:cNvSpPr>
+          <p:nvPr>
+            <p:ph type="title"/>
+          </p:nvPr>
+        </p:nvSpPr>
+        <p:spPr/>
+        <p:txBody>
+          <a:bodyPr/>
+          <a:lstStyle/>
+          <a:p>
+            <a:pPr eaLnBrk="1" hangingPunct="1"/>
+            <a:r>
+              <a:rPr lang="en-US" smtClean="0">
+                <a:ea typeface="ＭＳ Ｐゴシック" pitchFamily="34" charset="-128"/>
+              </a:rPr>
+              <a:t>Visualizing and Analyzing Data</a:t>
+            </a:r>
+          </a:p>
+        </p:txBody>
+      </p:sp>
+      <p:pic>
+        <p:nvPicPr>
+          <p:cNvPr id="19458" name="Picture 3" descr="gempaknmapexample"/>
+          <p:cNvPicPr>
+            <a:picLocks noChangeAspect="1" noChangeArrowheads="1"/>
+          </p:cNvPicPr>
+          <p:nvPr/>
+        </p:nvPicPr>
+        <p:blipFill>
+          <a:blip r:embed="rId2" cstate="print"/>
+          <a:srcRect/>
+          <a:stretch>
+            <a:fillRect/>
+          </a:stretch>
+        </p:blipFill>
+        <p:spPr bwMode="auto">
+          <a:xfrm>
+            <a:off x="225425" y="2000250"/>
+            <a:ext cx="3019425" cy="2571750"/>
+          </a:xfrm>
+          <a:prstGeom prst="rect">
+            <a:avLst/>
+          </a:prstGeom>
+          <a:noFill/>
+          <a:ln w="9525">
+            <a:noFill/>
+            <a:miter lim="800000"/>
+            <a:headEnd/>
+            <a:tailEnd/>
+          </a:ln>
+        </p:spPr>
+      </p:pic>
+      <p:pic>
+        <p:nvPicPr>
+          <p:cNvPr id="19459" name="Picture 5" descr="KLVX_rhi"/>
+          <p:cNvPicPr>
+            <a:picLocks noChangeAspect="1" noChangeArrowheads="1"/>
+          </p:cNvPicPr>
+          <p:nvPr/>
+        </p:nvPicPr>
+        <p:blipFill>
+          <a:blip r:embed="rId3" cstate="print"/>
+          <a:srcRect/>
+          <a:stretch>
+            <a:fillRect/>
+          </a:stretch>
+        </p:blipFill>
+        <p:spPr bwMode="auto">
+          <a:xfrm>
+            <a:off x="381000" y="4025900"/>
+            <a:ext cx="2971800" cy="2374900"/>
+          </a:xfrm>
+          <a:prstGeom prst="rect">
+            <a:avLst/>
+          </a:prstGeom>
+          <a:noFill/>
+          <a:ln w="9525">
+            <a:noFill/>
+            <a:miter lim="800000"/>
+            <a:headEnd/>
+            <a:tailEnd/>
+          </a:ln>
+        </p:spPr>
+      </p:pic>
+      <p:sp>
+        <p:nvSpPr>
+          <p:cNvPr id="19460" name="TextBox 6"/>
+          <p:cNvSpPr txBox="1">
+            <a:spLocks noChangeArrowheads="1"/>
+          </p:cNvSpPr>
+          <p:nvPr/>
+        </p:nvSpPr>
+        <p:spPr bwMode="auto">
+          <a:xfrm>
+            <a:off x="990600" y="1447800"/>
+            <a:ext cx="1155700" cy="369888"/>
+          </a:xfrm>
+          <a:prstGeom prst="rect">
+            <a:avLst/>
+          </a:prstGeom>
+          <a:noFill/>
+          <a:ln w="9525">
+            <a:noFill/>
+            <a:miter lim="800000"/>
+            <a:headEnd/>
+            <a:tailEnd/>
+          </a:ln>
+        </p:spPr>
+        <p:txBody>
+          <a:bodyPr wrap="none">
+            <a:spAutoFit/>
+          </a:bodyPr>
+          <a:lstStyle/>
+          <a:p>
+            <a:r>
+              <a:rPr lang="en-US"/>
+              <a:t>GEMPAK</a:t>
+            </a:r>
+          </a:p>
+        </p:txBody>
+      </p:sp>
+      <p:pic>
+        <p:nvPicPr>
+          <p:cNvPr id="19461" name="Picture 5" descr="wv_sst_nvdi"/>
+          <p:cNvPicPr>
+            <a:picLocks noChangeAspect="1" noChangeArrowheads="1"/>
+          </p:cNvPicPr>
+          <p:nvPr/>
+        </p:nvPicPr>
+        <p:blipFill>
+          <a:blip r:embed="rId4" cstate="print"/>
+          <a:srcRect/>
+          <a:stretch>
+            <a:fillRect/>
+          </a:stretch>
+        </p:blipFill>
+        <p:spPr bwMode="auto">
+          <a:xfrm>
+            <a:off x="3657600" y="1979613"/>
+            <a:ext cx="2211388" cy="2211387"/>
+          </a:xfrm>
+          <a:prstGeom prst="rect">
+            <a:avLst/>
+          </a:prstGeom>
+          <a:noFill/>
+          <a:ln w="9525">
+            <a:noFill/>
+            <a:miter lim="800000"/>
+            <a:headEnd/>
+            <a:tailEnd/>
+          </a:ln>
+        </p:spPr>
+      </p:pic>
+      <p:pic>
+        <p:nvPicPr>
+          <p:cNvPr id="19462" name="Picture 2" descr="nexrolay"/>
+          <p:cNvPicPr>
+            <a:picLocks noChangeAspect="1" noChangeArrowheads="1"/>
+          </p:cNvPicPr>
+          <p:nvPr/>
+        </p:nvPicPr>
+        <p:blipFill>
+          <a:blip r:embed="rId5" cstate="print"/>
+          <a:srcRect/>
+          <a:stretch>
+            <a:fillRect/>
+          </a:stretch>
+        </p:blipFill>
+        <p:spPr bwMode="auto">
+          <a:xfrm>
+            <a:off x="3505200" y="4191000"/>
+            <a:ext cx="2873375" cy="2133600"/>
+          </a:xfrm>
+          <a:prstGeom prst="rect">
+            <a:avLst/>
+          </a:prstGeom>
+          <a:noFill/>
+          <a:ln w="9525">
+            <a:noFill/>
+            <a:miter lim="800000"/>
+            <a:headEnd/>
+            <a:tailEnd/>
+          </a:ln>
+        </p:spPr>
+      </p:pic>
+      <p:sp>
+        <p:nvSpPr>
+          <p:cNvPr id="19463" name="TextBox 9"/>
+          <p:cNvSpPr txBox="1">
+            <a:spLocks noChangeArrowheads="1"/>
+          </p:cNvSpPr>
+          <p:nvPr/>
+        </p:nvSpPr>
+        <p:spPr bwMode="auto">
+          <a:xfrm>
+            <a:off x="3873500" y="1447800"/>
+            <a:ext cx="1262063" cy="369888"/>
+          </a:xfrm>
+          <a:prstGeom prst="rect">
+            <a:avLst/>
+          </a:prstGeom>
+          <a:noFill/>
+          <a:ln w="9525">
+            <a:noFill/>
+            <a:miter lim="800000"/>
+            <a:headEnd/>
+            <a:tailEnd/>
+          </a:ln>
+        </p:spPr>
+        <p:txBody>
+          <a:bodyPr wrap="none">
+            <a:spAutoFit/>
+          </a:bodyPr>
+          <a:lstStyle/>
+          <a:p>
+            <a:r>
+              <a:rPr lang="en-US"/>
+              <a:t>McIDAS-X</a:t>
+            </a:r>
+          </a:p>
+        </p:txBody>
+      </p:sp>
+      <p:sp>
+        <p:nvSpPr>
+          <p:cNvPr id="19464" name="TextBox 12"/>
+          <p:cNvSpPr txBox="1">
+            <a:spLocks noChangeArrowheads="1"/>
+          </p:cNvSpPr>
+          <p:nvPr/>
+        </p:nvSpPr>
+        <p:spPr bwMode="auto">
+          <a:xfrm>
+            <a:off x="7202488" y="1447800"/>
+            <a:ext cx="569912" cy="369888"/>
+          </a:xfrm>
+          <a:prstGeom prst="rect">
+            <a:avLst/>
+          </a:prstGeom>
+          <a:noFill/>
+          <a:ln w="9525">
+            <a:noFill/>
+            <a:miter lim="800000"/>
+            <a:headEnd/>
+            <a:tailEnd/>
+          </a:ln>
+        </p:spPr>
+        <p:txBody>
+          <a:bodyPr wrap="none">
+            <a:spAutoFit/>
+          </a:bodyPr>
+          <a:lstStyle/>
+          <a:p>
+            <a:r>
+              <a:rPr lang="en-US"/>
+              <a:t>IDV</a:t>
+            </a:r>
+          </a:p>
+        </p:txBody>
+      </p:sp>
+      <p:pic>
+        <p:nvPicPr>
+          <p:cNvPr id="19465" name="Picture 3" descr="HurricaneCharlie.gif"/>
+          <p:cNvPicPr>
+            <a:picLocks noChangeAspect="1"/>
+          </p:cNvPicPr>
+          <p:nvPr/>
+        </p:nvPicPr>
+        <p:blipFill>
+          <a:blip r:embed="rId6" cstate="print"/>
+          <a:srcRect/>
+          <a:stretch>
+            <a:fillRect/>
+          </a:stretch>
+        </p:blipFill>
+        <p:spPr bwMode="auto">
+          <a:xfrm>
+            <a:off x="6191250" y="2155825"/>
+            <a:ext cx="2906713" cy="1957388"/>
+          </a:xfrm>
+          <a:prstGeom prst="rect">
+            <a:avLst/>
+          </a:prstGeom>
+          <a:noFill/>
+          <a:ln w="9525">
+            <a:noFill/>
+            <a:miter lim="800000"/>
+            <a:headEnd/>
+            <a:tailEnd/>
+          </a:ln>
+        </p:spPr>
+      </p:pic>
+      <p:pic>
+        <p:nvPicPr>
+          <p:cNvPr id="19466" name="Picture 1" descr="WRF_WindSpeedVectorX.png"/>
+          <p:cNvPicPr>
+            <a:picLocks noChangeAspect="1"/>
+          </p:cNvPicPr>
+          <p:nvPr/>
+        </p:nvPicPr>
+        <p:blipFill>
+          <a:blip r:embed="rId7" cstate="print"/>
+          <a:srcRect l="2863" t="2489" r="26851" b="6349"/>
+          <a:stretch>
+            <a:fillRect/>
+          </a:stretch>
+        </p:blipFill>
+        <p:spPr bwMode="auto">
+          <a:xfrm>
+            <a:off x="6189663" y="3979863"/>
+            <a:ext cx="2927350" cy="2400300"/>
+          </a:xfrm>
+          <a:prstGeom prst="rect">
+            <a:avLst/>
+          </a:prstGeom>
+          <a:noFill/>
+          <a:ln w="9525">
+            <a:noFill/>
+            <a:miter lim="800000"/>
+            <a:headEnd/>
+            <a:tailEnd/>
+          </a:ln>
+        </p:spPr>
+      </p:pic>
+    </p:spTree>
+  </p:cSld>
+  <p:clrMapOvr>
+    <a:masterClrMapping/>
+  </p:clrMapOvr>
+  <p:timing>
+    <p:tnLst>
+      <p:par>
+        <p:cTn id="1" dur="indefinite" restart="never" nodeType="tmRoot"/>
+      </p:par>
+    </p:tnLst>
+  </p:timing>
+</p:sld>
+</file>
+
+<file path=ppt/slides/slide7.xml><?xml version="1.0" encoding="utf-8"?>
+<p:sld xmlns:a="http://schemas.openxmlformats.org/drawingml/2006/main" xmlns:r="http://schemas.openxmlformats.org/officeDocument/2006/relationships" xmlns:p="http://schemas.openxmlformats.org/presentationml/2006/main">
+  <p:cSld>
+    <p:spTree>
+      <p:nvGrpSpPr>
+        <p:cNvPr id="1" name=""/>
+        <p:cNvGrpSpPr/>
+        <p:nvPr/>
+      </p:nvGrpSpPr>
+      <p:grpSpPr>
+        <a:xfrm>
+          <a:off x="0" y="0"/>
+          <a:ext cx="0" cy="0"/>
+          <a:chOff x="0" y="0"/>
+          <a:chExt cx="0" cy="0"/>
+        </a:xfrm>
+      </p:grpSpPr>
+      <p:sp>
+        <p:nvSpPr>
+          <p:cNvPr id="2" name="Title 1"/>
+          <p:cNvSpPr>
+            <a:spLocks noGrp="1"/>
+          </p:cNvSpPr>
+          <p:nvPr>
+            <p:ph type="title"/>
+          </p:nvPr>
+        </p:nvSpPr>
+        <p:spPr/>
+        <p:txBody>
+          <a:bodyPr/>
+          <a:lstStyle/>
+          <a:p>
+            <a:r>
+              <a:rPr lang="en-US" dirty="0" smtClean="0"/>
+              <a:t>Access to Real-time Data</a:t>
+            </a:r>
+            <a:endParaRPr lang="en-US" dirty="0"/>
+          </a:p>
+        </p:txBody>
+      </p:sp>
+      <p:sp>
+        <p:nvSpPr>
+          <p:cNvPr id="3" name="Content Placeholder 2"/>
+          <p:cNvSpPr>
+            <a:spLocks noGrp="1"/>
+          </p:cNvSpPr>
+          <p:nvPr>
+            <p:ph idx="1"/>
+          </p:nvPr>
+        </p:nvSpPr>
+        <p:spPr>
+          <a:xfrm>
+            <a:off x="457200" y="1600200"/>
+            <a:ext cx="8103870" cy="4525963"/>
+          </a:xfrm>
+        </p:spPr>
+        <p:txBody>
+          <a:bodyPr/>
+          <a:lstStyle/>
+          <a:p>
+            <a:r>
+              <a:rPr lang="en-US" dirty="0" smtClean="0"/>
+              <a:t>Unidata TDS: thredds.ucar.edu</a:t>
+            </a:r>
+          </a:p>
+          <a:p>
+            <a:pPr lvl="1"/>
+            <a:r>
+              <a:rPr lang="en-US" dirty="0" smtClean="0"/>
+              <a:t>Serves the last month or so of IDD/LDM data streams</a:t>
+            </a:r>
+          </a:p>
+          <a:p>
+            <a:pPr lvl="1"/>
+            <a:r>
+              <a:rPr lang="en-US" dirty="0" smtClean="0"/>
+              <a:t>Services:</a:t>
+            </a:r>
+          </a:p>
+          <a:p>
+            <a:pPr lvl="2"/>
+            <a:r>
+              <a:rPr lang="en-US" dirty="0" err="1" smtClean="0"/>
+              <a:t>OPeNDAP</a:t>
+            </a:r>
+            <a:endParaRPr lang="en-US" dirty="0" smtClean="0"/>
+          </a:p>
+          <a:p>
+            <a:pPr lvl="2"/>
+            <a:r>
+              <a:rPr lang="en-US" dirty="0" smtClean="0"/>
+              <a:t>NCSS</a:t>
+            </a:r>
+          </a:p>
+          <a:p>
+            <a:pPr lvl="2"/>
+            <a:r>
+              <a:rPr lang="en-US" dirty="0" smtClean="0"/>
+              <a:t>OGC WCS and WMS</a:t>
+            </a:r>
+          </a:p>
+          <a:p>
+            <a:r>
+              <a:rPr lang="en-US" dirty="0" smtClean="0"/>
+              <a:t>Unidata ADDE server: adde.ucar.edu</a:t>
+            </a:r>
+          </a:p>
+          <a:p>
+            <a:pPr lvl="1"/>
+            <a:r>
+              <a:rPr lang="en-US" dirty="0" smtClean="0"/>
+              <a:t>Service: </a:t>
+            </a:r>
+            <a:r>
+              <a:rPr lang="en-US" dirty="0" err="1" smtClean="0"/>
+              <a:t>McIDAS</a:t>
+            </a:r>
+            <a:r>
+              <a:rPr lang="en-US" smtClean="0"/>
+              <a:t> ADDE</a:t>
+            </a:r>
+            <a:endParaRPr lang="en-US" dirty="0" smtClean="0"/>
+          </a:p>
+          <a:p>
+            <a:pPr lvl="1"/>
+            <a:endParaRPr lang="en-US" dirty="0" smtClean="0"/>
+          </a:p>
+        </p:txBody>
+      </p:sp>
+    </p:spTree>
+  </p:cSld>
+  <p:clrMapOvr>
+    <a:masterClrMapping/>
+  </p:clrMapOvr>
+  <p:timing>
+    <p:tnLst>
+      <p:par>
+        <p:cTn id="1" dur="indefinite" restart="never" nodeType="tmRoot"/>
+      </p:par>
+    </p:tnLst>
+  </p:timing>
+</p:sld>
+</file>
+
+<file path=ppt/slides/slide8.xml><?xml version="1.0" encoding="utf-8"?>
+<p:sld xmlns:a="http://schemas.openxmlformats.org/drawingml/2006/main" xmlns:r="http://schemas.openxmlformats.org/officeDocument/2006/relationships" xmlns:p="http://schemas.openxmlformats.org/presentationml/2006/main">
+  <p:cSld>
+    <p:spTree>
+      <p:nvGrpSpPr>
+        <p:cNvPr id="1" name=""/>
+        <p:cNvGrpSpPr/>
+        <p:nvPr/>
+      </p:nvGrpSpPr>
+      <p:grpSpPr>
+        <a:xfrm>
+          <a:off x="0" y="0"/>
+          <a:ext cx="0" cy="0"/>
+          <a:chOff x="0" y="0"/>
+          <a:chExt cx="0" cy="0"/>
+        </a:xfrm>
+      </p:grpSpPr>
+      <p:pic>
+        <p:nvPicPr>
+          <p:cNvPr id="26626" name="Picture 2" descr="nc-classic-uml.png"/>
+          <p:cNvPicPr>
+            <a:picLocks noChangeAspect="1" noChangeArrowheads="1"/>
+          </p:cNvPicPr>
+          <p:nvPr/>
+        </p:nvPicPr>
+        <p:blipFill>
+          <a:blip r:embed="rId2" cstate="print"/>
+          <a:srcRect/>
+          <a:stretch>
+            <a:fillRect/>
+          </a:stretch>
+        </p:blipFill>
+        <p:spPr bwMode="auto">
+          <a:xfrm>
+            <a:off x="136486" y="3687093"/>
+            <a:ext cx="4134767" cy="2848395"/>
+          </a:xfrm>
+          <a:prstGeom prst="rect">
+            <a:avLst/>
+          </a:prstGeom>
+          <a:noFill/>
+        </p:spPr>
+      </p:pic>
+      <p:pic>
+        <p:nvPicPr>
+          <p:cNvPr id="6" name="Picture 5" descr="netcdf_architecture.png"/>
+          <p:cNvPicPr>
+            <a:picLocks noChangeAspect="1"/>
+          </p:cNvPicPr>
+          <p:nvPr/>
+        </p:nvPicPr>
+        <p:blipFill>
+          <a:blip r:embed="rId3" cstate="print"/>
+          <a:stretch>
+            <a:fillRect/>
+          </a:stretch>
+        </p:blipFill>
+        <p:spPr>
+          <a:xfrm>
+            <a:off x="4021365" y="3283977"/>
+            <a:ext cx="5135545" cy="3079369"/>
+          </a:xfrm>
+          <a:prstGeom prst="rect">
+            <a:avLst/>
+          </a:prstGeom>
+        </p:spPr>
+      </p:pic>
+      <p:sp>
+        <p:nvSpPr>
+          <p:cNvPr id="2" name="Title 1"/>
+          <p:cNvSpPr>
+            <a:spLocks noGrp="1"/>
+          </p:cNvSpPr>
+          <p:nvPr>
+            <p:ph type="title"/>
+          </p:nvPr>
+        </p:nvSpPr>
+        <p:spPr/>
+        <p:txBody>
+          <a:bodyPr/>
+          <a:lstStyle/>
+          <a:p>
+            <a:r>
+              <a:rPr lang="en-US" dirty="0" smtClean="0"/>
+              <a:t>netCDF</a:t>
+            </a:r>
+            <a:endParaRPr lang="en-US" dirty="0"/>
+          </a:p>
+        </p:txBody>
+      </p:sp>
+      <p:sp>
+        <p:nvSpPr>
+          <p:cNvPr id="3" name="Content Placeholder 2"/>
+          <p:cNvSpPr>
+            <a:spLocks noGrp="1"/>
+          </p:cNvSpPr>
+          <p:nvPr>
+            <p:ph sz="half" idx="1"/>
+          </p:nvPr>
+        </p:nvSpPr>
+        <p:spPr>
+          <a:xfrm>
+            <a:off x="445770" y="1530285"/>
+            <a:ext cx="6080760" cy="1831767"/>
+          </a:xfrm>
+        </p:spPr>
+        <p:txBody>
+          <a:bodyPr/>
+          <a:lstStyle/>
+          <a:p>
+            <a:r>
+              <a:rPr lang="en-US" sz="2400" dirty="0" smtClean="0"/>
+              <a:t>Array-oriented scientific data:</a:t>
+            </a:r>
+          </a:p>
+          <a:p>
+            <a:pPr lvl="1"/>
+            <a:r>
+              <a:rPr lang="en-US" sz="2000" dirty="0" smtClean="0"/>
+              <a:t>Interface for access (C, Fortran, Java, etc.)</a:t>
+            </a:r>
+          </a:p>
+          <a:p>
+            <a:pPr lvl="1"/>
+            <a:r>
+              <a:rPr lang="en-US" sz="2000" dirty="0" smtClean="0"/>
+              <a:t>Machine-independent encoding format</a:t>
+            </a:r>
+          </a:p>
+          <a:p>
+            <a:pPr lvl="1"/>
+            <a:r>
+              <a:rPr lang="en-US" sz="2000" dirty="0" smtClean="0"/>
+              <a:t>Reference libraries (C and Java)</a:t>
+            </a:r>
+            <a:endParaRPr lang="en-US" sz="2000" dirty="0"/>
+          </a:p>
+        </p:txBody>
+      </p:sp>
+      <p:sp>
+        <p:nvSpPr>
+          <p:cNvPr id="7" name="TextBox 6"/>
+          <p:cNvSpPr txBox="1"/>
+          <p:nvPr/>
+        </p:nvSpPr>
+        <p:spPr>
+          <a:xfrm>
+            <a:off x="6125499" y="3018500"/>
+            <a:ext cx="1790875" cy="246221"/>
+          </a:xfrm>
+          <a:prstGeom prst="rect">
+            <a:avLst/>
+          </a:prstGeom>
+          <a:noFill/>
+        </p:spPr>
+        <p:txBody>
+          <a:bodyPr wrap="none" rtlCol="0">
+            <a:spAutoFit/>
+          </a:bodyPr>
+          <a:lstStyle/>
+          <a:p>
+            <a:r>
+              <a:rPr lang="en-US" sz="1000" dirty="0" smtClean="0"/>
+              <a:t>NetCDF Library Architecture</a:t>
+            </a:r>
+            <a:endParaRPr lang="en-US" sz="1000" dirty="0"/>
+          </a:p>
+        </p:txBody>
+      </p:sp>
+      <p:sp>
+        <p:nvSpPr>
+          <p:cNvPr id="8" name="TextBox 7"/>
+          <p:cNvSpPr txBox="1"/>
+          <p:nvPr/>
+        </p:nvSpPr>
+        <p:spPr>
+          <a:xfrm>
+            <a:off x="762044" y="3426539"/>
+            <a:ext cx="1691489" cy="246221"/>
+          </a:xfrm>
+          <a:prstGeom prst="rect">
+            <a:avLst/>
+          </a:prstGeom>
+          <a:noFill/>
+        </p:spPr>
+        <p:txBody>
+          <a:bodyPr wrap="none" rtlCol="0">
+            <a:spAutoFit/>
+          </a:bodyPr>
+          <a:lstStyle/>
+          <a:p>
+            <a:r>
+              <a:rPr lang="en-US" sz="1000" dirty="0" smtClean="0"/>
+              <a:t>NetCDF Class Data Model</a:t>
+            </a:r>
+            <a:endParaRPr lang="en-US" sz="1000" dirty="0"/>
+          </a:p>
+        </p:txBody>
+      </p:sp>
+    </p:spTree>
+  </p:cSld>
+  <p:clrMapOvr>
+    <a:masterClrMapping/>
+  </p:clrMapOvr>
+  <p:timing>
+    <p:tnLst>
+      <p:par>
+        <p:cTn id="1" dur="indefinite" restart="never" nodeType="tmRoot"/>
+      </p:par>
+    </p:tnLst>
+  </p:timing>
+</p:sld>
+</file>
+
+<file path=ppt/slides/slide9.xml><?xml version="1.0" encoding="utf-8"?>
+<p:sld xmlns:a="http://schemas.openxmlformats.org/drawingml/2006/main" xmlns:r="http://schemas.openxmlformats.org/officeDocument/2006/relationships" xmlns:p="http://schemas.openxmlformats.org/presentationml/2006/main">
+  <p:cSld>
+    <p:spTree>
+      <p:nvGrpSpPr>
+        <p:cNvPr id="1" name=""/>
+        <p:cNvGrpSpPr/>
+        <p:nvPr/>
+      </p:nvGrpSpPr>
+      <p:grpSpPr>
+        <a:xfrm>
+          <a:off x="0" y="0"/>
+          <a:ext cx="0" cy="0"/>
+          <a:chOff x="0" y="0"/>
+          <a:chExt cx="0" cy="0"/>
+        </a:xfrm>
+      </p:grpSpPr>
+      <p:sp>
+        <p:nvSpPr>
+          <p:cNvPr id="20481" name="Title 1"/>
+          <p:cNvSpPr>
+            <a:spLocks noGrp="1"/>
+          </p:cNvSpPr>
+          <p:nvPr>
+            <p:ph type="title"/>
+          </p:nvPr>
+        </p:nvSpPr>
+        <p:spPr/>
+        <p:txBody>
+          <a:bodyPr/>
+          <a:lstStyle/>
+          <a:p>
+            <a:r>
+              <a:rPr lang="en-US" smtClean="0">
+                <a:ea typeface="ＭＳ Ｐゴシック" pitchFamily="34" charset="-128"/>
+              </a:rPr>
+              <a:t>Unidata User Community</a:t>
+            </a:r>
+          </a:p>
+        </p:txBody>
+      </p:sp>
+      <p:sp>
+        <p:nvSpPr>
+          <p:cNvPr id="20482" name="Content Placeholder 2"/>
+          <p:cNvSpPr>
+            <a:spLocks noGrp="1"/>
+          </p:cNvSpPr>
+          <p:nvPr>
+            <p:ph idx="1"/>
+          </p:nvPr>
+        </p:nvSpPr>
+        <p:spPr/>
+        <p:txBody>
+          <a:bodyPr/>
+          <a:lstStyle/>
+          <a:p>
+            <a:r>
+              <a:rPr lang="en-US" smtClean="0">
+                <a:ea typeface="ＭＳ Ｐゴシック" pitchFamily="34" charset="-128"/>
+              </a:rPr>
+              <a:t>Support the community</a:t>
+            </a:r>
+          </a:p>
+          <a:p>
+            <a:pPr lvl="1"/>
+            <a:r>
+              <a:rPr lang="en-US" smtClean="0">
+                <a:ea typeface="ＭＳ Ｐゴシック" pitchFamily="34" charset="-128"/>
+              </a:rPr>
+              <a:t>User Workshops</a:t>
+            </a:r>
+          </a:p>
+          <a:p>
+            <a:pPr lvl="1"/>
+            <a:r>
+              <a:rPr lang="en-US" smtClean="0">
+                <a:ea typeface="ＭＳ Ｐゴシック" pitchFamily="34" charset="-128"/>
+              </a:rPr>
+              <a:t>Training Workshops</a:t>
+            </a:r>
+          </a:p>
+          <a:p>
+            <a:pPr lvl="1"/>
+            <a:r>
+              <a:rPr lang="en-US" smtClean="0">
+                <a:ea typeface="ＭＳ Ｐゴシック" pitchFamily="34" charset="-128"/>
+              </a:rPr>
+              <a:t>Mailing lists</a:t>
+            </a:r>
+          </a:p>
+          <a:p>
+            <a:pPr lvl="2"/>
+            <a:r>
+              <a:rPr lang="en-US" smtClean="0">
+                <a:ea typeface="ＭＳ Ｐゴシック" pitchFamily="34" charset="-128"/>
+              </a:rPr>
+              <a:t>For specific software packages</a:t>
+            </a:r>
+          </a:p>
+          <a:p>
+            <a:pPr lvl="2"/>
+            <a:r>
+              <a:rPr lang="ja-JP" altLang="en-US" smtClean="0">
+                <a:ea typeface="ＭＳ Ｐゴシック" pitchFamily="34" charset="-128"/>
+              </a:rPr>
+              <a:t>“</a:t>
+            </a:r>
+            <a:r>
+              <a:rPr lang="en-US" altLang="ja-JP" smtClean="0">
+                <a:ea typeface="ＭＳ Ｐゴシック" pitchFamily="34" charset="-128"/>
+              </a:rPr>
+              <a:t>community</a:t>
+            </a:r>
+            <a:r>
+              <a:rPr lang="ja-JP" altLang="en-US" smtClean="0">
+                <a:ea typeface="ＭＳ Ｐゴシック" pitchFamily="34" charset="-128"/>
+              </a:rPr>
+              <a:t>”</a:t>
+            </a:r>
+            <a:r>
+              <a:rPr lang="en-US" altLang="ja-JP" smtClean="0">
+                <a:ea typeface="ＭＳ Ｐゴシック" pitchFamily="34" charset="-128"/>
+              </a:rPr>
+              <a:t> email list – for Unidata community announcements</a:t>
+            </a:r>
+          </a:p>
+          <a:p>
+            <a:r>
+              <a:rPr lang="en-US" smtClean="0">
+                <a:ea typeface="ＭＳ Ｐゴシック" pitchFamily="34" charset="-128"/>
+              </a:rPr>
+              <a:t>Represent and advocate for the community</a:t>
+            </a:r>
+          </a:p>
+          <a:p>
+            <a:r>
+              <a:rPr lang="en-US" smtClean="0">
+                <a:ea typeface="ＭＳ Ｐゴシック" pitchFamily="34" charset="-128"/>
+              </a:rPr>
+              <a:t>More: http://www.unidata.ucar.edu/</a:t>
+            </a:r>
+          </a:p>
+        </p:txBody>
+      </p:sp>
     </p:spTree>
   </p:cSld>
   <p:clrMapOvr>
@@ -8030,4 +8448,287 @@
   <a:objectDefaults/>
   <a:extraClrSchemeLst/>
 </a:theme>
+</file>
+
+<file path=ppt/theme/theme3.xml><?xml version="1.0" encoding="utf-8"?>
+<a:theme xmlns:a="http://schemas.openxmlformats.org/drawingml/2006/main" name="Office Theme">
+  <a:themeElements>
+    <a:clrScheme name="Office">
+      <a:dk1>
+        <a:sysClr val="windowText" lastClr="000000"/>
+      </a:dk1>
+      <a:lt1>
+        <a:sysClr val="window" lastClr="FFFFFF"/>
+      </a:lt1>
+      <a:dk2>
+        <a:srgbClr val="1F497D"/>
+      </a:dk2>
+      <a:lt2>
+        <a:srgbClr val="EEECE1"/>
+      </a:lt2>
+      <a:accent1>
+        <a:srgbClr val="4F81BD"/>
+      </a:accent1>
+      <a:accent2>
+        <a:srgbClr val="C0504D"/>
+      </a:accent2>
+      <a:accent3>
+        <a:srgbClr val="9BBB59"/>
+      </a:accent3>
+      <a:accent4>
+        <a:srgbClr val="8064A2"/>
+      </a:accent4>
+      <a:accent5>
+        <a:srgbClr val="4BACC6"/>
+      </a:accent5>
+      <a:accent6>
+        <a:srgbClr val="F79646"/>
+      </a:accent6>
+      <a:hlink>
+        <a:srgbClr val="0000FF"/>
+      </a:hlink>
+      <a:folHlink>
+        <a:srgbClr val="800080"/>
+      </a:folHlink>
+    </a:clrScheme>
+    <a:fontScheme name="Office">
+      <a:majorFont>
+        <a:latin typeface="Calibri"/>
+        <a:ea typeface=""/>
+        <a:cs typeface=""/>
+        <a:font script="Jpan" typeface="ＭＳ Ｐゴシック"/>
+        <a:font script="Hang" typeface="맑은 고딕"/>
+        <a:font script="Hans" typeface="宋体"/>
+        <a:font script="Hant" typeface="新細明體"/>
+        <a:font script="Arab" typeface="Times New Roman"/>
+        <a:font script="Hebr" typeface="Times New Roman"/>
+        <a:font script="Thai" typeface="Angsana New"/>
+        <a:font script="Ethi" typeface="Nyala"/>
+        <a:font script="Beng" typeface="Vrinda"/>
+        <a:font script="Gujr" typeface="Shruti"/>
+        <a:font script="Khmr" typeface="MoolBoran"/>
+        <a:font script="Knda" typeface="Tunga"/>
+        <a:font script="Guru" typeface="Raavi"/>
+        <a:font script="Cans" typeface="Euphemia"/>
+        <a:font script="Cher" typeface="Plantagenet Cherokee"/>
+        <a:font script="Yiii" typeface="Microsoft Yi Baiti"/>
+        <a:font script="Tibt" typeface="Microsoft Himalaya"/>
+        <a:font script="Thaa" typeface="MV Boli"/>
+        <a:font script="Deva" typeface="Mangal"/>
+        <a:font script="Telu" typeface="Gautami"/>
+        <a:font script="Taml" typeface="Latha"/>
+        <a:font script="Syrc" typeface="Estrangelo Edessa"/>
+        <a:font script="Orya" typeface="Kalinga"/>
+        <a:font script="Mlym" typeface="Kartika"/>
+        <a:font script="Laoo" typeface="DokChampa"/>
+        <a:font script="Sinh" typeface="Iskoola Pota"/>
+        <a:font script="Mong" typeface="Mongolian Baiti"/>
+        <a:font script="Viet" typeface="Times New Roman"/>
+        <a:font script="Uigh" typeface="Microsoft Uighur"/>
+      </a:majorFont>
+      <a:minorFont>
+        <a:latin typeface="Calibri"/>
+        <a:ea typeface=""/>
+        <a:cs typeface=""/>
+        <a:font script="Jpan" typeface="ＭＳ Ｐゴシック"/>
+        <a:font script="Hang" typeface="맑은 고딕"/>
+        <a:font script="Hans" typeface="宋体"/>
+        <a:font script="Hant" typeface="新細明體"/>
+        <a:font script="Arab" typeface="Arial"/>
+        <a:font script="Hebr" typeface="Arial"/>
+        <a:font script="Thai" typeface="Cordia New"/>
+        <a:font script="Ethi" typeface="Nyala"/>
+        <a:font script="Beng" typeface="Vrinda"/>
+        <a:font script="Gujr" typeface="Shruti"/>
+        <a:font script="Khmr" typeface="DaunPenh"/>
+        <a:font script="Knda" typeface="Tunga"/>
+        <a:font script="Guru" typeface="Raavi"/>
+        <a:font script="Cans" typeface="Euphemia"/>
+        <a:font script="Cher" typeface="Plantagenet Cherokee"/>
+        <a:font script="Yiii" typeface="Microsoft Yi Baiti"/>
+        <a:font script="Tibt" typeface="Microsoft Himalaya"/>
+        <a:font script="Thaa" typeface="MV Boli"/>
+        <a:font script="Deva" typeface="Mangal"/>
+        <a:font script="Telu" typeface="Gautami"/>
+        <a:font script="Taml" typeface="Latha"/>
+        <a:font script="Syrc" typeface="Estrangelo Edessa"/>
+        <a:font script="Orya" typeface="Kalinga"/>
+        <a:font script="Mlym" typeface="Kartika"/>
+        <a:font script="Laoo" typeface="DokChampa"/>
+        <a:font script="Sinh" typeface="Iskoola Pota"/>
+        <a:font script="Mong" typeface="Mongolian Baiti"/>
+        <a:font script="Viet" typeface="Arial"/>
+        <a:font script="Uigh" typeface="Microsoft Uighur"/>
+      </a:minorFont>
+    </a:fontScheme>
+    <a:fmtScheme name="Office">
+      <a:fillStyleLst>
+        <a:solidFill>
+          <a:schemeClr val="phClr"/>
+        </a:solidFill>
+        <a:gradFill rotWithShape="1">
+          <a:gsLst>
+            <a:gs pos="0">
+              <a:schemeClr val="phClr">
+                <a:tint val="50000"/>
+                <a:satMod val="300000"/>
+              </a:schemeClr>
+            </a:gs>
+            <a:gs pos="35000">
+              <a:schemeClr val="phClr">
+                <a:tint val="37000"/>
+                <a:satMod val="300000"/>
+              </a:schemeClr>
+            </a:gs>
+            <a:gs pos="100000">
+              <a:schemeClr val="phClr">
+                <a:tint val="15000"/>
+                <a:satMod val="350000"/>
+              </a:schemeClr>
+            </a:gs>
+          </a:gsLst>
+          <a:lin ang="16200000" scaled="1"/>
+        </a:gradFill>
+        <a:gradFill rotWithShape="1">
+          <a:gsLst>
+            <a:gs pos="0">
+              <a:schemeClr val="phClr">
+                <a:shade val="51000"/>
+                <a:satMod val="130000"/>
+              </a:schemeClr>
+            </a:gs>
+            <a:gs pos="80000">
+              <a:schemeClr val="phClr">
+                <a:shade val="93000"/>
+                <a:satMod val="130000"/>
+              </a:schemeClr>
+            </a:gs>
+            <a:gs pos="100000">
+              <a:schemeClr val="phClr">
+                <a:shade val="94000"/>
+                <a:satMod val="135000"/>
+              </a:schemeClr>
+            </a:gs>
+          </a:gsLst>
+          <a:lin ang="16200000" scaled="0"/>
+        </a:gradFill>
+      </a:fillStyleLst>
+      <a:lnStyleLst>
+        <a:ln w="9525" cap="flat" cmpd="sng" algn="ctr">
+          <a:solidFill>
+            <a:schemeClr val="phClr">
+              <a:shade val="95000"/>
+              <a:satMod val="105000"/>
+            </a:schemeClr>
+          </a:solidFill>
+          <a:prstDash val="solid"/>
+        </a:ln>
+        <a:ln w="25400" cap="flat" cmpd="sng" algn="ctr">
+          <a:solidFill>
+            <a:schemeClr val="phClr"/>
+          </a:solidFill>
+          <a:prstDash val="solid"/>
+        </a:ln>
+        <a:ln w="38100" cap="flat" cmpd="sng" algn="ctr">
+          <a:solidFill>
+            <a:schemeClr val="phClr"/>
+          </a:solidFill>
+          <a:prstDash val="solid"/>
+        </a:ln>
+      </a:lnStyleLst>
+      <a:effectStyleLst>
+        <a:effectStyle>
+          <a:effectLst>
+            <a:outerShdw blurRad="40000" dist="20000" dir="5400000" rotWithShape="0">
+              <a:srgbClr val="000000">
+                <a:alpha val="38000"/>
+              </a:srgbClr>
+            </a:outerShdw>
+          </a:effectLst>
+        </a:effectStyle>
+        <a:effectStyle>
+          <a:effectLst>
+            <a:outerShdw blurRad="40000" dist="23000" dir="5400000" rotWithShape="0">
+              <a:srgbClr val="000000">
+                <a:alpha val="35000"/>
+              </a:srgbClr>
+            </a:outerShdw>
+          </a:effectLst>
+        </a:effectStyle>
+        <a:effectStyle>
+          <a:effectLst>
+            <a:outerShdw blurRad="40000" dist="23000" dir="5400000" rotWithShape="0">
+              <a:srgbClr val="000000">
+                <a:alpha val="35000"/>
+              </a:srgbClr>
+            </a:outerShdw>
+          </a:effectLst>
+          <a:scene3d>
+            <a:camera prst="orthographicFront">
+              <a:rot lat="0" lon="0" rev="0"/>
+            </a:camera>
+            <a:lightRig rig="threePt" dir="t">
+              <a:rot lat="0" lon="0" rev="1200000"/>
+            </a:lightRig>
+          </a:scene3d>
+          <a:sp3d>
+            <a:bevelT w="63500" h="25400"/>
+          </a:sp3d>
+        </a:effectStyle>
+      </a:effectStyleLst>
+      <a:bgFillStyleLst>
+        <a:solidFill>
+          <a:schemeClr val="phClr"/>
+        </a:solidFill>
+        <a:gradFill rotWithShape="1">
+          <a:gsLst>
+            <a:gs pos="0">
+              <a:schemeClr val="phClr">
+                <a:tint val="40000"/>
+                <a:satMod val="350000"/>
+              </a:schemeClr>
+            </a:gs>
+            <a:gs pos="40000">
+              <a:schemeClr val="phClr">
+                <a:tint val="45000"/>
+                <a:shade val="99000"/>
+                <a:satMod val="350000"/>
+              </a:schemeClr>
+            </a:gs>
+            <a:gs pos="100000">
+              <a:schemeClr val="phClr">
+                <a:shade val="20000"/>
+                <a:satMod val="255000"/>
+              </a:schemeClr>
+            </a:gs>
+          </a:gsLst>
+          <a:path path="circle">
+            <a:fillToRect l="50000" t="-80000" r="50000" b="180000"/>
+          </a:path>
+        </a:gradFill>
+        <a:gradFill rotWithShape="1">
+          <a:gsLst>
+            <a:gs pos="0">
+              <a:schemeClr val="phClr">
+                <a:tint val="80000"/>
+                <a:satMod val="300000"/>
+              </a:schemeClr>
+            </a:gs>
+            <a:gs pos="100000">
+              <a:schemeClr val="phClr">
+                <a:shade val="30000"/>
+                <a:satMod val="200000"/>
+              </a:schemeClr>
+            </a:gs>
+          </a:gsLst>
+          <a:path path="circle">
+            <a:fillToRect l="50000" t="50000" r="50000" b="50000"/>
+          </a:path>
+        </a:gradFill>
+      </a:bgFillStyleLst>
+    </a:fmtScheme>
+  </a:themeElements>
+  <a:objectDefaults/>
+  <a:extraClrSchemeLst/>
+</a:theme>
 </file>
--- a/presentations/Overview.pptx
+++ b/presentations/Overview.pptx
@@ -160,12 +160,24 @@
 
 <file path=ppt/charts/chart1.xml><?xml version="1.0" encoding="utf-8"?>
 <c:chartSpace xmlns:c="http://schemas.openxmlformats.org/drawingml/2006/chart" xmlns:a="http://schemas.openxmlformats.org/drawingml/2006/main" xmlns:r="http://schemas.openxmlformats.org/officeDocument/2006/relationships">
+  <c:date1904 val="0"/>
   <c:lang val="en-US"/>
+  <c:roundedCorners val="0"/>
+  <mc:AlternateContent xmlns:mc="http://schemas.openxmlformats.org/markup-compatibility/2006">
+    <mc:Choice xmlns:c14="http://schemas.microsoft.com/office/drawing/2007/8/2/chart" Requires="c14">
+      <c14:style val="102"/>
+    </mc:Choice>
+    <mc:Fallback>
+      <c:style val="2"/>
+    </mc:Fallback>
+  </mc:AlternateContent>
   <c:chart>
+    <c:autoTitleDeleted val="0"/>
     <c:plotArea>
       <c:layout/>
       <c:lineChart>
         <c:grouping val="standard"/>
+        <c:varyColors val="0"/>
         <c:ser>
           <c:idx val="0"/>
           <c:order val="0"/>
@@ -231,6 +243,7 @@
               </c:numCache>
             </c:numRef>
           </c:val>
+          <c:smooth val="0"/>
         </c:ser>
         <c:ser>
           <c:idx val="1"/>
@@ -297,6 +310,7 @@
               </c:numCache>
             </c:numRef>
           </c:val>
+          <c:smooth val="0"/>
         </c:ser>
         <c:ser>
           <c:idx val="2"/>
@@ -363,36 +377,52 @@
               </c:numCache>
             </c:numRef>
           </c:val>
+          <c:smooth val="0"/>
         </c:ser>
-        <c:dLbls/>
+        <c:dLbls>
+          <c:showLegendKey val="0"/>
+          <c:showVal val="0"/>
+          <c:showCatName val="0"/>
+          <c:showSerName val="0"/>
+          <c:showPercent val="0"/>
+          <c:showBubbleSize val="0"/>
+        </c:dLbls>
         <c:marker val="1"/>
-        <c:axId val="51839360"/>
-        <c:axId val="51840896"/>
+        <c:smooth val="0"/>
+        <c:axId val="45871872"/>
+        <c:axId val="45873408"/>
       </c:lineChart>
       <c:catAx>
-        <c:axId val="51839360"/>
+        <c:axId val="45871872"/>
         <c:scaling>
           <c:orientation val="minMax"/>
         </c:scaling>
+        <c:delete val="0"/>
         <c:axPos val="b"/>
         <c:numFmt formatCode="General" sourceLinked="1"/>
+        <c:majorTickMark val="out"/>
+        <c:minorTickMark val="none"/>
         <c:tickLblPos val="nextTo"/>
-        <c:crossAx val="51840896"/>
+        <c:crossAx val="45873408"/>
         <c:crosses val="autoZero"/>
         <c:auto val="1"/>
         <c:lblAlgn val="ctr"/>
         <c:lblOffset val="100"/>
+        <c:noMultiLvlLbl val="0"/>
       </c:catAx>
       <c:valAx>
-        <c:axId val="51840896"/>
+        <c:axId val="45873408"/>
         <c:scaling>
           <c:orientation val="minMax"/>
         </c:scaling>
+        <c:delete val="0"/>
         <c:axPos val="l"/>
         <c:majorGridlines/>
         <c:numFmt formatCode="General" sourceLinked="1"/>
+        <c:majorTickMark val="out"/>
+        <c:minorTickMark val="none"/>
         <c:tickLblPos val="nextTo"/>
-        <c:crossAx val="51839360"/>
+        <c:crossAx val="45871872"/>
         <c:crosses val="autoZero"/>
         <c:crossBetween val="between"/>
       </c:valAx>
@@ -400,11 +430,15 @@
     <c:legend>
       <c:legendPos val="r"/>
       <c:layout/>
+      <c:overlay val="0"/>
     </c:legend>
     <c:plotVisOnly val="1"/>
     <c:dispBlanksAs val="gap"/>
+    <c:showDLblsOverMax val="0"/>
   </c:chart>
-  <c:externalData r:id="rId1"/>
+  <c:externalData r:id="rId1">
+    <c:autoUpdate val="0"/>
+  </c:externalData>
 </c:chartSpace>
 </file>
 
@@ -491,7 +525,7 @@
             <a:fld id="{8BC243FF-AE77-4DF4-8CCC-66C2282A886D}" type="datetimeFigureOut">
               <a:rPr lang="en-US" smtClean="0"/>
               <a:pPr/>
-              <a:t>10/20/2014</a:t>
+              <a:t>7/20/2015</a:t>
             </a:fld>
             <a:endParaRPr lang="en-US"/>
           </a:p>
@@ -567,7 +601,7 @@
     </p:spTree>
     <p:extLst>
       <p:ext uri="{BB962C8B-B14F-4D97-AF65-F5344CB8AC3E}">
-        <p14:creationId xmlns:p14="http://schemas.microsoft.com/office/powerpoint/2010/main" xmlns="" val="4039744152"/>
+        <p14:creationId xmlns:p14="http://schemas.microsoft.com/office/powerpoint/2010/main" val="4039744152"/>
       </p:ext>
     </p:extLst>
   </p:cSld>
@@ -678,7 +712,7 @@
             <a:fld id="{D0858862-58BF-44B0-8200-136196B2F4C7}" type="datetimeFigureOut">
               <a:rPr lang="en-US"/>
               <a:pPr/>
-              <a:t>10/20/2014</a:t>
+              <a:t>7/20/2015</a:t>
             </a:fld>
             <a:endParaRPr lang="en-US"/>
           </a:p>
@@ -870,7 +904,7 @@
     </p:spTree>
     <p:extLst>
       <p:ext uri="{BB962C8B-B14F-4D97-AF65-F5344CB8AC3E}">
-        <p14:creationId xmlns:p14="http://schemas.microsoft.com/office/powerpoint/2010/main" xmlns="" val="2985543867"/>
+        <p14:creationId xmlns:p14="http://schemas.microsoft.com/office/powerpoint/2010/main" val="2985543867"/>
       </p:ext>
     </p:extLst>
   </p:cSld>
@@ -1268,7 +1302,7 @@
             <a:fld id="{F30AFB2F-5EF3-4CAB-B2FE-BA0A39E220C6}" type="datetimeFigureOut">
               <a:rPr lang="en-US"/>
               <a:pPr/>
-              <a:t>10/20/2014</a:t>
+              <a:t>7/20/2015</a:t>
             </a:fld>
             <a:endParaRPr lang="en-US"/>
           </a:p>
@@ -1450,7 +1484,7 @@
             <a:fld id="{778D11B3-B33D-4421-B117-CBEAEEDF3B56}" type="datetimeFigureOut">
               <a:rPr lang="en-US"/>
               <a:pPr/>
-              <a:t>10/20/2014</a:t>
+              <a:t>7/20/2015</a:t>
             </a:fld>
             <a:endParaRPr lang="en-US"/>
           </a:p>
@@ -1642,7 +1676,7 @@
             <a:fld id="{E546F523-601C-4AE6-94D0-B6E0B6B185B6}" type="datetimeFigureOut">
               <a:rPr lang="en-US"/>
               <a:pPr/>
-              <a:t>10/20/2014</a:t>
+              <a:t>7/20/2015</a:t>
             </a:fld>
             <a:endParaRPr lang="en-US"/>
           </a:p>
@@ -1824,7 +1858,7 @@
             <a:fld id="{2755933F-A7CD-46E1-AE74-F4B25B8A5888}" type="datetimeFigureOut">
               <a:rPr lang="en-US"/>
               <a:pPr/>
-              <a:t>10/20/2014</a:t>
+              <a:t>7/20/2015</a:t>
             </a:fld>
             <a:endParaRPr lang="en-US"/>
           </a:p>
@@ -2082,7 +2116,7 @@
             <a:fld id="{E2DD70BF-DD26-4542-8867-0654A849CEFE}" type="datetimeFigureOut">
               <a:rPr lang="en-US"/>
               <a:pPr/>
-              <a:t>10/20/2014</a:t>
+              <a:t>7/20/2015</a:t>
             </a:fld>
             <a:endParaRPr lang="en-US"/>
           </a:p>
@@ -2382,7 +2416,7 @@
             <a:fld id="{80E5E274-32FD-4A30-AF3B-64174B6C2069}" type="datetimeFigureOut">
               <a:rPr lang="en-US"/>
               <a:pPr/>
-              <a:t>10/20/2014</a:t>
+              <a:t>7/20/2015</a:t>
             </a:fld>
             <a:endParaRPr lang="en-US"/>
           </a:p>
@@ -2816,7 +2850,7 @@
             <a:fld id="{02E83F24-3119-487E-BFBC-C70771716A50}" type="datetimeFigureOut">
               <a:rPr lang="en-US"/>
               <a:pPr/>
-              <a:t>10/20/2014</a:t>
+              <a:t>7/20/2015</a:t>
             </a:fld>
             <a:endParaRPr lang="en-US"/>
           </a:p>
@@ -2946,7 +2980,7 @@
             <a:fld id="{68DD7F26-701B-47E4-A59A-055252B49D89}" type="datetimeFigureOut">
               <a:rPr lang="en-US"/>
               <a:pPr/>
-              <a:t>10/20/2014</a:t>
+              <a:t>7/20/2015</a:t>
             </a:fld>
             <a:endParaRPr lang="en-US"/>
           </a:p>
@@ -3053,7 +3087,7 @@
             <a:fld id="{CACE95DC-D4F0-4723-9A98-48338ADC933B}" type="datetimeFigureOut">
               <a:rPr lang="en-US"/>
               <a:pPr/>
-              <a:t>10/20/2014</a:t>
+              <a:t>7/20/2015</a:t>
             </a:fld>
             <a:endParaRPr lang="en-US"/>
           </a:p>
@@ -3342,7 +3376,7 @@
             <a:fld id="{E253DCD9-B885-4B2F-841C-5BE81A85EC36}" type="datetimeFigureOut">
               <a:rPr lang="en-US"/>
               <a:pPr/>
-              <a:t>10/20/2014</a:t>
+              <a:t>7/20/2015</a:t>
             </a:fld>
             <a:endParaRPr lang="en-US"/>
           </a:p>
@@ -3610,7 +3644,7 @@
             <a:fld id="{292D2DE9-A858-4AF6-BFB6-E7BE7517C326}" type="datetimeFigureOut">
               <a:rPr lang="en-US"/>
               <a:pPr/>
-              <a:t>10/20/2014</a:t>
+              <a:t>7/20/2015</a:t>
             </a:fld>
             <a:endParaRPr lang="en-US"/>
           </a:p>
@@ -3852,7 +3886,7 @@
             <a:fld id="{28771537-7EF8-4AE1-AA34-66E7A6D640CE}" type="datetimeFigureOut">
               <a:rPr lang="en-US"/>
               <a:pPr/>
-              <a:t>10/20/2014</a:t>
+              <a:t>7/20/2015</a:t>
             </a:fld>
             <a:endParaRPr lang="en-US"/>
           </a:p>
@@ -4548,7 +4582,7 @@
                 <a:ea typeface="+mn-ea"/>
                 <a:cs typeface="+mn-cs"/>
               </a:rPr>
-              <a:t>21 October 2014</a:t>
+              <a:t>20 July 2015</a:t>
             </a:r>
             <a:endParaRPr lang="en-US" dirty="0">
               <a:ea typeface="+mn-ea"/>
@@ -4675,11 +4709,17 @@
           <p:cNvGraphicFramePr>
             <a:graphicFrameLocks/>
           </p:cNvGraphicFramePr>
-          <p:nvPr/>
+          <p:nvPr>
+            <p:extLst>
+              <p:ext uri="{D42A27DB-BD31-4B8C-83A1-F6EECF244321}">
+                <p14:modId xmlns:p14="http://schemas.microsoft.com/office/powerpoint/2010/main" val="3256488725"/>
+              </p:ext>
+            </p:extLst>
+          </p:nvPr>
         </p:nvGraphicFramePr>
         <p:xfrm>
           <a:off x="2022619" y="6858000"/>
-          <a:ext cx="6972300" cy="2880366"/>
+          <a:ext cx="6972300" cy="3360427"/>
         </p:xfrm>
         <a:graphic>
           <a:graphicData uri="http://schemas.openxmlformats.org/drawingml/2006/table">
@@ -5041,6 +5081,64 @@
                   <a:tcPr/>
                 </a:tc>
               </a:tr>
+              <a:tr h="480061">
+                <a:tc>
+                  <a:txBody>
+                    <a:bodyPr/>
+                    <a:lstStyle/>
+                    <a:p>
+                      <a:r>
+                        <a:rPr lang="en-US" dirty="0" smtClean="0"/>
+                        <a:t>2015</a:t>
+                      </a:r>
+                      <a:endParaRPr lang="en-US" dirty="0"/>
+                    </a:p>
+                  </a:txBody>
+                  <a:tcPr/>
+                </a:tc>
+                <a:tc>
+                  <a:txBody>
+                    <a:bodyPr/>
+                    <a:lstStyle/>
+                    <a:p>
+                      <a:r>
+                        <a:rPr lang="en-US" dirty="0" smtClean="0"/>
+                        <a:t>65</a:t>
+                      </a:r>
+                      <a:endParaRPr lang="en-US" dirty="0"/>
+                    </a:p>
+                  </a:txBody>
+                  <a:tcPr/>
+                </a:tc>
+                <a:tc>
+                  <a:txBody>
+                    <a:bodyPr/>
+                    <a:lstStyle/>
+                    <a:p>
+                      <a:r>
+                        <a:rPr lang="en-US" dirty="0" smtClean="0"/>
+                        <a:t>6</a:t>
+                      </a:r>
+                      <a:endParaRPr lang="en-US" dirty="0"/>
+                    </a:p>
+                  </a:txBody>
+                  <a:tcPr/>
+                </a:tc>
+                <a:tc>
+                  <a:txBody>
+                    <a:bodyPr/>
+                    <a:lstStyle/>
+                    <a:p>
+                      <a:r>
+                        <a:rPr lang="en-US" dirty="0" smtClean="0"/>
+                        <a:t>11</a:t>
+                      </a:r>
+                      <a:endParaRPr lang="en-US" dirty="0"/>
+                    </a:p>
+                  </a:txBody>
+                  <a:tcPr/>
+                </a:tc>
+              </a:tr>
             </a:tbl>
           </a:graphicData>
         </a:graphic>
@@ -5438,12 +5536,35 @@
           <a:p>
             <a:pPr lvl="1"/>
             <a:r>
-              <a:rPr lang="en-US" sz="2400" dirty="0" smtClean="0">
+              <a:rPr lang="en-US" sz="2400" dirty="0" err="1" smtClean="0">
                 <a:hlinkClick r:id="rId2"/>
               </a:rPr>
-              <a:t>Python Tools for Visual Studio</a:t>
-            </a:r>
-            <a:endParaRPr lang="en-US" sz="2400" dirty="0" smtClean="0"/>
+              <a:t>Spyder</a:t>
+            </a:r>
+            <a:r>
+              <a:rPr lang="en-US" sz="2400" dirty="0" smtClean="0"/>
+              <a:t> </a:t>
+            </a:r>
+            <a:r>
+              <a:rPr lang="en-US" sz="2400" dirty="0" smtClean="0"/>
+              <a:t>(Scientific Python </a:t>
+            </a:r>
+            <a:r>
+              <a:rPr lang="en-US" sz="2400" dirty="0" err="1" smtClean="0"/>
+              <a:t>Developement</a:t>
+            </a:r>
+            <a:r>
+              <a:rPr lang="en-US" sz="2400" dirty="0" smtClean="0"/>
+              <a:t> </a:t>
+            </a:r>
+            <a:r>
+              <a:rPr lang="en-US" sz="2400" dirty="0" err="1" smtClean="0"/>
+              <a:t>EnviRonment</a:t>
+            </a:r>
+            <a:r>
+              <a:rPr lang="en-US" sz="2400" dirty="0" smtClean="0"/>
+              <a:t>)</a:t>
+            </a:r>
           </a:p>
           <a:p>
             <a:pPr lvl="1"/>
@@ -5451,28 +5572,21 @@
               <a:rPr lang="en-US" sz="2400" dirty="0" smtClean="0">
                 <a:hlinkClick r:id="rId3"/>
               </a:rPr>
-              <a:t>Spyder</a:t>
-            </a:r>
-            <a:r>
-              <a:rPr lang="en-US" sz="2400" dirty="0" smtClean="0"/>
-              <a:t> (Scientific Python </a:t>
-            </a:r>
-            <a:r>
-              <a:rPr lang="en-US" sz="2400" dirty="0" err="1" smtClean="0"/>
-              <a:t>Developement</a:t>
-            </a:r>
-            <a:r>
-              <a:rPr lang="en-US" sz="2400" dirty="0" smtClean="0"/>
-              <a:t> </a:t>
-            </a:r>
-            <a:r>
-              <a:rPr lang="en-US" sz="2400" dirty="0" err="1" smtClean="0"/>
-              <a:t>EnviRonment</a:t>
-            </a:r>
-            <a:r>
-              <a:rPr lang="en-US" sz="2400" dirty="0" smtClean="0"/>
-              <a:t>)</a:t>
-            </a:r>
+              <a:t>Emacs </a:t>
+            </a:r>
+            <a:r>
+              <a:rPr lang="en-US" sz="2400" dirty="0" err="1" smtClean="0">
+                <a:hlinkClick r:id="rId3"/>
+              </a:rPr>
+              <a:t>Ipython</a:t>
+            </a:r>
+            <a:r>
+              <a:rPr lang="en-US" sz="2400" dirty="0" smtClean="0">
+                <a:hlinkClick r:id="rId3"/>
+              </a:rPr>
+              <a:t> Notebook</a:t>
+            </a:r>
+            <a:endParaRPr lang="en-US" sz="2400" dirty="0" smtClean="0"/>
           </a:p>
           <a:p>
             <a:pPr lvl="1"/>
@@ -5480,19 +5594,7 @@
               <a:rPr lang="en-US" sz="2400" dirty="0" smtClean="0">
                 <a:hlinkClick r:id="rId4"/>
               </a:rPr>
-              <a:t>Emacs </a:t>
-            </a:r>
-            <a:r>
-              <a:rPr lang="en-US" sz="2400" dirty="0" err="1" smtClean="0">
-                <a:hlinkClick r:id="rId4"/>
-              </a:rPr>
-              <a:t>Ipython</a:t>
-            </a:r>
-            <a:r>
-              <a:rPr lang="en-US" sz="2400" dirty="0" smtClean="0">
-                <a:hlinkClick r:id="rId4"/>
-              </a:rPr>
-              <a:t> Notebook</a:t>
+              <a:t>Enthought Canopy Editor</a:t>
             </a:r>
             <a:endParaRPr lang="en-US" sz="2400" dirty="0" smtClean="0"/>
           </a:p>
@@ -5502,22 +5604,50 @@
               <a:rPr lang="en-US" sz="2400" dirty="0" smtClean="0">
                 <a:hlinkClick r:id="rId5"/>
               </a:rPr>
-              <a:t>Enthought Canopy Editor</a:t>
-            </a:r>
-            <a:endParaRPr lang="en-US" sz="2400" dirty="0" smtClean="0"/>
+              <a:t>Wakari</a:t>
+            </a:r>
+            <a:r>
+              <a:rPr lang="en-US" sz="2400" dirty="0" smtClean="0"/>
+              <a:t>, a hosted </a:t>
+            </a:r>
+            <a:r>
+              <a:rPr lang="en-US" sz="2400" dirty="0" smtClean="0"/>
+              <a:t>Python </a:t>
+            </a:r>
+            <a:r>
+              <a:rPr lang="en-US" sz="2400" dirty="0" smtClean="0"/>
+              <a:t>data analysis </a:t>
+            </a:r>
+            <a:r>
+              <a:rPr lang="en-US" sz="2400" dirty="0" smtClean="0"/>
+              <a:t>environment</a:t>
+            </a:r>
           </a:p>
           <a:p>
             <a:pPr lvl="1"/>
             <a:r>
-              <a:rPr lang="en-US" sz="2400" dirty="0" smtClean="0">
+              <a:rPr lang="en-US" sz="2400" dirty="0" err="1" smtClean="0">
                 <a:hlinkClick r:id="rId6"/>
               </a:rPr>
-              <a:t>Wakari</a:t>
-            </a:r>
-            <a:r>
-              <a:rPr lang="en-US" sz="2400" dirty="0" smtClean="0"/>
-              <a:t>, a hosted Python data analysis environment</a:t>
-            </a:r>
+              <a:t>PyCharm</a:t>
+            </a:r>
+            <a:endParaRPr lang="en-US" sz="2400" dirty="0" smtClean="0"/>
+          </a:p>
+          <a:p>
+            <a:pPr lvl="1"/>
+            <a:r>
+              <a:rPr lang="en-US" sz="2400" dirty="0">
+                <a:hlinkClick r:id="rId7"/>
+              </a:rPr>
+              <a:t>Python Tools for Visual </a:t>
+            </a:r>
+            <a:r>
+              <a:rPr lang="en-US" sz="2400" dirty="0" smtClean="0">
+                <a:hlinkClick r:id="rId7"/>
+              </a:rPr>
+              <a:t>Studio</a:t>
+            </a:r>
+            <a:endParaRPr lang="en-US" sz="2400" dirty="0"/>
           </a:p>
         </p:txBody>
       </p:sp>
@@ -5943,53 +6073,71 @@
           <a:p>
             <a:r>
               <a:rPr lang="en-US" dirty="0" smtClean="0"/>
-              <a:t>Read and write netCDF files</a:t>
-            </a:r>
-          </a:p>
-          <a:p>
+              <a:t>Software Carpentry for Science</a:t>
+            </a:r>
+          </a:p>
+          <a:p>
+            <a:r>
+              <a:rPr lang="en-US" dirty="0" err="1" smtClean="0"/>
+              <a:t>IPython</a:t>
+            </a:r>
             <a:r>
               <a:rPr lang="en-US" dirty="0" smtClean="0"/>
-              <a:t>Use </a:t>
+              <a:t> Notebook</a:t>
+            </a:r>
+          </a:p>
+          <a:p>
+            <a:r>
+              <a:rPr lang="en-US" dirty="0" err="1" smtClean="0"/>
+              <a:t>Numpy</a:t>
+            </a:r>
+            <a:r>
+              <a:rPr lang="en-US" dirty="0" smtClean="0"/>
+              <a:t> with </a:t>
             </a:r>
             <a:r>
               <a:rPr lang="en-US" dirty="0" err="1" smtClean="0"/>
               <a:t>matplotlib</a:t>
             </a:r>
+            <a:endParaRPr lang="en-US" dirty="0" smtClean="0"/>
+          </a:p>
+          <a:p>
             <a:r>
               <a:rPr lang="en-US" dirty="0" smtClean="0"/>
-              <a:t> to visualize </a:t>
+              <a:t>Read and </a:t>
+            </a:r>
+            <a:r>
+              <a:rPr lang="en-US" dirty="0" smtClean="0"/>
+              <a:t>write netCDF files</a:t>
+            </a:r>
+          </a:p>
+          <a:p>
+            <a:r>
+              <a:rPr lang="en-US" dirty="0" smtClean="0"/>
+              <a:t>Geoscience Visualization with </a:t>
             </a:r>
             <a:r>
               <a:rPr lang="en-US" dirty="0" err="1" smtClean="0"/>
-              <a:t>geoscience</a:t>
+              <a:t>matplotlib</a:t>
             </a:r>
             <a:r>
               <a:rPr lang="en-US" dirty="0" smtClean="0"/>
-              <a:t> data</a:t>
-            </a:r>
+              <a:t> and </a:t>
+            </a:r>
+            <a:r>
+              <a:rPr lang="en-US" dirty="0" err="1" smtClean="0"/>
+              <a:t>cartopy</a:t>
+            </a:r>
+            <a:endParaRPr lang="en-US" dirty="0" smtClean="0"/>
           </a:p>
           <a:p>
             <a:r>
               <a:rPr lang="en-US" dirty="0" smtClean="0"/>
-              <a:t>Read model and station data from a TDS NCSS </a:t>
-            </a:r>
-          </a:p>
-          <a:p>
+              <a:t>And </a:t>
+            </a:r>
             <a:r>
               <a:rPr lang="en-US" dirty="0" smtClean="0"/>
-              <a:t>Read Radar Level 2 data</a:t>
-            </a:r>
-          </a:p>
-          <a:p>
-            <a:r>
-              <a:rPr lang="en-US" dirty="0" smtClean="0"/>
-              <a:t>Request maps from an OGC WMS server</a:t>
-            </a:r>
-          </a:p>
-          <a:p>
-            <a:r>
-              <a:rPr lang="en-US" dirty="0" smtClean="0"/>
-              <a:t>And lots more …</a:t>
+              <a:t>lots more …</a:t>
             </a:r>
             <a:endParaRPr lang="en-US" dirty="0"/>
           </a:p>
@@ -6183,7 +6331,7 @@
     </p:spTree>
     <p:extLst>
       <p:ext uri="{BB962C8B-B14F-4D97-AF65-F5344CB8AC3E}">
-        <p14:creationId xmlns:p14="http://schemas.microsoft.com/office/powerpoint/2010/main" xmlns="" val="611091617"/>
+        <p14:creationId xmlns:p14="http://schemas.microsoft.com/office/powerpoint/2010/main" val="611091617"/>
       </p:ext>
     </p:extLst>
   </p:cSld>
@@ -6312,7 +6460,7 @@
     </p:spTree>
     <p:extLst>
       <p:ext uri="{BB962C8B-B14F-4D97-AF65-F5344CB8AC3E}">
-        <p14:creationId xmlns:p14="http://schemas.microsoft.com/office/powerpoint/2010/main" xmlns="" val="2911683858"/>
+        <p14:creationId xmlns:p14="http://schemas.microsoft.com/office/powerpoint/2010/main" val="2911683858"/>
       </p:ext>
     </p:extLst>
   </p:cSld>
@@ -6493,7 +6641,7 @@
           <a:blip r:embed="rId2" cstate="print">
             <a:extLst>
               <a:ext uri="{28A0092B-C50C-407E-A947-70E740481C1C}">
-                <a14:useLocalDpi xmlns:a14="http://schemas.microsoft.com/office/drawing/2010/main" xmlns="" val="0"/>
+                <a14:useLocalDpi xmlns:a14="http://schemas.microsoft.com/office/drawing/2010/main" val="0"/>
               </a:ext>
             </a:extLst>
           </a:blip>
@@ -6514,14 +6662,14 @@
           <a:ln/>
           <a:extLst>
             <a:ext uri="{909E8E84-426E-40DD-AFC4-6F175D3DCCD1}">
-              <a14:hiddenFill xmlns:a14="http://schemas.microsoft.com/office/drawing/2010/main" xmlns="">
+              <a14:hiddenFill xmlns:a14="http://schemas.microsoft.com/office/drawing/2010/main">
                 <a:solidFill>
                   <a:srgbClr val="FFFFFF"/>
                 </a:solidFill>
               </a14:hiddenFill>
             </a:ext>
             <a:ext uri="{91240B29-F687-4F45-9708-019B960494DF}">
-              <a14:hiddenLine xmlns:a14="http://schemas.microsoft.com/office/drawing/2010/main" xmlns="" w="9525">
+              <a14:hiddenLine xmlns:a14="http://schemas.microsoft.com/office/drawing/2010/main" w="9525">
                 <a:solidFill>
                   <a:srgbClr val="000000"/>
                 </a:solidFill>
@@ -6531,7 +6679,7 @@
               </a14:hiddenLine>
             </a:ext>
             <a:ext uri="{AF507438-7753-43E0-B8FC-AC1667EBCBE1}">
-              <a14:hiddenEffects xmlns:a14="http://schemas.microsoft.com/office/drawing/2010/main" xmlns="">
+              <a14:hiddenEffects xmlns:a14="http://schemas.microsoft.com/office/drawing/2010/main">
                 <a:effectLst>
                   <a:outerShdw dist="35921" dir="2700000" algn="ctr" rotWithShape="0">
                     <a:srgbClr val="808080"/>
@@ -6990,7 +7138,7 @@
     </p:spTree>
     <p:extLst>
       <p:ext uri="{BB962C8B-B14F-4D97-AF65-F5344CB8AC3E}">
-        <p14:creationId xmlns:p14="http://schemas.microsoft.com/office/powerpoint/2010/main" xmlns="" val="3087409050"/>
+        <p14:creationId xmlns:p14="http://schemas.microsoft.com/office/powerpoint/2010/main" val="3087409050"/>
       </p:ext>
     </p:extLst>
   </p:cSld>

--- a/presentations/Overview.pptx
+++ b/presentations/Overview.pptx
@@ -202,19 +202,19 @@
                 <c:formatCode>General</c:formatCode>
                 <c:ptCount val="5"/>
                 <c:pt idx="0">
-                  <c:v>2010</c:v>
+                  <c:v>2010.0</c:v>
                 </c:pt>
                 <c:pt idx="1">
-                  <c:v>2011</c:v>
+                  <c:v>2011.0</c:v>
                 </c:pt>
                 <c:pt idx="2">
-                  <c:v>2012</c:v>
+                  <c:v>2012.0</c:v>
                 </c:pt>
                 <c:pt idx="3">
-                  <c:v>2013</c:v>
+                  <c:v>2013.0</c:v>
                 </c:pt>
                 <c:pt idx="4">
-                  <c:v>2014</c:v>
+                  <c:v>2014.0</c:v>
                 </c:pt>
               </c:numCache>
             </c:numRef>
@@ -226,19 +226,19 @@
                 <c:formatCode>General</c:formatCode>
                 <c:ptCount val="5"/>
                 <c:pt idx="0">
-                  <c:v>2</c:v>
+                  <c:v>2.0</c:v>
                 </c:pt>
                 <c:pt idx="1">
-                  <c:v>19</c:v>
+                  <c:v>19.0</c:v>
                 </c:pt>
                 <c:pt idx="2">
-                  <c:v>57</c:v>
+                  <c:v>57.0</c:v>
                 </c:pt>
                 <c:pt idx="3">
-                  <c:v>60</c:v>
+                  <c:v>60.0</c:v>
                 </c:pt>
                 <c:pt idx="4">
-                  <c:v>60</c:v>
+                  <c:v>60.0</c:v>
                 </c:pt>
               </c:numCache>
             </c:numRef>
@@ -269,19 +269,19 @@
                 <c:formatCode>General</c:formatCode>
                 <c:ptCount val="5"/>
                 <c:pt idx="0">
-                  <c:v>2010</c:v>
+                  <c:v>2010.0</c:v>
                 </c:pt>
                 <c:pt idx="1">
-                  <c:v>2011</c:v>
+                  <c:v>2011.0</c:v>
                 </c:pt>
                 <c:pt idx="2">
-                  <c:v>2012</c:v>
+                  <c:v>2012.0</c:v>
                 </c:pt>
                 <c:pt idx="3">
-                  <c:v>2013</c:v>
+                  <c:v>2013.0</c:v>
                 </c:pt>
                 <c:pt idx="4">
-                  <c:v>2014</c:v>
+                  <c:v>2014.0</c:v>
                 </c:pt>
               </c:numCache>
             </c:numRef>
@@ -293,19 +293,19 @@
                 <c:formatCode>General</c:formatCode>
                 <c:ptCount val="5"/>
                 <c:pt idx="0">
-                  <c:v>7</c:v>
+                  <c:v>7.0</c:v>
                 </c:pt>
                 <c:pt idx="1">
-                  <c:v>2</c:v>
+                  <c:v>2.0</c:v>
                 </c:pt>
                 <c:pt idx="2">
-                  <c:v>9</c:v>
+                  <c:v>9.0</c:v>
                 </c:pt>
                 <c:pt idx="3">
-                  <c:v>12</c:v>
+                  <c:v>12.0</c:v>
                 </c:pt>
                 <c:pt idx="4">
-                  <c:v>7</c:v>
+                  <c:v>7.0</c:v>
                 </c:pt>
               </c:numCache>
             </c:numRef>
@@ -336,19 +336,19 @@
                 <c:formatCode>General</c:formatCode>
                 <c:ptCount val="5"/>
                 <c:pt idx="0">
-                  <c:v>2010</c:v>
+                  <c:v>2010.0</c:v>
                 </c:pt>
                 <c:pt idx="1">
-                  <c:v>2011</c:v>
+                  <c:v>2011.0</c:v>
                 </c:pt>
                 <c:pt idx="2">
-                  <c:v>2012</c:v>
+                  <c:v>2012.0</c:v>
                 </c:pt>
                 <c:pt idx="3">
-                  <c:v>2013</c:v>
+                  <c:v>2013.0</c:v>
                 </c:pt>
                 <c:pt idx="4">
-                  <c:v>2014</c:v>
+                  <c:v>2014.0</c:v>
                 </c:pt>
               </c:numCache>
             </c:numRef>
@@ -360,19 +360,19 @@
                 <c:formatCode>General</c:formatCode>
                 <c:ptCount val="5"/>
                 <c:pt idx="0">
-                  <c:v>2</c:v>
+                  <c:v>2.0</c:v>
                 </c:pt>
                 <c:pt idx="1">
-                  <c:v>4</c:v>
+                  <c:v>4.0</c:v>
                 </c:pt>
                 <c:pt idx="2">
-                  <c:v>2</c:v>
+                  <c:v>2.0</c:v>
                 </c:pt>
                 <c:pt idx="3">
-                  <c:v>9</c:v>
+                  <c:v>9.0</c:v>
                 </c:pt>
                 <c:pt idx="4">
-                  <c:v>5</c:v>
+                  <c:v>5.0</c:v>
                 </c:pt>
               </c:numCache>
             </c:numRef>
@@ -389,11 +389,11 @@
         </c:dLbls>
         <c:marker val="1"/>
         <c:smooth val="0"/>
-        <c:axId val="45871872"/>
-        <c:axId val="45873408"/>
+        <c:axId val="-2144558808"/>
+        <c:axId val="-2144555832"/>
       </c:lineChart>
       <c:catAx>
-        <c:axId val="45871872"/>
+        <c:axId val="-2144558808"/>
         <c:scaling>
           <c:orientation val="minMax"/>
         </c:scaling>
@@ -403,7 +403,7 @@
         <c:majorTickMark val="out"/>
         <c:minorTickMark val="none"/>
         <c:tickLblPos val="nextTo"/>
-        <c:crossAx val="45873408"/>
+        <c:crossAx val="-2144555832"/>
         <c:crosses val="autoZero"/>
         <c:auto val="1"/>
         <c:lblAlgn val="ctr"/>
@@ -411,7 +411,7 @@
         <c:noMultiLvlLbl val="0"/>
       </c:catAx>
       <c:valAx>
-        <c:axId val="45873408"/>
+        <c:axId val="-2144555832"/>
         <c:scaling>
           <c:orientation val="minMax"/>
         </c:scaling>
@@ -422,7 +422,7 @@
         <c:majorTickMark val="out"/>
         <c:minorTickMark val="none"/>
         <c:tickLblPos val="nextTo"/>
-        <c:crossAx val="45871872"/>
+        <c:crossAx val="-2144558808"/>
         <c:crosses val="autoZero"/>
         <c:crossBetween val="between"/>
       </c:valAx>
@@ -525,7 +525,7 @@
             <a:fld id="{8BC243FF-AE77-4DF4-8CCC-66C2282A886D}" type="datetimeFigureOut">
               <a:rPr lang="en-US" smtClean="0"/>
               <a:pPr/>
-              <a:t>7/20/2015</a:t>
+              <a:t>10/16/16</a:t>
             </a:fld>
             <a:endParaRPr lang="en-US"/>
           </a:p>
@@ -712,7 +712,7 @@
             <a:fld id="{D0858862-58BF-44B0-8200-136196B2F4C7}" type="datetimeFigureOut">
               <a:rPr lang="en-US"/>
               <a:pPr/>
-              <a:t>7/20/2015</a:t>
+              <a:t>10/16/16</a:t>
             </a:fld>
             <a:endParaRPr lang="en-US"/>
           </a:p>
@@ -1302,7 +1302,7 @@
             <a:fld id="{F30AFB2F-5EF3-4CAB-B2FE-BA0A39E220C6}" type="datetimeFigureOut">
               <a:rPr lang="en-US"/>
               <a:pPr/>
-              <a:t>7/20/2015</a:t>
+              <a:t>10/16/16</a:t>
             </a:fld>
             <a:endParaRPr lang="en-US"/>
           </a:p>
@@ -1484,7 +1484,7 @@
             <a:fld id="{778D11B3-B33D-4421-B117-CBEAEEDF3B56}" type="datetimeFigureOut">
               <a:rPr lang="en-US"/>
               <a:pPr/>
-              <a:t>7/20/2015</a:t>
+              <a:t>10/16/16</a:t>
             </a:fld>
             <a:endParaRPr lang="en-US"/>
           </a:p>
@@ -1676,7 +1676,7 @@
             <a:fld id="{E546F523-601C-4AE6-94D0-B6E0B6B185B6}" type="datetimeFigureOut">
               <a:rPr lang="en-US"/>
               <a:pPr/>
-              <a:t>7/20/2015</a:t>
+              <a:t>10/16/16</a:t>
             </a:fld>
             <a:endParaRPr lang="en-US"/>
           </a:p>
@@ -1858,7 +1858,7 @@
             <a:fld id="{2755933F-A7CD-46E1-AE74-F4B25B8A5888}" type="datetimeFigureOut">
               <a:rPr lang="en-US"/>
               <a:pPr/>
-              <a:t>7/20/2015</a:t>
+              <a:t>10/16/16</a:t>
             </a:fld>
             <a:endParaRPr lang="en-US"/>
           </a:p>
@@ -2116,7 +2116,7 @@
             <a:fld id="{E2DD70BF-DD26-4542-8867-0654A849CEFE}" type="datetimeFigureOut">
               <a:rPr lang="en-US"/>
               <a:pPr/>
-              <a:t>7/20/2015</a:t>
+              <a:t>10/16/16</a:t>
             </a:fld>
             <a:endParaRPr lang="en-US"/>
           </a:p>
@@ -2416,7 +2416,7 @@
             <a:fld id="{80E5E274-32FD-4A30-AF3B-64174B6C2069}" type="datetimeFigureOut">
               <a:rPr lang="en-US"/>
               <a:pPr/>
-              <a:t>7/20/2015</a:t>
+              <a:t>10/16/16</a:t>
             </a:fld>
             <a:endParaRPr lang="en-US"/>
           </a:p>
@@ -2850,7 +2850,7 @@
             <a:fld id="{02E83F24-3119-487E-BFBC-C70771716A50}" type="datetimeFigureOut">
               <a:rPr lang="en-US"/>
               <a:pPr/>
-              <a:t>7/20/2015</a:t>
+              <a:t>10/16/16</a:t>
             </a:fld>
             <a:endParaRPr lang="en-US"/>
           </a:p>
@@ -2980,7 +2980,7 @@
             <a:fld id="{68DD7F26-701B-47E4-A59A-055252B49D89}" type="datetimeFigureOut">
               <a:rPr lang="en-US"/>
               <a:pPr/>
-              <a:t>7/20/2015</a:t>
+              <a:t>10/16/16</a:t>
             </a:fld>
             <a:endParaRPr lang="en-US"/>
           </a:p>
@@ -3087,7 +3087,7 @@
             <a:fld id="{CACE95DC-D4F0-4723-9A98-48338ADC933B}" type="datetimeFigureOut">
               <a:rPr lang="en-US"/>
               <a:pPr/>
-              <a:t>7/20/2015</a:t>
+              <a:t>10/16/16</a:t>
             </a:fld>
             <a:endParaRPr lang="en-US"/>
           </a:p>
@@ -3376,7 +3376,7 @@
             <a:fld id="{E253DCD9-B885-4B2F-841C-5BE81A85EC36}" type="datetimeFigureOut">
               <a:rPr lang="en-US"/>
               <a:pPr/>
-              <a:t>7/20/2015</a:t>
+              <a:t>10/16/16</a:t>
             </a:fld>
             <a:endParaRPr lang="en-US"/>
           </a:p>
@@ -3644,7 +3644,7 @@
             <a:fld id="{292D2DE9-A858-4AF6-BFB6-E7BE7517C326}" type="datetimeFigureOut">
               <a:rPr lang="en-US"/>
               <a:pPr/>
-              <a:t>7/20/2015</a:t>
+              <a:t>10/16/16</a:t>
             </a:fld>
             <a:endParaRPr lang="en-US"/>
           </a:p>
@@ -3886,7 +3886,7 @@
             <a:fld id="{28771537-7EF8-4AE1-AA34-66E7A6D640CE}" type="datetimeFigureOut">
               <a:rPr lang="en-US"/>
               <a:pPr/>
-              <a:t>7/20/2015</a:t>
+              <a:t>10/16/16</a:t>
             </a:fld>
             <a:endParaRPr lang="en-US"/>
           </a:p>
@@ -4599,7 +4599,7 @@
   <p:timing>
     <p:tnLst>
       <p:par>
-        <p:cTn id="1" dur="indefinite" restart="never" nodeType="tmRoot"/>
+        <p:cTn xmlns:p14="http://schemas.microsoft.com/office/powerpoint/2010/main" id="1" dur="indefinite" restart="never" nodeType="tmRoot"/>
       </p:par>
     </p:tnLst>
   </p:timing>
@@ -5167,7 +5167,7 @@
   <p:timing>
     <p:tnLst>
       <p:par>
-        <p:cTn id="1" dur="indefinite" restart="never" nodeType="tmRoot"/>
+        <p:cTn xmlns:p14="http://schemas.microsoft.com/office/powerpoint/2010/main" id="1" dur="indefinite" restart="never" nodeType="tmRoot"/>
       </p:par>
     </p:tnLst>
   </p:timing>
@@ -5328,7 +5328,7 @@
   <p:timing>
     <p:tnLst>
       <p:par>
-        <p:cTn id="1" dur="indefinite" restart="never" nodeType="tmRoot"/>
+        <p:cTn xmlns:p14="http://schemas.microsoft.com/office/powerpoint/2010/main" id="1" dur="indefinite" restart="never" nodeType="tmRoot"/>
       </p:par>
     </p:tnLst>
   </p:timing>
@@ -5453,7 +5453,7 @@
   <p:timing>
     <p:tnLst>
       <p:par>
-        <p:cTn id="1" dur="indefinite" restart="never" nodeType="tmRoot"/>
+        <p:cTn xmlns:p14="http://schemas.microsoft.com/office/powerpoint/2010/main" id="1" dur="indefinite" restart="never" nodeType="tmRoot"/>
       </p:par>
     </p:tnLst>
   </p:timing>
@@ -5526,11 +5526,15 @@
             </a:r>
             <a:r>
               <a:rPr lang="en-US" sz="2800" dirty="0" err="1" smtClean="0"/>
-              <a:t>ipython</a:t>
+              <a:t>jupyter</a:t>
             </a:r>
             <a:r>
               <a:rPr lang="en-US" sz="2800" dirty="0" smtClean="0"/>
-              <a:t> notebook. It is good for presentations and sharing finished code. It is not so good for code development. Here are some Python IDEs:</a:t>
+              <a:t> notebook</a:t>
+            </a:r>
+            <a:r>
+              <a:rPr lang="en-US" sz="2800" dirty="0" smtClean="0"/>
+              <a:t>. It is good for presentations and sharing finished code. It is not so good for code development. Here are some Python IDEs:</a:t>
             </a:r>
           </a:p>
           <a:p>
@@ -5543,11 +5547,7 @@
             </a:r>
             <a:r>
               <a:rPr lang="en-US" sz="2400" dirty="0" smtClean="0"/>
-              <a:t> </a:t>
-            </a:r>
-            <a:r>
-              <a:rPr lang="en-US" sz="2400" dirty="0" smtClean="0"/>
-              <a:t>(Scientific Python </a:t>
+              <a:t> (Scientific Python </a:t>
             </a:r>
             <a:r>
               <a:rPr lang="en-US" sz="2400" dirty="0" err="1" smtClean="0"/>
@@ -5575,16 +5575,22 @@
               <a:t>Emacs </a:t>
             </a:r>
             <a:r>
-              <a:rPr lang="en-US" sz="2400" dirty="0" err="1" smtClean="0">
-                <a:hlinkClick r:id="rId3"/>
-              </a:rPr>
-              <a:t>Ipython</a:t>
-            </a:r>
-            <a:r>
               <a:rPr lang="en-US" sz="2400" dirty="0" smtClean="0">
                 <a:hlinkClick r:id="rId3"/>
               </a:rPr>
-              <a:t> Notebook</a:t>
+              <a:t>jupyter</a:t>
+            </a:r>
+            <a:r>
+              <a:rPr lang="en-US" sz="2400" dirty="0" smtClean="0">
+                <a:hlinkClick r:id="rId3"/>
+              </a:rPr>
+              <a:t> </a:t>
+            </a:r>
+            <a:r>
+              <a:rPr lang="en-US" sz="2400" dirty="0" smtClean="0">
+                <a:hlinkClick r:id="rId3"/>
+              </a:rPr>
+              <a:t>Notebook</a:t>
             </a:r>
             <a:endParaRPr lang="en-US" sz="2400" dirty="0" smtClean="0"/>
           </a:p>
@@ -5608,19 +5614,7 @@
             </a:r>
             <a:r>
               <a:rPr lang="en-US" sz="2400" dirty="0" smtClean="0"/>
-              <a:t>, a hosted </a:t>
-            </a:r>
-            <a:r>
-              <a:rPr lang="en-US" sz="2400" dirty="0" smtClean="0"/>
-              <a:t>Python </a:t>
-            </a:r>
-            <a:r>
-              <a:rPr lang="en-US" sz="2400" dirty="0" smtClean="0"/>
-              <a:t>data analysis </a:t>
-            </a:r>
-            <a:r>
-              <a:rPr lang="en-US" sz="2400" dirty="0" smtClean="0"/>
-              <a:t>environment</a:t>
+              <a:t>, a hosted Python data analysis environment</a:t>
             </a:r>
           </a:p>
           <a:p>
@@ -5659,7 +5653,7 @@
   <p:timing>
     <p:tnLst>
       <p:par>
-        <p:cTn id="1" dur="indefinite" restart="never" nodeType="tmRoot"/>
+        <p:cTn xmlns:p14="http://schemas.microsoft.com/office/powerpoint/2010/main" id="1" dur="indefinite" restart="never" nodeType="tmRoot"/>
       </p:par>
     </p:tnLst>
   </p:timing>
@@ -5828,7 +5822,7 @@
   <p:timing>
     <p:tnLst>
       <p:par>
-        <p:cTn id="1" dur="indefinite" restart="never" nodeType="tmRoot"/>
+        <p:cTn xmlns:p14="http://schemas.microsoft.com/office/powerpoint/2010/main" id="1" dur="indefinite" restart="never" nodeType="tmRoot"/>
       </p:par>
     </p:tnLst>
   </p:timing>
@@ -5997,7 +5991,7 @@
   <p:timing>
     <p:tnLst>
       <p:par>
-        <p:cTn id="1" dur="indefinite" restart="never" nodeType="tmRoot"/>
+        <p:cTn xmlns:p14="http://schemas.microsoft.com/office/powerpoint/2010/main" id="1" dur="indefinite" restart="never" nodeType="tmRoot"/>
       </p:par>
     </p:tnLst>
   </p:timing>
@@ -6079,12 +6073,13 @@
           <a:p>
             <a:r>
               <a:rPr lang="en-US" dirty="0" err="1" smtClean="0"/>
-              <a:t>IPython</a:t>
+              <a:t>Jupyter</a:t>
             </a:r>
             <a:r>
               <a:rPr lang="en-US" dirty="0" smtClean="0"/>
               <a:t> Notebook</a:t>
             </a:r>
+            <a:endParaRPr lang="en-US" dirty="0" smtClean="0"/>
           </a:p>
           <a:p>
             <a:r>
@@ -6104,11 +6099,7 @@
           <a:p>
             <a:r>
               <a:rPr lang="en-US" dirty="0" smtClean="0"/>
-              <a:t>Read and </a:t>
-            </a:r>
-            <a:r>
-              <a:rPr lang="en-US" dirty="0" smtClean="0"/>
-              <a:t>write netCDF files</a:t>
+              <a:t>Read and write netCDF files</a:t>
             </a:r>
           </a:p>
           <a:p>
@@ -6133,11 +6124,7 @@
           <a:p>
             <a:r>
               <a:rPr lang="en-US" dirty="0" smtClean="0"/>
-              <a:t>And </a:t>
-            </a:r>
-            <a:r>
-              <a:rPr lang="en-US" dirty="0" smtClean="0"/>
-              <a:t>lots more …</a:t>
+              <a:t>And lots more …</a:t>
             </a:r>
             <a:endParaRPr lang="en-US" dirty="0"/>
           </a:p>
@@ -6151,7 +6138,7 @@
   <p:timing>
     <p:tnLst>
       <p:par>
-        <p:cTn id="1" dur="indefinite" restart="never" nodeType="tmRoot"/>
+        <p:cTn xmlns:p14="http://schemas.microsoft.com/office/powerpoint/2010/main" id="1" dur="indefinite" restart="never" nodeType="tmRoot"/>
       </p:par>
     </p:tnLst>
   </p:timing>
@@ -6341,7 +6328,7 @@
   <p:timing>
     <p:tnLst>
       <p:par>
-        <p:cTn id="1" dur="indefinite" restart="never" nodeType="tmRoot"/>
+        <p:cTn xmlns:p14="http://schemas.microsoft.com/office/powerpoint/2010/main" id="1" dur="indefinite" restart="never" nodeType="tmRoot"/>
       </p:par>
     </p:tnLst>
   </p:timing>
@@ -6470,7 +6457,7 @@
   <p:timing>
     <p:tnLst>
       <p:par>
-        <p:cTn id="1" dur="indefinite" restart="never" nodeType="tmRoot"/>
+        <p:cTn xmlns:p14="http://schemas.microsoft.com/office/powerpoint/2010/main" id="1" dur="indefinite" restart="never" nodeType="tmRoot"/>
       </p:par>
     </p:tnLst>
   </p:timing>
@@ -6605,7 +6592,7 @@
   <p:timing>
     <p:tnLst>
       <p:par>
-        <p:cTn id="1" dur="indefinite" restart="never" nodeType="tmRoot"/>
+        <p:cTn xmlns:p14="http://schemas.microsoft.com/office/powerpoint/2010/main" id="1" dur="indefinite" restart="never" nodeType="tmRoot"/>
       </p:par>
     </p:tnLst>
   </p:timing>
@@ -6661,14 +6648,14 @@
           <a:noFill/>
           <a:ln/>
           <a:extLst>
-            <a:ext uri="{909E8E84-426E-40DD-AFC4-6F175D3DCCD1}">
+            <a:ext uri="{909E8E84-426E-40dd-AFC4-6F175D3DCCD1}">
               <a14:hiddenFill xmlns:a14="http://schemas.microsoft.com/office/drawing/2010/main">
                 <a:solidFill>
                   <a:srgbClr val="FFFFFF"/>
                 </a:solidFill>
               </a14:hiddenFill>
             </a:ext>
-            <a:ext uri="{91240B29-F687-4F45-9708-019B960494DF}">
+            <a:ext uri="{91240B29-F687-4f45-9708-019B960494DF}">
               <a14:hiddenLine xmlns:a14="http://schemas.microsoft.com/office/drawing/2010/main" w="9525">
                 <a:solidFill>
                   <a:srgbClr val="000000"/>
@@ -6678,7 +6665,7 @@
                 <a:tailEnd/>
               </a14:hiddenLine>
             </a:ext>
-            <a:ext uri="{AF507438-7753-43E0-B8FC-AC1667EBCBE1}">
+            <a:ext uri="{AF507438-7753-43e0-B8FC-AC1667EBCBE1}">
               <a14:hiddenEffects xmlns:a14="http://schemas.microsoft.com/office/drawing/2010/main">
                 <a:effectLst>
                   <a:outerShdw dist="35921" dir="2700000" algn="ctr" rotWithShape="0">
@@ -7148,7 +7135,7 @@
   <p:timing>
     <p:tnLst>
       <p:par>
-        <p:cTn id="1" dur="indefinite" restart="never" nodeType="tmRoot"/>
+        <p:cTn xmlns:p14="http://schemas.microsoft.com/office/powerpoint/2010/main" id="1" dur="indefinite" restart="never" nodeType="tmRoot"/>
       </p:par>
     </p:tnLst>
   </p:timing>
@@ -7508,7 +7495,7 @@
   <p:timing>
     <p:tnLst>
       <p:par>
-        <p:cTn id="1" dur="indefinite" restart="never" nodeType="tmRoot"/>
+        <p:cTn xmlns:p14="http://schemas.microsoft.com/office/powerpoint/2010/main" id="1" dur="indefinite" restart="never" nodeType="tmRoot"/>
       </p:par>
     </p:tnLst>
   </p:timing>
@@ -7652,7 +7639,7 @@
   <p:timing>
     <p:tnLst>
       <p:par>
-        <p:cTn id="1" dur="indefinite" restart="never" nodeType="tmRoot"/>
+        <p:cTn xmlns:p14="http://schemas.microsoft.com/office/powerpoint/2010/main" id="1" dur="indefinite" restart="never" nodeType="tmRoot"/>
       </p:par>
     </p:tnLst>
   </p:timing>
@@ -7866,7 +7853,7 @@
   <p:timing>
     <p:tnLst>
       <p:par>
-        <p:cTn id="1" dur="indefinite" restart="never" nodeType="tmRoot"/>
+        <p:cTn xmlns:p14="http://schemas.microsoft.com/office/powerpoint/2010/main" id="1" dur="indefinite" restart="never" nodeType="tmRoot"/>
       </p:par>
     </p:tnLst>
   </p:timing>
@@ -8025,7 +8012,7 @@
   <p:timing>
     <p:tnLst>
       <p:par>
-        <p:cTn id="1" dur="indefinite" restart="never" nodeType="tmRoot"/>
+        <p:cTn xmlns:p14="http://schemas.microsoft.com/office/powerpoint/2010/main" id="1" dur="indefinite" restart="never" nodeType="tmRoot"/>
       </p:par>
     </p:tnLst>
   </p:timing>
